--- a/ref/review.pptx
+++ b/ref/review.pptx
@@ -5,7 +5,7 @@
     <p:sldMasterId id="2147483672" r:id="rId1"/>
   </p:sldMasterIdLst>
   <p:notesMasterIdLst>
-    <p:notesMasterId r:id="rId15"/>
+    <p:notesMasterId r:id="rId17"/>
   </p:notesMasterIdLst>
   <p:sldIdLst>
     <p:sldId id="256" r:id="rId2"/>
@@ -15,12 +15,14 @@
     <p:sldId id="275" r:id="rId6"/>
     <p:sldId id="276" r:id="rId7"/>
     <p:sldId id="277" r:id="rId8"/>
-    <p:sldId id="278" r:id="rId9"/>
-    <p:sldId id="279" r:id="rId10"/>
-    <p:sldId id="281" r:id="rId11"/>
-    <p:sldId id="282" r:id="rId12"/>
-    <p:sldId id="283" r:id="rId13"/>
-    <p:sldId id="280" r:id="rId14"/>
+    <p:sldId id="284" r:id="rId9"/>
+    <p:sldId id="285" r:id="rId10"/>
+    <p:sldId id="278" r:id="rId11"/>
+    <p:sldId id="279" r:id="rId12"/>
+    <p:sldId id="281" r:id="rId13"/>
+    <p:sldId id="282" r:id="rId14"/>
+    <p:sldId id="283" r:id="rId15"/>
+    <p:sldId id="280" r:id="rId16"/>
   </p:sldIdLst>
   <p:sldSz cx="12192000" cy="6858000"/>
   <p:notesSz cx="6858000" cy="9144000"/>
@@ -119,6 +121,11 @@
       </a:defRPr>
     </a:lvl9pPr>
   </p:defaultTextStyle>
+  <p:extLst>
+    <p:ext uri="{EFAFB233-063F-42B5-8137-9DF3F51BA10A}">
+      <p15:sldGuideLst xmlns:p15="http://schemas.microsoft.com/office/powerpoint/2012/main"/>
+    </p:ext>
+  </p:extLst>
 </p:presentation>
 </file>
 
@@ -204,7 +211,7 @@
           <a:p>
             <a:fld id="{F7ABECBF-1541-4BFC-93B5-8267AB650DB6}" type="datetimeFigureOut">
               <a:rPr lang="en-IN" smtClean="0"/>
-              <a:t>13-02-2025</a:t>
+              <a:t>05-04-2025</a:t>
             </a:fld>
             <a:endParaRPr lang="en-IN"/>
           </a:p>
@@ -687,7 +694,7 @@
           <a:p>
             <a:fld id="{E50EC797-94D1-44A2-941F-2D9937C69B04}" type="datetime1">
               <a:rPr lang="en-IN" smtClean="0"/>
-              <a:t>14-02-2025</a:t>
+              <a:t>05-04-2025</a:t>
             </a:fld>
             <a:endParaRPr lang="en-IN"/>
           </a:p>
@@ -857,7 +864,7 @@
           <a:p>
             <a:fld id="{5D1DA1A9-DA29-4A73-A166-9CF6AF34A4B0}" type="datetime1">
               <a:rPr lang="en-IN" smtClean="0"/>
-              <a:t>14-02-2025</a:t>
+              <a:t>05-04-2025</a:t>
             </a:fld>
             <a:endParaRPr lang="en-IN"/>
           </a:p>
@@ -1037,7 +1044,7 @@
           <a:p>
             <a:fld id="{00589C0A-F107-4FEE-9FB8-8A209B04316D}" type="datetime1">
               <a:rPr lang="en-IN" smtClean="0"/>
-              <a:t>14-02-2025</a:t>
+              <a:t>05-04-2025</a:t>
             </a:fld>
             <a:endParaRPr lang="en-IN"/>
           </a:p>
@@ -1207,7 +1214,7 @@
           <a:p>
             <a:fld id="{8D91C199-493A-4E7A-B7E8-1E6363532FB5}" type="datetime1">
               <a:rPr lang="en-IN" smtClean="0"/>
-              <a:t>14-02-2025</a:t>
+              <a:t>05-04-2025</a:t>
             </a:fld>
             <a:endParaRPr lang="en-IN"/>
           </a:p>
@@ -1453,7 +1460,7 @@
           <a:p>
             <a:fld id="{9F72E3BF-C0A1-42AF-8D94-C3C32335D92F}" type="datetime1">
               <a:rPr lang="en-IN" smtClean="0"/>
-              <a:t>14-02-2025</a:t>
+              <a:t>05-04-2025</a:t>
             </a:fld>
             <a:endParaRPr lang="en-IN"/>
           </a:p>
@@ -1685,7 +1692,7 @@
           <a:p>
             <a:fld id="{7AA26896-81D7-45A4-85CC-03C1F3844996}" type="datetime1">
               <a:rPr lang="en-IN" smtClean="0"/>
-              <a:t>14-02-2025</a:t>
+              <a:t>05-04-2025</a:t>
             </a:fld>
             <a:endParaRPr lang="en-IN"/>
           </a:p>
@@ -2052,7 +2059,7 @@
           <a:p>
             <a:fld id="{6A54A44D-5B97-49D1-99DF-088DB02E9C18}" type="datetime1">
               <a:rPr lang="en-IN" smtClean="0"/>
-              <a:t>14-02-2025</a:t>
+              <a:t>05-04-2025</a:t>
             </a:fld>
             <a:endParaRPr lang="en-IN"/>
           </a:p>
@@ -2170,7 +2177,7 @@
           <a:p>
             <a:fld id="{ED7C3D1E-BD41-46E8-90F7-3748A2D453E8}" type="datetime1">
               <a:rPr lang="en-IN" smtClean="0"/>
-              <a:t>14-02-2025</a:t>
+              <a:t>05-04-2025</a:t>
             </a:fld>
             <a:endParaRPr lang="en-IN"/>
           </a:p>
@@ -2265,7 +2272,7 @@
           <a:p>
             <a:fld id="{11014AA7-2F80-4A35-A763-FE7D915EA3D6}" type="datetime1">
               <a:rPr lang="en-IN" smtClean="0"/>
-              <a:t>14-02-2025</a:t>
+              <a:t>05-04-2025</a:t>
             </a:fld>
             <a:endParaRPr lang="en-IN"/>
           </a:p>
@@ -2542,7 +2549,7 @@
           <a:p>
             <a:fld id="{F7726069-FD6B-4484-BE47-96CC6ED60812}" type="datetime1">
               <a:rPr lang="en-IN" smtClean="0"/>
-              <a:t>14-02-2025</a:t>
+              <a:t>05-04-2025</a:t>
             </a:fld>
             <a:endParaRPr lang="en-IN"/>
           </a:p>
@@ -2799,7 +2806,7 @@
           <a:p>
             <a:fld id="{6FA2760A-7012-4CC3-8AF7-542AF72AED7A}" type="datetime1">
               <a:rPr lang="en-IN" smtClean="0"/>
-              <a:t>14-02-2025</a:t>
+              <a:t>05-04-2025</a:t>
             </a:fld>
             <a:endParaRPr lang="en-IN"/>
           </a:p>
@@ -3012,7 +3019,7 @@
           <a:p>
             <a:fld id="{CFF7163A-7C59-465F-B09A-A21B2BBCB3B4}" type="datetime1">
               <a:rPr lang="en-IN" smtClean="0"/>
-              <a:t>14-02-2025</a:t>
+              <a:t>05-04-2025</a:t>
             </a:fld>
             <a:endParaRPr lang="en-IN"/>
           </a:p>
@@ -3582,7 +3589,7 @@
         </p:nvSpPr>
         <p:spPr>
           <a:xfrm>
-            <a:off x="8169815" y="4425433"/>
+            <a:off x="8169815" y="4424762"/>
             <a:ext cx="1994170" cy="369332"/>
           </a:xfrm>
           <a:prstGeom prst="rect">
@@ -3654,6 +3661,370 @@
 </file>
 
 <file path=ppt/slides/slide10.xml><?xml version="1.0" encoding="utf-8"?>
+<p:sld xmlns:a="http://schemas.openxmlformats.org/drawingml/2006/main" xmlns:r="http://schemas.openxmlformats.org/officeDocument/2006/relationships" xmlns:p="http://schemas.openxmlformats.org/presentationml/2006/main">
+  <p:cSld>
+    <p:spTree>
+      <p:nvGrpSpPr>
+        <p:cNvPr id="1" name="">
+          <a:extLst>
+            <a:ext uri="{FF2B5EF4-FFF2-40B4-BE49-F238E27FC236}">
+              <a16:creationId xmlns:a16="http://schemas.microsoft.com/office/drawing/2014/main" id="{C6D6722E-1583-8624-5283-A527A3E9BBB8}"/>
+            </a:ext>
+          </a:extLst>
+        </p:cNvPr>
+        <p:cNvGrpSpPr/>
+        <p:nvPr/>
+      </p:nvGrpSpPr>
+      <p:grpSpPr>
+        <a:xfrm>
+          <a:off x="0" y="0"/>
+          <a:ext cx="0" cy="0"/>
+          <a:chOff x="0" y="0"/>
+          <a:chExt cx="0" cy="0"/>
+        </a:xfrm>
+      </p:grpSpPr>
+      <p:sp>
+        <p:nvSpPr>
+          <p:cNvPr id="2" name="Title 1">
+            <a:extLst>
+              <a:ext uri="{FF2B5EF4-FFF2-40B4-BE49-F238E27FC236}">
+                <a16:creationId xmlns:a16="http://schemas.microsoft.com/office/drawing/2014/main" id="{833743C6-5721-44BD-B121-40F746A02E19}"/>
+              </a:ext>
+            </a:extLst>
+          </p:cNvPr>
+          <p:cNvSpPr>
+            <a:spLocks noGrp="1"/>
+          </p:cNvSpPr>
+          <p:nvPr>
+            <p:ph type="title"/>
+          </p:nvPr>
+        </p:nvSpPr>
+        <p:spPr/>
+        <p:txBody>
+          <a:bodyPr/>
+          <a:lstStyle/>
+          <a:p>
+            <a:r>
+              <a:rPr lang="en-US" dirty="0"/>
+              <a:t>Problem Statement</a:t>
+            </a:r>
+            <a:endParaRPr lang="en-IN" dirty="0"/>
+          </a:p>
+        </p:txBody>
+      </p:sp>
+      <p:sp>
+        <p:nvSpPr>
+          <p:cNvPr id="3" name="Content Placeholder 2">
+            <a:extLst>
+              <a:ext uri="{FF2B5EF4-FFF2-40B4-BE49-F238E27FC236}">
+                <a16:creationId xmlns:a16="http://schemas.microsoft.com/office/drawing/2014/main" id="{67951A7B-7617-9A2C-1BA6-F96C9B3EB19C}"/>
+              </a:ext>
+            </a:extLst>
+          </p:cNvPr>
+          <p:cNvSpPr>
+            <a:spLocks noGrp="1"/>
+          </p:cNvSpPr>
+          <p:nvPr>
+            <p:ph idx="1"/>
+          </p:nvPr>
+        </p:nvSpPr>
+        <p:spPr/>
+        <p:txBody>
+          <a:bodyPr/>
+          <a:lstStyle/>
+          <a:p>
+            <a:r>
+              <a:rPr lang="en-US" b="1" dirty="0"/>
+              <a:t>Limited Scope</a:t>
+            </a:r>
+            <a:r>
+              <a:rPr lang="en-US" dirty="0"/>
+              <a:t> – Most explainability methods focus only on </a:t>
+            </a:r>
+            <a:r>
+              <a:rPr lang="en-US" b="1" dirty="0"/>
+              <a:t>vision classification</a:t>
+            </a:r>
+            <a:r>
+              <a:rPr lang="en-US" dirty="0"/>
+              <a:t>, ignoring multi-modal understanding</a:t>
+            </a:r>
+          </a:p>
+          <a:p>
+            <a:r>
+              <a:rPr lang="en-US" b="1" dirty="0"/>
+              <a:t>Single-Model Focus</a:t>
+            </a:r>
+            <a:r>
+              <a:rPr lang="en-US" dirty="0"/>
+              <a:t> – Existing methods work with either </a:t>
+            </a:r>
+            <a:r>
+              <a:rPr lang="en-US" b="1" dirty="0"/>
+              <a:t>CNNs or Transformers</a:t>
+            </a:r>
+            <a:r>
+              <a:rPr lang="en-US" dirty="0"/>
+              <a:t>, but rarely both</a:t>
+            </a:r>
+          </a:p>
+          <a:p>
+            <a:r>
+              <a:rPr lang="en-US" b="1" dirty="0"/>
+              <a:t>Lack of Multi-Modal Explainability</a:t>
+            </a:r>
+            <a:r>
+              <a:rPr lang="en-US" dirty="0"/>
+              <a:t> – Current approaches fail to </a:t>
+            </a:r>
+            <a:r>
+              <a:rPr lang="en-US" b="1" dirty="0"/>
+              <a:t>link textual components with specific image regions</a:t>
+            </a:r>
+            <a:r>
+              <a:rPr lang="en-US" dirty="0"/>
+              <a:t> in vision-language models.</a:t>
+            </a:r>
+            <a:endParaRPr lang="en-IN" dirty="0"/>
+          </a:p>
+        </p:txBody>
+      </p:sp>
+      <p:pic>
+        <p:nvPicPr>
+          <p:cNvPr id="7" name="Picture 6">
+            <a:extLst>
+              <a:ext uri="{FF2B5EF4-FFF2-40B4-BE49-F238E27FC236}">
+                <a16:creationId xmlns:a16="http://schemas.microsoft.com/office/drawing/2014/main" id="{0D98C8F1-A43C-03DF-245D-8F5D0F211C88}"/>
+              </a:ext>
+            </a:extLst>
+          </p:cNvPr>
+          <p:cNvPicPr>
+            <a:picLocks noChangeAspect="1"/>
+          </p:cNvPicPr>
+          <p:nvPr/>
+        </p:nvPicPr>
+        <p:blipFill>
+          <a:blip r:embed="rId2">
+            <a:extLst>
+              <a:ext uri="{28A0092B-C50C-407E-A947-70E740481C1C}">
+                <a14:useLocalDpi xmlns:a14="http://schemas.microsoft.com/office/drawing/2010/main" val="0"/>
+              </a:ext>
+            </a:extLst>
+          </a:blip>
+          <a:stretch>
+            <a:fillRect/>
+          </a:stretch>
+        </p:blipFill>
+        <p:spPr>
+          <a:xfrm>
+            <a:off x="10094490" y="0"/>
+            <a:ext cx="1863300" cy="1050925"/>
+          </a:xfrm>
+          <a:prstGeom prst="rect">
+            <a:avLst/>
+          </a:prstGeom>
+        </p:spPr>
+      </p:pic>
+    </p:spTree>
+    <p:extLst>
+      <p:ext uri="{BB962C8B-B14F-4D97-AF65-F5344CB8AC3E}">
+        <p14:creationId xmlns:p14="http://schemas.microsoft.com/office/powerpoint/2010/main" val="445328935"/>
+      </p:ext>
+    </p:extLst>
+  </p:cSld>
+  <p:clrMapOvr>
+    <a:masterClrMapping/>
+  </p:clrMapOvr>
+</p:sld>
+</file>
+
+<file path=ppt/slides/slide11.xml><?xml version="1.0" encoding="utf-8"?>
+<p:sld xmlns:a="http://schemas.openxmlformats.org/drawingml/2006/main" xmlns:r="http://schemas.openxmlformats.org/officeDocument/2006/relationships" xmlns:p="http://schemas.openxmlformats.org/presentationml/2006/main">
+  <p:cSld>
+    <p:spTree>
+      <p:nvGrpSpPr>
+        <p:cNvPr id="1" name="">
+          <a:extLst>
+            <a:ext uri="{FF2B5EF4-FFF2-40B4-BE49-F238E27FC236}">
+              <a16:creationId xmlns:a16="http://schemas.microsoft.com/office/drawing/2014/main" id="{E1DB6C70-593D-AB9E-1CF1-F6C53C0F5D86}"/>
+            </a:ext>
+          </a:extLst>
+        </p:cNvPr>
+        <p:cNvGrpSpPr/>
+        <p:nvPr/>
+      </p:nvGrpSpPr>
+      <p:grpSpPr>
+        <a:xfrm>
+          <a:off x="0" y="0"/>
+          <a:ext cx="0" cy="0"/>
+          <a:chOff x="0" y="0"/>
+          <a:chExt cx="0" cy="0"/>
+        </a:xfrm>
+      </p:grpSpPr>
+      <p:sp>
+        <p:nvSpPr>
+          <p:cNvPr id="2" name="Title 1">
+            <a:extLst>
+              <a:ext uri="{FF2B5EF4-FFF2-40B4-BE49-F238E27FC236}">
+                <a16:creationId xmlns:a16="http://schemas.microsoft.com/office/drawing/2014/main" id="{93FD9F12-D16D-3F8C-0DE3-97C52D215940}"/>
+              </a:ext>
+            </a:extLst>
+          </p:cNvPr>
+          <p:cNvSpPr>
+            <a:spLocks noGrp="1"/>
+          </p:cNvSpPr>
+          <p:nvPr>
+            <p:ph type="title"/>
+          </p:nvPr>
+        </p:nvSpPr>
+        <p:spPr/>
+        <p:txBody>
+          <a:bodyPr/>
+          <a:lstStyle/>
+          <a:p>
+            <a:r>
+              <a:rPr lang="en-US" dirty="0"/>
+              <a:t>Objectives</a:t>
+            </a:r>
+            <a:endParaRPr lang="en-IN" dirty="0"/>
+          </a:p>
+        </p:txBody>
+      </p:sp>
+      <p:sp>
+        <p:nvSpPr>
+          <p:cNvPr id="3" name="Content Placeholder 2">
+            <a:extLst>
+              <a:ext uri="{FF2B5EF4-FFF2-40B4-BE49-F238E27FC236}">
+                <a16:creationId xmlns:a16="http://schemas.microsoft.com/office/drawing/2014/main" id="{0B6AE716-18BF-3DBC-80F7-A62B974D27F0}"/>
+              </a:ext>
+            </a:extLst>
+          </p:cNvPr>
+          <p:cNvSpPr>
+            <a:spLocks noGrp="1"/>
+          </p:cNvSpPr>
+          <p:nvPr>
+            <p:ph idx="1"/>
+          </p:nvPr>
+        </p:nvSpPr>
+        <p:spPr/>
+        <p:txBody>
+          <a:bodyPr/>
+          <a:lstStyle/>
+          <a:p>
+            <a:r>
+              <a:rPr lang="en-US" b="1" dirty="0"/>
+              <a:t>Develop a Novel Explainability Framework</a:t>
+            </a:r>
+            <a:r>
+              <a:rPr lang="en-US" dirty="0"/>
+              <a:t> – Design an approach that works for both </a:t>
+            </a:r>
+            <a:r>
+              <a:rPr lang="en-US" b="1" dirty="0"/>
+              <a:t>CNNs and Transformer-based models</a:t>
+            </a:r>
+            <a:r>
+              <a:rPr lang="en-US" dirty="0"/>
+              <a:t>.</a:t>
+            </a:r>
+          </a:p>
+          <a:p>
+            <a:r>
+              <a:rPr lang="en-US" b="1" dirty="0"/>
+              <a:t>Enable Multi-Modal Interpretation</a:t>
+            </a:r>
+            <a:r>
+              <a:rPr lang="en-US" dirty="0"/>
+              <a:t> – Provide insights into </a:t>
+            </a:r>
+            <a:r>
+              <a:rPr lang="en-US" b="1" dirty="0"/>
+              <a:t>text-image correlations</a:t>
+            </a:r>
+            <a:r>
+              <a:rPr lang="en-US" dirty="0"/>
+              <a:t> for tasks like </a:t>
+            </a:r>
+            <a:r>
+              <a:rPr lang="en-US" b="1" dirty="0"/>
+              <a:t>VQA and image captioning</a:t>
+            </a:r>
+            <a:r>
+              <a:rPr lang="en-US" dirty="0"/>
+              <a:t>.</a:t>
+            </a:r>
+          </a:p>
+          <a:p>
+            <a:r>
+              <a:rPr lang="en-US" b="1" dirty="0"/>
+              <a:t>Go Beyond Classification</a:t>
+            </a:r>
+            <a:r>
+              <a:rPr lang="en-US" dirty="0"/>
+              <a:t> – Extend explainability to </a:t>
+            </a:r>
+            <a:r>
+              <a:rPr lang="en-US" b="1" dirty="0"/>
+              <a:t>retrieval, segmentation, and multi-modal reasoning</a:t>
+            </a:r>
+            <a:r>
+              <a:rPr lang="en-US" dirty="0"/>
+              <a:t> tasks.</a:t>
+            </a:r>
+            <a:endParaRPr lang="en-IN" dirty="0"/>
+          </a:p>
+        </p:txBody>
+      </p:sp>
+      <p:pic>
+        <p:nvPicPr>
+          <p:cNvPr id="6" name="Picture 5">
+            <a:extLst>
+              <a:ext uri="{FF2B5EF4-FFF2-40B4-BE49-F238E27FC236}">
+                <a16:creationId xmlns:a16="http://schemas.microsoft.com/office/drawing/2014/main" id="{718070E0-B4E0-8682-FC8F-8AA6E59FAEE3}"/>
+              </a:ext>
+            </a:extLst>
+          </p:cNvPr>
+          <p:cNvPicPr>
+            <a:picLocks noChangeAspect="1"/>
+          </p:cNvPicPr>
+          <p:nvPr/>
+        </p:nvPicPr>
+        <p:blipFill>
+          <a:blip r:embed="rId2">
+            <a:extLst>
+              <a:ext uri="{28A0092B-C50C-407E-A947-70E740481C1C}">
+                <a14:useLocalDpi xmlns:a14="http://schemas.microsoft.com/office/drawing/2010/main" val="0"/>
+              </a:ext>
+            </a:extLst>
+          </a:blip>
+          <a:stretch>
+            <a:fillRect/>
+          </a:stretch>
+        </p:blipFill>
+        <p:spPr>
+          <a:xfrm>
+            <a:off x="10094490" y="0"/>
+            <a:ext cx="1863300" cy="1050925"/>
+          </a:xfrm>
+          <a:prstGeom prst="rect">
+            <a:avLst/>
+          </a:prstGeom>
+        </p:spPr>
+      </p:pic>
+    </p:spTree>
+    <p:extLst>
+      <p:ext uri="{BB962C8B-B14F-4D97-AF65-F5344CB8AC3E}">
+        <p14:creationId xmlns:p14="http://schemas.microsoft.com/office/powerpoint/2010/main" val="655096832"/>
+      </p:ext>
+    </p:extLst>
+  </p:cSld>
+  <p:clrMapOvr>
+    <a:masterClrMapping/>
+  </p:clrMapOvr>
+</p:sld>
+</file>
+
+<file path=ppt/slides/slide12.xml><?xml version="1.0" encoding="utf-8"?>
 <p:sld xmlns:a="http://schemas.openxmlformats.org/drawingml/2006/main" xmlns:r="http://schemas.openxmlformats.org/officeDocument/2006/relationships" xmlns:p="http://schemas.openxmlformats.org/presentationml/2006/main">
   <p:cSld>
     <p:spTree>
@@ -3848,7 +4219,7 @@
 </p:sld>
 </file>
 
-<file path=ppt/slides/slide11.xml><?xml version="1.0" encoding="utf-8"?>
+<file path=ppt/slides/slide13.xml><?xml version="1.0" encoding="utf-8"?>
 <p:sld xmlns:a="http://schemas.openxmlformats.org/drawingml/2006/main" xmlns:r="http://schemas.openxmlformats.org/officeDocument/2006/relationships" xmlns:p="http://schemas.openxmlformats.org/presentationml/2006/main">
   <p:cSld>
     <p:spTree>
@@ -4048,7 +4419,7 @@
 </p:sld>
 </file>
 
-<file path=ppt/slides/slide12.xml><?xml version="1.0" encoding="utf-8"?>
+<file path=ppt/slides/slide14.xml><?xml version="1.0" encoding="utf-8"?>
 <p:sld xmlns:a="http://schemas.openxmlformats.org/drawingml/2006/main" xmlns:r="http://schemas.openxmlformats.org/officeDocument/2006/relationships" xmlns:p="http://schemas.openxmlformats.org/presentationml/2006/main">
   <p:cSld>
     <p:spTree>
@@ -4249,7 +4620,7 @@
 </p:sld>
 </file>
 
-<file path=ppt/slides/slide13.xml><?xml version="1.0" encoding="utf-8"?>
+<file path=ppt/slides/slide15.xml><?xml version="1.0" encoding="utf-8"?>
 <p:sld xmlns:a="http://schemas.openxmlformats.org/drawingml/2006/main" xmlns:r="http://schemas.openxmlformats.org/officeDocument/2006/relationships" xmlns:p="http://schemas.openxmlformats.org/presentationml/2006/main">
   <p:cSld>
     <p:spTree>
@@ -7578,7 +7949,7 @@
         <p:cNvPr id="1" name="">
           <a:extLst>
             <a:ext uri="{FF2B5EF4-FFF2-40B4-BE49-F238E27FC236}">
-              <a16:creationId xmlns:a16="http://schemas.microsoft.com/office/drawing/2014/main" id="{C6D6722E-1583-8624-5283-A527A3E9BBB8}"/>
+              <a16:creationId xmlns:a16="http://schemas.microsoft.com/office/drawing/2014/main" id="{E85EB5E9-8031-D846-6B38-6FB314456D51}"/>
             </a:ext>
           </a:extLst>
         </p:cNvPr>
@@ -7598,7 +7969,7 @@
           <p:cNvPr id="2" name="Title 1">
             <a:extLst>
               <a:ext uri="{FF2B5EF4-FFF2-40B4-BE49-F238E27FC236}">
-                <a16:creationId xmlns:a16="http://schemas.microsoft.com/office/drawing/2014/main" id="{833743C6-5721-44BD-B121-40F746A02E19}"/>
+                <a16:creationId xmlns:a16="http://schemas.microsoft.com/office/drawing/2014/main" id="{30C54FAA-F88D-C59C-391D-1C67C067E8C3}"/>
               </a:ext>
             </a:extLst>
           </p:cNvPr>
@@ -7609,102 +7980,560 @@
             <p:ph type="title"/>
           </p:nvPr>
         </p:nvSpPr>
-        <p:spPr/>
+        <p:spPr>
+          <a:xfrm>
+            <a:off x="838200" y="365125"/>
+            <a:ext cx="10391778" cy="1325563"/>
+          </a:xfrm>
+        </p:spPr>
         <p:txBody>
           <a:bodyPr/>
           <a:lstStyle/>
           <a:p>
             <a:r>
               <a:rPr lang="en-US" dirty="0"/>
-              <a:t>Problem Statement</a:t>
+              <a:t>Literature Survey</a:t>
             </a:r>
             <a:endParaRPr lang="en-IN" dirty="0"/>
           </a:p>
         </p:txBody>
       </p:sp>
-      <p:sp>
-        <p:nvSpPr>
-          <p:cNvPr id="3" name="Content Placeholder 2">
+      <p:graphicFrame>
+        <p:nvGraphicFramePr>
+          <p:cNvPr id="10" name="Table 9">
             <a:extLst>
               <a:ext uri="{FF2B5EF4-FFF2-40B4-BE49-F238E27FC236}">
-                <a16:creationId xmlns:a16="http://schemas.microsoft.com/office/drawing/2014/main" id="{67951A7B-7617-9A2C-1BA6-F96C9B3EB19C}"/>
+                <a16:creationId xmlns:a16="http://schemas.microsoft.com/office/drawing/2014/main" id="{0593F3C3-90AD-4A19-7767-490F7229B463}"/>
               </a:ext>
             </a:extLst>
           </p:cNvPr>
-          <p:cNvSpPr>
-            <a:spLocks noGrp="1"/>
-          </p:cNvSpPr>
-          <p:nvPr>
-            <p:ph idx="1"/>
-          </p:nvPr>
-        </p:nvSpPr>
-        <p:spPr/>
-        <p:txBody>
-          <a:bodyPr/>
-          <a:lstStyle/>
-          <a:p>
-            <a:r>
-              <a:rPr lang="en-US" b="1" dirty="0"/>
-              <a:t>Limited Scope</a:t>
-            </a:r>
-            <a:r>
-              <a:rPr lang="en-US" dirty="0"/>
-              <a:t> – Most explainability methods focus only on </a:t>
-            </a:r>
-            <a:r>
-              <a:rPr lang="en-US" b="1" dirty="0"/>
-              <a:t>vision classification</a:t>
-            </a:r>
-            <a:r>
-              <a:rPr lang="en-US" dirty="0"/>
-              <a:t>, ignoring multi-modal understanding</a:t>
-            </a:r>
-          </a:p>
-          <a:p>
-            <a:r>
-              <a:rPr lang="en-US" b="1" dirty="0"/>
-              <a:t>Single-Model Focus</a:t>
-            </a:r>
-            <a:r>
-              <a:rPr lang="en-US" dirty="0"/>
-              <a:t> – Existing methods work with either </a:t>
-            </a:r>
-            <a:r>
-              <a:rPr lang="en-US" b="1" dirty="0"/>
-              <a:t>CNNs or Transformers</a:t>
-            </a:r>
-            <a:r>
-              <a:rPr lang="en-US" dirty="0"/>
-              <a:t>, but rarely both</a:t>
-            </a:r>
-          </a:p>
-          <a:p>
-            <a:r>
-              <a:rPr lang="en-US" b="1" dirty="0"/>
-              <a:t>Lack of Multi-Modal Explainability</a:t>
-            </a:r>
-            <a:r>
-              <a:rPr lang="en-US" dirty="0"/>
-              <a:t> – Current approaches fail to </a:t>
-            </a:r>
-            <a:r>
-              <a:rPr lang="en-US" b="1" dirty="0"/>
-              <a:t>link textual components with specific image regions</a:t>
-            </a:r>
-            <a:r>
-              <a:rPr lang="en-US" dirty="0"/>
-              <a:t> in vision-language models.</a:t>
-            </a:r>
-            <a:endParaRPr lang="en-IN" dirty="0"/>
-          </a:p>
-        </p:txBody>
-      </p:sp>
+          <p:cNvGraphicFramePr>
+            <a:graphicFrameLocks noGrp="1"/>
+          </p:cNvGraphicFramePr>
+          <p:nvPr>
+            <p:extLst>
+              <p:ext uri="{D42A27DB-BD31-4B8C-83A1-F6EECF244321}">
+                <p14:modId xmlns:p14="http://schemas.microsoft.com/office/powerpoint/2010/main" val="3226721355"/>
+              </p:ext>
+            </p:extLst>
+          </p:nvPr>
+        </p:nvGraphicFramePr>
+        <p:xfrm>
+          <a:off x="962020" y="1310216"/>
+          <a:ext cx="10391780" cy="4059557"/>
+        </p:xfrm>
+        <a:graphic>
+          <a:graphicData uri="http://schemas.openxmlformats.org/drawingml/2006/table">
+            <a:tbl>
+              <a:tblPr firstRow="1" bandRow="1">
+                <a:tableStyleId>{5C22544A-7EE6-4342-B048-85BDC9FD1C3A}</a:tableStyleId>
+              </a:tblPr>
+              <a:tblGrid>
+                <a:gridCol w="914400">
+                  <a:extLst>
+                    <a:ext uri="{9D8B030D-6E8A-4147-A177-3AD203B41FA5}">
+                      <a16:colId xmlns:a16="http://schemas.microsoft.com/office/drawing/2014/main" val="3999095857"/>
+                    </a:ext>
+                  </a:extLst>
+                </a:gridCol>
+                <a:gridCol w="1266825">
+                  <a:extLst>
+                    <a:ext uri="{9D8B030D-6E8A-4147-A177-3AD203B41FA5}">
+                      <a16:colId xmlns:a16="http://schemas.microsoft.com/office/drawing/2014/main" val="218132091"/>
+                    </a:ext>
+                  </a:extLst>
+                </a:gridCol>
+                <a:gridCol w="1295400">
+                  <a:extLst>
+                    <a:ext uri="{9D8B030D-6E8A-4147-A177-3AD203B41FA5}">
+                      <a16:colId xmlns:a16="http://schemas.microsoft.com/office/drawing/2014/main" val="189629736"/>
+                    </a:ext>
+                  </a:extLst>
+                </a:gridCol>
+                <a:gridCol w="1704975">
+                  <a:extLst>
+                    <a:ext uri="{9D8B030D-6E8A-4147-A177-3AD203B41FA5}">
+                      <a16:colId xmlns:a16="http://schemas.microsoft.com/office/drawing/2014/main" val="3190891163"/>
+                    </a:ext>
+                  </a:extLst>
+                </a:gridCol>
+                <a:gridCol w="1743075">
+                  <a:extLst>
+                    <a:ext uri="{9D8B030D-6E8A-4147-A177-3AD203B41FA5}">
+                      <a16:colId xmlns:a16="http://schemas.microsoft.com/office/drawing/2014/main" val="33616868"/>
+                    </a:ext>
+                  </a:extLst>
+                </a:gridCol>
+                <a:gridCol w="1504950">
+                  <a:extLst>
+                    <a:ext uri="{9D8B030D-6E8A-4147-A177-3AD203B41FA5}">
+                      <a16:colId xmlns:a16="http://schemas.microsoft.com/office/drawing/2014/main" val="2863264942"/>
+                    </a:ext>
+                  </a:extLst>
+                </a:gridCol>
+                <a:gridCol w="1962155">
+                  <a:extLst>
+                    <a:ext uri="{9D8B030D-6E8A-4147-A177-3AD203B41FA5}">
+                      <a16:colId xmlns:a16="http://schemas.microsoft.com/office/drawing/2014/main" val="417061360"/>
+                    </a:ext>
+                  </a:extLst>
+                </a:gridCol>
+              </a:tblGrid>
+              <a:tr h="566209">
+                <a:tc>
+                  <a:txBody>
+                    <a:bodyPr/>
+                    <a:lstStyle/>
+                    <a:p>
+                      <a:r>
+                        <a:rPr lang="en-US" dirty="0"/>
+                        <a:t>Sr No </a:t>
+                      </a:r>
+                      <a:endParaRPr lang="en-IN" dirty="0"/>
+                    </a:p>
+                  </a:txBody>
+                  <a:tcPr/>
+                </a:tc>
+                <a:tc>
+                  <a:txBody>
+                    <a:bodyPr/>
+                    <a:lstStyle/>
+                    <a:p>
+                      <a:r>
+                        <a:rPr lang="en-US" dirty="0"/>
+                        <a:t>Method </a:t>
+                      </a:r>
+                      <a:endParaRPr lang="en-IN" dirty="0"/>
+                    </a:p>
+                  </a:txBody>
+                  <a:tcPr/>
+                </a:tc>
+                <a:tc>
+                  <a:txBody>
+                    <a:bodyPr/>
+                    <a:lstStyle/>
+                    <a:p>
+                      <a:r>
+                        <a:rPr lang="en-US" dirty="0"/>
+                        <a:t>Category</a:t>
+                      </a:r>
+                      <a:endParaRPr lang="en-IN" dirty="0"/>
+                    </a:p>
+                  </a:txBody>
+                  <a:tcPr/>
+                </a:tc>
+                <a:tc>
+                  <a:txBody>
+                    <a:bodyPr/>
+                    <a:lstStyle/>
+                    <a:p>
+                      <a:r>
+                        <a:rPr lang="en-US" dirty="0"/>
+                        <a:t>Dataset</a:t>
+                      </a:r>
+                      <a:endParaRPr lang="en-IN" dirty="0"/>
+                    </a:p>
+                  </a:txBody>
+                  <a:tcPr/>
+                </a:tc>
+                <a:tc>
+                  <a:txBody>
+                    <a:bodyPr/>
+                    <a:lstStyle/>
+                    <a:p>
+                      <a:r>
+                        <a:rPr lang="en-US" dirty="0"/>
+                        <a:t>Model</a:t>
+                      </a:r>
+                      <a:endParaRPr lang="en-IN" dirty="0"/>
+                    </a:p>
+                  </a:txBody>
+                  <a:tcPr/>
+                </a:tc>
+                <a:tc>
+                  <a:txBody>
+                    <a:bodyPr/>
+                    <a:lstStyle/>
+                    <a:p>
+                      <a:r>
+                        <a:rPr lang="en-US" dirty="0"/>
+                        <a:t>Task</a:t>
+                      </a:r>
+                      <a:endParaRPr lang="en-IN" dirty="0"/>
+                    </a:p>
+                  </a:txBody>
+                  <a:tcPr/>
+                </a:tc>
+                <a:tc>
+                  <a:txBody>
+                    <a:bodyPr/>
+                    <a:lstStyle/>
+                    <a:p>
+                      <a:r>
+                        <a:rPr lang="en-US" dirty="0"/>
+                        <a:t>Information</a:t>
+                      </a:r>
+                      <a:endParaRPr lang="en-IN" dirty="0"/>
+                    </a:p>
+                  </a:txBody>
+                  <a:tcPr/>
+                </a:tc>
+                <a:extLst>
+                  <a:ext uri="{0D108BD9-81ED-4DB2-BD59-A6C34878D82A}">
+                    <a16:rowId xmlns:a16="http://schemas.microsoft.com/office/drawing/2014/main" val="1236473839"/>
+                  </a:ext>
+                </a:extLst>
+              </a:tr>
+              <a:tr h="873337">
+                <a:tc>
+                  <a:txBody>
+                    <a:bodyPr/>
+                    <a:lstStyle/>
+                    <a:p>
+                      <a:r>
+                        <a:rPr lang="en-US" dirty="0"/>
+                        <a:t>17</a:t>
+                      </a:r>
+                      <a:endParaRPr lang="en-IN" dirty="0"/>
+                    </a:p>
+                  </a:txBody>
+                  <a:tcPr/>
+                </a:tc>
+                <a:tc>
+                  <a:txBody>
+                    <a:bodyPr/>
+                    <a:lstStyle/>
+                    <a:p>
+                      <a:r>
+                        <a:rPr lang="en-US" dirty="0"/>
+                        <a:t>CLIP</a:t>
+                      </a:r>
+                      <a:endParaRPr lang="en-IN" dirty="0"/>
+                    </a:p>
+                  </a:txBody>
+                  <a:tcPr/>
+                </a:tc>
+                <a:tc>
+                  <a:txBody>
+                    <a:bodyPr/>
+                    <a:lstStyle/>
+                    <a:p>
+                      <a:endParaRPr lang="en-IN" dirty="0"/>
+                    </a:p>
+                  </a:txBody>
+                  <a:tcPr/>
+                </a:tc>
+                <a:tc>
+                  <a:txBody>
+                    <a:bodyPr/>
+                    <a:lstStyle/>
+                    <a:p>
+                      <a:endParaRPr lang="en-IN" dirty="0"/>
+                    </a:p>
+                  </a:txBody>
+                  <a:tcPr/>
+                </a:tc>
+                <a:tc>
+                  <a:txBody>
+                    <a:bodyPr/>
+                    <a:lstStyle/>
+                    <a:p>
+                      <a:endParaRPr lang="en-IN" dirty="0"/>
+                    </a:p>
+                  </a:txBody>
+                  <a:tcPr/>
+                </a:tc>
+                <a:tc>
+                  <a:txBody>
+                    <a:bodyPr/>
+                    <a:lstStyle/>
+                    <a:p>
+                      <a:endParaRPr lang="en-IN" dirty="0"/>
+                    </a:p>
+                  </a:txBody>
+                  <a:tcPr/>
+                </a:tc>
+                <a:tc>
+                  <a:txBody>
+                    <a:bodyPr/>
+                    <a:lstStyle/>
+                    <a:p>
+                      <a:endParaRPr lang="en-IN" dirty="0"/>
+                    </a:p>
+                  </a:txBody>
+                  <a:tcPr/>
+                </a:tc>
+                <a:extLst>
+                  <a:ext uri="{0D108BD9-81ED-4DB2-BD59-A6C34878D82A}">
+                    <a16:rowId xmlns:a16="http://schemas.microsoft.com/office/drawing/2014/main" val="1877996509"/>
+                  </a:ext>
+                </a:extLst>
+              </a:tr>
+              <a:tr h="873337">
+                <a:tc>
+                  <a:txBody>
+                    <a:bodyPr/>
+                    <a:lstStyle/>
+                    <a:p>
+                      <a:r>
+                        <a:rPr lang="en-US" dirty="0"/>
+                        <a:t>18</a:t>
+                      </a:r>
+                      <a:endParaRPr lang="en-IN" dirty="0"/>
+                    </a:p>
+                  </a:txBody>
+                  <a:tcPr/>
+                </a:tc>
+                <a:tc>
+                  <a:txBody>
+                    <a:bodyPr/>
+                    <a:lstStyle/>
+                    <a:p>
+                      <a:r>
+                        <a:rPr lang="en-US" dirty="0"/>
+                        <a:t>SHAP-CAT</a:t>
+                      </a:r>
+                      <a:endParaRPr lang="en-IN" dirty="0"/>
+                    </a:p>
+                  </a:txBody>
+                  <a:tcPr/>
+                </a:tc>
+                <a:tc>
+                  <a:txBody>
+                    <a:bodyPr/>
+                    <a:lstStyle/>
+                    <a:p>
+                      <a:endParaRPr lang="en-IN" dirty="0"/>
+                    </a:p>
+                  </a:txBody>
+                  <a:tcPr/>
+                </a:tc>
+                <a:tc>
+                  <a:txBody>
+                    <a:bodyPr/>
+                    <a:lstStyle/>
+                    <a:p>
+                      <a:endParaRPr lang="en-IN" dirty="0"/>
+                    </a:p>
+                  </a:txBody>
+                  <a:tcPr/>
+                </a:tc>
+                <a:tc>
+                  <a:txBody>
+                    <a:bodyPr/>
+                    <a:lstStyle/>
+                    <a:p>
+                      <a:endParaRPr lang="en-IN" dirty="0"/>
+                    </a:p>
+                  </a:txBody>
+                  <a:tcPr/>
+                </a:tc>
+                <a:tc>
+                  <a:txBody>
+                    <a:bodyPr/>
+                    <a:lstStyle/>
+                    <a:p>
+                      <a:endParaRPr lang="en-IN" dirty="0"/>
+                    </a:p>
+                  </a:txBody>
+                  <a:tcPr/>
+                </a:tc>
+                <a:tc>
+                  <a:txBody>
+                    <a:bodyPr/>
+                    <a:lstStyle/>
+                    <a:p>
+                      <a:endParaRPr lang="en-IN" dirty="0"/>
+                    </a:p>
+                  </a:txBody>
+                  <a:tcPr/>
+                </a:tc>
+                <a:extLst>
+                  <a:ext uri="{0D108BD9-81ED-4DB2-BD59-A6C34878D82A}">
+                    <a16:rowId xmlns:a16="http://schemas.microsoft.com/office/drawing/2014/main" val="2493072846"/>
+                  </a:ext>
+                </a:extLst>
+              </a:tr>
+              <a:tr h="873337">
+                <a:tc>
+                  <a:txBody>
+                    <a:bodyPr/>
+                    <a:lstStyle/>
+                    <a:p>
+                      <a:r>
+                        <a:rPr lang="en-US" dirty="0"/>
+                        <a:t>19</a:t>
+                      </a:r>
+                      <a:endParaRPr lang="en-IN" dirty="0"/>
+                    </a:p>
+                  </a:txBody>
+                  <a:tcPr/>
+                </a:tc>
+                <a:tc>
+                  <a:txBody>
+                    <a:bodyPr/>
+                    <a:lstStyle/>
+                    <a:p>
+                      <a:r>
+                        <a:rPr lang="en-US" dirty="0"/>
+                        <a:t>Grounding DINO</a:t>
+                      </a:r>
+                      <a:endParaRPr lang="en-IN" dirty="0"/>
+                    </a:p>
+                  </a:txBody>
+                  <a:tcPr/>
+                </a:tc>
+                <a:tc>
+                  <a:txBody>
+                    <a:bodyPr/>
+                    <a:lstStyle/>
+                    <a:p>
+                      <a:endParaRPr lang="en-IN" dirty="0"/>
+                    </a:p>
+                  </a:txBody>
+                  <a:tcPr/>
+                </a:tc>
+                <a:tc>
+                  <a:txBody>
+                    <a:bodyPr/>
+                    <a:lstStyle/>
+                    <a:p>
+                      <a:endParaRPr lang="en-IN" dirty="0"/>
+                    </a:p>
+                  </a:txBody>
+                  <a:tcPr/>
+                </a:tc>
+                <a:tc>
+                  <a:txBody>
+                    <a:bodyPr/>
+                    <a:lstStyle/>
+                    <a:p>
+                      <a:endParaRPr lang="en-IN" dirty="0"/>
+                    </a:p>
+                  </a:txBody>
+                  <a:tcPr/>
+                </a:tc>
+                <a:tc>
+                  <a:txBody>
+                    <a:bodyPr/>
+                    <a:lstStyle/>
+                    <a:p>
+                      <a:endParaRPr lang="en-IN" dirty="0"/>
+                    </a:p>
+                  </a:txBody>
+                  <a:tcPr/>
+                </a:tc>
+                <a:tc>
+                  <a:txBody>
+                    <a:bodyPr/>
+                    <a:lstStyle/>
+                    <a:p>
+                      <a:endParaRPr lang="en-IN" dirty="0"/>
+                    </a:p>
+                  </a:txBody>
+                  <a:tcPr/>
+                </a:tc>
+                <a:extLst>
+                  <a:ext uri="{0D108BD9-81ED-4DB2-BD59-A6C34878D82A}">
+                    <a16:rowId xmlns:a16="http://schemas.microsoft.com/office/drawing/2014/main" val="2907816467"/>
+                  </a:ext>
+                </a:extLst>
+              </a:tr>
+              <a:tr h="873337">
+                <a:tc>
+                  <a:txBody>
+                    <a:bodyPr/>
+                    <a:lstStyle/>
+                    <a:p>
+                      <a:r>
+                        <a:rPr lang="en-US" dirty="0"/>
+                        <a:t>20</a:t>
+                      </a:r>
+                      <a:endParaRPr lang="en-IN" dirty="0"/>
+                    </a:p>
+                  </a:txBody>
+                  <a:tcPr/>
+                </a:tc>
+                <a:tc>
+                  <a:txBody>
+                    <a:bodyPr/>
+                    <a:lstStyle/>
+                    <a:p>
+                      <a:r>
+                        <a:rPr lang="en-US" dirty="0"/>
+                        <a:t>ICEv2</a:t>
+                      </a:r>
+                      <a:endParaRPr lang="en-IN" dirty="0"/>
+                    </a:p>
+                  </a:txBody>
+                  <a:tcPr/>
+                </a:tc>
+                <a:tc>
+                  <a:txBody>
+                    <a:bodyPr/>
+                    <a:lstStyle/>
+                    <a:p>
+                      <a:endParaRPr lang="en-IN" dirty="0"/>
+                    </a:p>
+                  </a:txBody>
+                  <a:tcPr/>
+                </a:tc>
+                <a:tc>
+                  <a:txBody>
+                    <a:bodyPr/>
+                    <a:lstStyle/>
+                    <a:p>
+                      <a:endParaRPr lang="en-IN" dirty="0"/>
+                    </a:p>
+                  </a:txBody>
+                  <a:tcPr/>
+                </a:tc>
+                <a:tc>
+                  <a:txBody>
+                    <a:bodyPr/>
+                    <a:lstStyle/>
+                    <a:p>
+                      <a:endParaRPr lang="en-IN" dirty="0"/>
+                    </a:p>
+                  </a:txBody>
+                  <a:tcPr/>
+                </a:tc>
+                <a:tc>
+                  <a:txBody>
+                    <a:bodyPr/>
+                    <a:lstStyle/>
+                    <a:p>
+                      <a:endParaRPr lang="en-IN" dirty="0"/>
+                    </a:p>
+                  </a:txBody>
+                  <a:tcPr/>
+                </a:tc>
+                <a:tc>
+                  <a:txBody>
+                    <a:bodyPr/>
+                    <a:lstStyle/>
+                    <a:p>
+                      <a:endParaRPr lang="en-IN" dirty="0"/>
+                    </a:p>
+                  </a:txBody>
+                  <a:tcPr/>
+                </a:tc>
+                <a:extLst>
+                  <a:ext uri="{0D108BD9-81ED-4DB2-BD59-A6C34878D82A}">
+                    <a16:rowId xmlns:a16="http://schemas.microsoft.com/office/drawing/2014/main" val="3748464164"/>
+                  </a:ext>
+                </a:extLst>
+              </a:tr>
+            </a:tbl>
+          </a:graphicData>
+        </a:graphic>
+      </p:graphicFrame>
       <p:pic>
         <p:nvPicPr>
-          <p:cNvPr id="7" name="Picture 6">
+          <p:cNvPr id="5" name="Picture 4">
             <a:extLst>
               <a:ext uri="{FF2B5EF4-FFF2-40B4-BE49-F238E27FC236}">
-                <a16:creationId xmlns:a16="http://schemas.microsoft.com/office/drawing/2014/main" id="{0D98C8F1-A43C-03DF-245D-8F5D0F211C88}"/>
+                <a16:creationId xmlns:a16="http://schemas.microsoft.com/office/drawing/2014/main" id="{893D0B92-DE34-E120-69EB-98041161635E}"/>
               </a:ext>
             </a:extLst>
           </p:cNvPr>
@@ -7738,7 +8567,7 @@
     </p:spTree>
     <p:extLst>
       <p:ext uri="{BB962C8B-B14F-4D97-AF65-F5344CB8AC3E}">
-        <p14:creationId xmlns:p14="http://schemas.microsoft.com/office/powerpoint/2010/main" val="445328935"/>
+        <p14:creationId xmlns:p14="http://schemas.microsoft.com/office/powerpoint/2010/main" val="692730610"/>
       </p:ext>
     </p:extLst>
   </p:cSld>
@@ -7756,7 +8585,7 @@
         <p:cNvPr id="1" name="">
           <a:extLst>
             <a:ext uri="{FF2B5EF4-FFF2-40B4-BE49-F238E27FC236}">
-              <a16:creationId xmlns:a16="http://schemas.microsoft.com/office/drawing/2014/main" id="{E1DB6C70-593D-AB9E-1CF1-F6C53C0F5D86}"/>
+              <a16:creationId xmlns:a16="http://schemas.microsoft.com/office/drawing/2014/main" id="{64F44206-D055-3FAC-C960-17EEFD2EEF3B}"/>
             </a:ext>
           </a:extLst>
         </p:cNvPr>
@@ -7776,7 +8605,7 @@
           <p:cNvPr id="2" name="Title 1">
             <a:extLst>
               <a:ext uri="{FF2B5EF4-FFF2-40B4-BE49-F238E27FC236}">
-                <a16:creationId xmlns:a16="http://schemas.microsoft.com/office/drawing/2014/main" id="{93FD9F12-D16D-3F8C-0DE3-97C52D215940}"/>
+                <a16:creationId xmlns:a16="http://schemas.microsoft.com/office/drawing/2014/main" id="{AE97C939-5403-508E-0DBA-B92FBC22A91F}"/>
               </a:ext>
             </a:extLst>
           </p:cNvPr>
@@ -7787,110 +8616,552 @@
             <p:ph type="title"/>
           </p:nvPr>
         </p:nvSpPr>
-        <p:spPr/>
+        <p:spPr>
+          <a:xfrm>
+            <a:off x="838200" y="365125"/>
+            <a:ext cx="10391778" cy="1325563"/>
+          </a:xfrm>
+        </p:spPr>
         <p:txBody>
           <a:bodyPr/>
           <a:lstStyle/>
           <a:p>
             <a:r>
               <a:rPr lang="en-US" dirty="0"/>
-              <a:t>Objectives</a:t>
+              <a:t>Literature Survey</a:t>
             </a:r>
             <a:endParaRPr lang="en-IN" dirty="0"/>
           </a:p>
         </p:txBody>
       </p:sp>
-      <p:sp>
-        <p:nvSpPr>
-          <p:cNvPr id="3" name="Content Placeholder 2">
+      <p:graphicFrame>
+        <p:nvGraphicFramePr>
+          <p:cNvPr id="10" name="Table 9">
             <a:extLst>
               <a:ext uri="{FF2B5EF4-FFF2-40B4-BE49-F238E27FC236}">
-                <a16:creationId xmlns:a16="http://schemas.microsoft.com/office/drawing/2014/main" id="{0B6AE716-18BF-3DBC-80F7-A62B974D27F0}"/>
+                <a16:creationId xmlns:a16="http://schemas.microsoft.com/office/drawing/2014/main" id="{7B6AA826-8691-A8EA-5AB6-66D98FDB6A71}"/>
               </a:ext>
             </a:extLst>
           </p:cNvPr>
-          <p:cNvSpPr>
-            <a:spLocks noGrp="1"/>
-          </p:cNvSpPr>
-          <p:nvPr>
-            <p:ph idx="1"/>
-          </p:nvPr>
-        </p:nvSpPr>
-        <p:spPr/>
-        <p:txBody>
-          <a:bodyPr/>
-          <a:lstStyle/>
-          <a:p>
-            <a:r>
-              <a:rPr lang="en-US" b="1" dirty="0"/>
-              <a:t>Develop a Novel Explainability Framework</a:t>
-            </a:r>
-            <a:r>
-              <a:rPr lang="en-US" dirty="0"/>
-              <a:t> – Design an approach that works for both </a:t>
-            </a:r>
-            <a:r>
-              <a:rPr lang="en-US" b="1" dirty="0"/>
-              <a:t>CNNs and Transformer-based models</a:t>
-            </a:r>
-            <a:r>
-              <a:rPr lang="en-US" dirty="0"/>
-              <a:t>.</a:t>
-            </a:r>
-          </a:p>
-          <a:p>
-            <a:r>
-              <a:rPr lang="en-US" b="1" dirty="0"/>
-              <a:t>Enable Multi-Modal Interpretation</a:t>
-            </a:r>
-            <a:r>
-              <a:rPr lang="en-US" dirty="0"/>
-              <a:t> – Provide insights into </a:t>
-            </a:r>
-            <a:r>
-              <a:rPr lang="en-US" b="1" dirty="0"/>
-              <a:t>text-image correlations</a:t>
-            </a:r>
-            <a:r>
-              <a:rPr lang="en-US" dirty="0"/>
-              <a:t> for tasks like </a:t>
-            </a:r>
-            <a:r>
-              <a:rPr lang="en-US" b="1" dirty="0"/>
-              <a:t>VQA and image captioning</a:t>
-            </a:r>
-            <a:r>
-              <a:rPr lang="en-US" dirty="0"/>
-              <a:t>.</a:t>
-            </a:r>
-          </a:p>
-          <a:p>
-            <a:r>
-              <a:rPr lang="en-US" b="1" dirty="0"/>
-              <a:t>Go Beyond Classification</a:t>
-            </a:r>
-            <a:r>
-              <a:rPr lang="en-US" dirty="0"/>
-              <a:t> – Extend explainability to </a:t>
-            </a:r>
-            <a:r>
-              <a:rPr lang="en-US" b="1" dirty="0"/>
-              <a:t>retrieval, segmentation, and multi-modal reasoning</a:t>
-            </a:r>
-            <a:r>
-              <a:rPr lang="en-US" dirty="0"/>
-              <a:t> tasks.</a:t>
-            </a:r>
-            <a:endParaRPr lang="en-IN" dirty="0"/>
-          </a:p>
-        </p:txBody>
-      </p:sp>
+          <p:cNvGraphicFramePr>
+            <a:graphicFrameLocks noGrp="1"/>
+          </p:cNvGraphicFramePr>
+          <p:nvPr>
+            <p:extLst>
+              <p:ext uri="{D42A27DB-BD31-4B8C-83A1-F6EECF244321}">
+                <p14:modId xmlns:p14="http://schemas.microsoft.com/office/powerpoint/2010/main" val="1311776797"/>
+              </p:ext>
+            </p:extLst>
+          </p:nvPr>
+        </p:nvGraphicFramePr>
+        <p:xfrm>
+          <a:off x="962020" y="1310216"/>
+          <a:ext cx="10391780" cy="4059557"/>
+        </p:xfrm>
+        <a:graphic>
+          <a:graphicData uri="http://schemas.openxmlformats.org/drawingml/2006/table">
+            <a:tbl>
+              <a:tblPr firstRow="1" bandRow="1">
+                <a:tableStyleId>{5C22544A-7EE6-4342-B048-85BDC9FD1C3A}</a:tableStyleId>
+              </a:tblPr>
+              <a:tblGrid>
+                <a:gridCol w="914400">
+                  <a:extLst>
+                    <a:ext uri="{9D8B030D-6E8A-4147-A177-3AD203B41FA5}">
+                      <a16:colId xmlns:a16="http://schemas.microsoft.com/office/drawing/2014/main" val="3999095857"/>
+                    </a:ext>
+                  </a:extLst>
+                </a:gridCol>
+                <a:gridCol w="1266825">
+                  <a:extLst>
+                    <a:ext uri="{9D8B030D-6E8A-4147-A177-3AD203B41FA5}">
+                      <a16:colId xmlns:a16="http://schemas.microsoft.com/office/drawing/2014/main" val="218132091"/>
+                    </a:ext>
+                  </a:extLst>
+                </a:gridCol>
+                <a:gridCol w="1295400">
+                  <a:extLst>
+                    <a:ext uri="{9D8B030D-6E8A-4147-A177-3AD203B41FA5}">
+                      <a16:colId xmlns:a16="http://schemas.microsoft.com/office/drawing/2014/main" val="189629736"/>
+                    </a:ext>
+                  </a:extLst>
+                </a:gridCol>
+                <a:gridCol w="1704975">
+                  <a:extLst>
+                    <a:ext uri="{9D8B030D-6E8A-4147-A177-3AD203B41FA5}">
+                      <a16:colId xmlns:a16="http://schemas.microsoft.com/office/drawing/2014/main" val="3190891163"/>
+                    </a:ext>
+                  </a:extLst>
+                </a:gridCol>
+                <a:gridCol w="1743075">
+                  <a:extLst>
+                    <a:ext uri="{9D8B030D-6E8A-4147-A177-3AD203B41FA5}">
+                      <a16:colId xmlns:a16="http://schemas.microsoft.com/office/drawing/2014/main" val="33616868"/>
+                    </a:ext>
+                  </a:extLst>
+                </a:gridCol>
+                <a:gridCol w="1504950">
+                  <a:extLst>
+                    <a:ext uri="{9D8B030D-6E8A-4147-A177-3AD203B41FA5}">
+                      <a16:colId xmlns:a16="http://schemas.microsoft.com/office/drawing/2014/main" val="2863264942"/>
+                    </a:ext>
+                  </a:extLst>
+                </a:gridCol>
+                <a:gridCol w="1962155">
+                  <a:extLst>
+                    <a:ext uri="{9D8B030D-6E8A-4147-A177-3AD203B41FA5}">
+                      <a16:colId xmlns:a16="http://schemas.microsoft.com/office/drawing/2014/main" val="417061360"/>
+                    </a:ext>
+                  </a:extLst>
+                </a:gridCol>
+              </a:tblGrid>
+              <a:tr h="566209">
+                <a:tc>
+                  <a:txBody>
+                    <a:bodyPr/>
+                    <a:lstStyle/>
+                    <a:p>
+                      <a:r>
+                        <a:rPr lang="en-US" dirty="0"/>
+                        <a:t>Sr No </a:t>
+                      </a:r>
+                      <a:endParaRPr lang="en-IN" dirty="0"/>
+                    </a:p>
+                  </a:txBody>
+                  <a:tcPr/>
+                </a:tc>
+                <a:tc>
+                  <a:txBody>
+                    <a:bodyPr/>
+                    <a:lstStyle/>
+                    <a:p>
+                      <a:r>
+                        <a:rPr lang="en-US" dirty="0"/>
+                        <a:t>Method </a:t>
+                      </a:r>
+                      <a:endParaRPr lang="en-IN" dirty="0"/>
+                    </a:p>
+                  </a:txBody>
+                  <a:tcPr/>
+                </a:tc>
+                <a:tc>
+                  <a:txBody>
+                    <a:bodyPr/>
+                    <a:lstStyle/>
+                    <a:p>
+                      <a:r>
+                        <a:rPr lang="en-US" dirty="0"/>
+                        <a:t>Category</a:t>
+                      </a:r>
+                      <a:endParaRPr lang="en-IN" dirty="0"/>
+                    </a:p>
+                  </a:txBody>
+                  <a:tcPr/>
+                </a:tc>
+                <a:tc>
+                  <a:txBody>
+                    <a:bodyPr/>
+                    <a:lstStyle/>
+                    <a:p>
+                      <a:r>
+                        <a:rPr lang="en-US" dirty="0"/>
+                        <a:t>Dataset</a:t>
+                      </a:r>
+                      <a:endParaRPr lang="en-IN" dirty="0"/>
+                    </a:p>
+                  </a:txBody>
+                  <a:tcPr/>
+                </a:tc>
+                <a:tc>
+                  <a:txBody>
+                    <a:bodyPr/>
+                    <a:lstStyle/>
+                    <a:p>
+                      <a:r>
+                        <a:rPr lang="en-US" dirty="0"/>
+                        <a:t>Model</a:t>
+                      </a:r>
+                      <a:endParaRPr lang="en-IN" dirty="0"/>
+                    </a:p>
+                  </a:txBody>
+                  <a:tcPr/>
+                </a:tc>
+                <a:tc>
+                  <a:txBody>
+                    <a:bodyPr/>
+                    <a:lstStyle/>
+                    <a:p>
+                      <a:r>
+                        <a:rPr lang="en-US" dirty="0"/>
+                        <a:t>Task</a:t>
+                      </a:r>
+                      <a:endParaRPr lang="en-IN" dirty="0"/>
+                    </a:p>
+                  </a:txBody>
+                  <a:tcPr/>
+                </a:tc>
+                <a:tc>
+                  <a:txBody>
+                    <a:bodyPr/>
+                    <a:lstStyle/>
+                    <a:p>
+                      <a:r>
+                        <a:rPr lang="en-US" dirty="0"/>
+                        <a:t>Information</a:t>
+                      </a:r>
+                      <a:endParaRPr lang="en-IN" dirty="0"/>
+                    </a:p>
+                  </a:txBody>
+                  <a:tcPr/>
+                </a:tc>
+                <a:extLst>
+                  <a:ext uri="{0D108BD9-81ED-4DB2-BD59-A6C34878D82A}">
+                    <a16:rowId xmlns:a16="http://schemas.microsoft.com/office/drawing/2014/main" val="1236473839"/>
+                  </a:ext>
+                </a:extLst>
+              </a:tr>
+              <a:tr h="873337">
+                <a:tc>
+                  <a:txBody>
+                    <a:bodyPr/>
+                    <a:lstStyle/>
+                    <a:p>
+                      <a:r>
+                        <a:rPr lang="en-US" dirty="0"/>
+                        <a:t>21</a:t>
+                      </a:r>
+                      <a:endParaRPr lang="en-IN" dirty="0"/>
+                    </a:p>
+                  </a:txBody>
+                  <a:tcPr/>
+                </a:tc>
+                <a:tc>
+                  <a:txBody>
+                    <a:bodyPr/>
+                    <a:lstStyle/>
+                    <a:p>
+                      <a:r>
+                        <a:rPr lang="en-US" dirty="0"/>
+                        <a:t>3VL</a:t>
+                      </a:r>
+                      <a:endParaRPr lang="en-IN" dirty="0"/>
+                    </a:p>
+                  </a:txBody>
+                  <a:tcPr/>
+                </a:tc>
+                <a:tc>
+                  <a:txBody>
+                    <a:bodyPr/>
+                    <a:lstStyle/>
+                    <a:p>
+                      <a:endParaRPr lang="en-IN" dirty="0"/>
+                    </a:p>
+                  </a:txBody>
+                  <a:tcPr/>
+                </a:tc>
+                <a:tc>
+                  <a:txBody>
+                    <a:bodyPr/>
+                    <a:lstStyle/>
+                    <a:p>
+                      <a:endParaRPr lang="en-IN" dirty="0"/>
+                    </a:p>
+                  </a:txBody>
+                  <a:tcPr/>
+                </a:tc>
+                <a:tc>
+                  <a:txBody>
+                    <a:bodyPr/>
+                    <a:lstStyle/>
+                    <a:p>
+                      <a:endParaRPr lang="en-IN" dirty="0"/>
+                    </a:p>
+                  </a:txBody>
+                  <a:tcPr/>
+                </a:tc>
+                <a:tc>
+                  <a:txBody>
+                    <a:bodyPr/>
+                    <a:lstStyle/>
+                    <a:p>
+                      <a:endParaRPr lang="en-IN" dirty="0"/>
+                    </a:p>
+                  </a:txBody>
+                  <a:tcPr/>
+                </a:tc>
+                <a:tc>
+                  <a:txBody>
+                    <a:bodyPr/>
+                    <a:lstStyle/>
+                    <a:p>
+                      <a:endParaRPr lang="en-IN" dirty="0"/>
+                    </a:p>
+                  </a:txBody>
+                  <a:tcPr/>
+                </a:tc>
+                <a:extLst>
+                  <a:ext uri="{0D108BD9-81ED-4DB2-BD59-A6C34878D82A}">
+                    <a16:rowId xmlns:a16="http://schemas.microsoft.com/office/drawing/2014/main" val="1877996509"/>
+                  </a:ext>
+                </a:extLst>
+              </a:tr>
+              <a:tr h="873337">
+                <a:tc>
+                  <a:txBody>
+                    <a:bodyPr/>
+                    <a:lstStyle/>
+                    <a:p>
+                      <a:r>
+                        <a:rPr lang="en-US" dirty="0"/>
+                        <a:t>22</a:t>
+                      </a:r>
+                      <a:endParaRPr lang="en-IN" dirty="0"/>
+                    </a:p>
+                  </a:txBody>
+                  <a:tcPr/>
+                </a:tc>
+                <a:tc>
+                  <a:txBody>
+                    <a:bodyPr/>
+                    <a:lstStyle/>
+                    <a:p>
+                      <a:r>
+                        <a:rPr lang="en-US" dirty="0"/>
+                        <a:t>Segment Anything</a:t>
+                      </a:r>
+                      <a:endParaRPr lang="en-IN" dirty="0"/>
+                    </a:p>
+                  </a:txBody>
+                  <a:tcPr/>
+                </a:tc>
+                <a:tc>
+                  <a:txBody>
+                    <a:bodyPr/>
+                    <a:lstStyle/>
+                    <a:p>
+                      <a:endParaRPr lang="en-IN" dirty="0"/>
+                    </a:p>
+                  </a:txBody>
+                  <a:tcPr/>
+                </a:tc>
+                <a:tc>
+                  <a:txBody>
+                    <a:bodyPr/>
+                    <a:lstStyle/>
+                    <a:p>
+                      <a:endParaRPr lang="en-IN" dirty="0"/>
+                    </a:p>
+                  </a:txBody>
+                  <a:tcPr/>
+                </a:tc>
+                <a:tc>
+                  <a:txBody>
+                    <a:bodyPr/>
+                    <a:lstStyle/>
+                    <a:p>
+                      <a:endParaRPr lang="en-IN" dirty="0"/>
+                    </a:p>
+                  </a:txBody>
+                  <a:tcPr/>
+                </a:tc>
+                <a:tc>
+                  <a:txBody>
+                    <a:bodyPr/>
+                    <a:lstStyle/>
+                    <a:p>
+                      <a:endParaRPr lang="en-IN" dirty="0"/>
+                    </a:p>
+                  </a:txBody>
+                  <a:tcPr/>
+                </a:tc>
+                <a:tc>
+                  <a:txBody>
+                    <a:bodyPr/>
+                    <a:lstStyle/>
+                    <a:p>
+                      <a:endParaRPr lang="en-IN" dirty="0"/>
+                    </a:p>
+                  </a:txBody>
+                  <a:tcPr/>
+                </a:tc>
+                <a:extLst>
+                  <a:ext uri="{0D108BD9-81ED-4DB2-BD59-A6C34878D82A}">
+                    <a16:rowId xmlns:a16="http://schemas.microsoft.com/office/drawing/2014/main" val="2493072846"/>
+                  </a:ext>
+                </a:extLst>
+              </a:tr>
+              <a:tr h="873337">
+                <a:tc>
+                  <a:txBody>
+                    <a:bodyPr/>
+                    <a:lstStyle/>
+                    <a:p>
+                      <a:r>
+                        <a:rPr lang="en-US" dirty="0"/>
+                        <a:t>23</a:t>
+                      </a:r>
+                      <a:endParaRPr lang="en-IN" dirty="0"/>
+                    </a:p>
+                  </a:txBody>
+                  <a:tcPr/>
+                </a:tc>
+                <a:tc>
+                  <a:txBody>
+                    <a:bodyPr/>
+                    <a:lstStyle/>
+                    <a:p>
+                      <a:endParaRPr lang="en-IN" dirty="0"/>
+                    </a:p>
+                  </a:txBody>
+                  <a:tcPr/>
+                </a:tc>
+                <a:tc>
+                  <a:txBody>
+                    <a:bodyPr/>
+                    <a:lstStyle/>
+                    <a:p>
+                      <a:endParaRPr lang="en-IN" dirty="0"/>
+                    </a:p>
+                  </a:txBody>
+                  <a:tcPr/>
+                </a:tc>
+                <a:tc>
+                  <a:txBody>
+                    <a:bodyPr/>
+                    <a:lstStyle/>
+                    <a:p>
+                      <a:endParaRPr lang="en-IN" dirty="0"/>
+                    </a:p>
+                  </a:txBody>
+                  <a:tcPr/>
+                </a:tc>
+                <a:tc>
+                  <a:txBody>
+                    <a:bodyPr/>
+                    <a:lstStyle/>
+                    <a:p>
+                      <a:endParaRPr lang="en-IN" dirty="0"/>
+                    </a:p>
+                  </a:txBody>
+                  <a:tcPr/>
+                </a:tc>
+                <a:tc>
+                  <a:txBody>
+                    <a:bodyPr/>
+                    <a:lstStyle/>
+                    <a:p>
+                      <a:endParaRPr lang="en-IN" dirty="0"/>
+                    </a:p>
+                  </a:txBody>
+                  <a:tcPr/>
+                </a:tc>
+                <a:tc>
+                  <a:txBody>
+                    <a:bodyPr/>
+                    <a:lstStyle/>
+                    <a:p>
+                      <a:endParaRPr lang="en-IN" dirty="0"/>
+                    </a:p>
+                  </a:txBody>
+                  <a:tcPr/>
+                </a:tc>
+                <a:extLst>
+                  <a:ext uri="{0D108BD9-81ED-4DB2-BD59-A6C34878D82A}">
+                    <a16:rowId xmlns:a16="http://schemas.microsoft.com/office/drawing/2014/main" val="2907816467"/>
+                  </a:ext>
+                </a:extLst>
+              </a:tr>
+              <a:tr h="873337">
+                <a:tc>
+                  <a:txBody>
+                    <a:bodyPr/>
+                    <a:lstStyle/>
+                    <a:p>
+                      <a:r>
+                        <a:rPr lang="en-US" dirty="0"/>
+                        <a:t>24</a:t>
+                      </a:r>
+                      <a:endParaRPr lang="en-IN" dirty="0"/>
+                    </a:p>
+                  </a:txBody>
+                  <a:tcPr/>
+                </a:tc>
+                <a:tc>
+                  <a:txBody>
+                    <a:bodyPr/>
+                    <a:lstStyle/>
+                    <a:p>
+                      <a:endParaRPr lang="en-IN" dirty="0"/>
+                    </a:p>
+                  </a:txBody>
+                  <a:tcPr/>
+                </a:tc>
+                <a:tc>
+                  <a:txBody>
+                    <a:bodyPr/>
+                    <a:lstStyle/>
+                    <a:p>
+                      <a:endParaRPr lang="en-IN" dirty="0"/>
+                    </a:p>
+                  </a:txBody>
+                  <a:tcPr/>
+                </a:tc>
+                <a:tc>
+                  <a:txBody>
+                    <a:bodyPr/>
+                    <a:lstStyle/>
+                    <a:p>
+                      <a:endParaRPr lang="en-IN" dirty="0"/>
+                    </a:p>
+                  </a:txBody>
+                  <a:tcPr/>
+                </a:tc>
+                <a:tc>
+                  <a:txBody>
+                    <a:bodyPr/>
+                    <a:lstStyle/>
+                    <a:p>
+                      <a:endParaRPr lang="en-IN" dirty="0"/>
+                    </a:p>
+                  </a:txBody>
+                  <a:tcPr/>
+                </a:tc>
+                <a:tc>
+                  <a:txBody>
+                    <a:bodyPr/>
+                    <a:lstStyle/>
+                    <a:p>
+                      <a:endParaRPr lang="en-IN" dirty="0"/>
+                    </a:p>
+                  </a:txBody>
+                  <a:tcPr/>
+                </a:tc>
+                <a:tc>
+                  <a:txBody>
+                    <a:bodyPr/>
+                    <a:lstStyle/>
+                    <a:p>
+                      <a:endParaRPr lang="en-IN" dirty="0"/>
+                    </a:p>
+                  </a:txBody>
+                  <a:tcPr/>
+                </a:tc>
+                <a:extLst>
+                  <a:ext uri="{0D108BD9-81ED-4DB2-BD59-A6C34878D82A}">
+                    <a16:rowId xmlns:a16="http://schemas.microsoft.com/office/drawing/2014/main" val="3748464164"/>
+                  </a:ext>
+                </a:extLst>
+              </a:tr>
+            </a:tbl>
+          </a:graphicData>
+        </a:graphic>
+      </p:graphicFrame>
       <p:pic>
         <p:nvPicPr>
-          <p:cNvPr id="6" name="Picture 5">
+          <p:cNvPr id="5" name="Picture 4">
             <a:extLst>
               <a:ext uri="{FF2B5EF4-FFF2-40B4-BE49-F238E27FC236}">
-                <a16:creationId xmlns:a16="http://schemas.microsoft.com/office/drawing/2014/main" id="{718070E0-B4E0-8682-FC8F-8AA6E59FAEE3}"/>
+                <a16:creationId xmlns:a16="http://schemas.microsoft.com/office/drawing/2014/main" id="{66EAAC1F-2615-7B00-CA9F-B7029EC28353}"/>
               </a:ext>
             </a:extLst>
           </p:cNvPr>
@@ -7924,7 +9195,7 @@
     </p:spTree>
     <p:extLst>
       <p:ext uri="{BB962C8B-B14F-4D97-AF65-F5344CB8AC3E}">
-        <p14:creationId xmlns:p14="http://schemas.microsoft.com/office/powerpoint/2010/main" val="655096832"/>
+        <p14:creationId xmlns:p14="http://schemas.microsoft.com/office/powerpoint/2010/main" val="1492827380"/>
       </p:ext>
     </p:extLst>
   </p:cSld>

--- a/ref/review.pptx
+++ b/ref/review.pptx
@@ -5,24 +5,32 @@
     <p:sldMasterId id="2147483672" r:id="rId1"/>
   </p:sldMasterIdLst>
   <p:notesMasterIdLst>
-    <p:notesMasterId r:id="rId17"/>
+    <p:notesMasterId r:id="rId25"/>
   </p:notesMasterIdLst>
   <p:sldIdLst>
     <p:sldId id="256" r:id="rId2"/>
     <p:sldId id="274" r:id="rId3"/>
-    <p:sldId id="257" r:id="rId4"/>
-    <p:sldId id="258" r:id="rId5"/>
-    <p:sldId id="275" r:id="rId6"/>
-    <p:sldId id="276" r:id="rId7"/>
-    <p:sldId id="277" r:id="rId8"/>
-    <p:sldId id="284" r:id="rId9"/>
-    <p:sldId id="285" r:id="rId10"/>
-    <p:sldId id="278" r:id="rId11"/>
-    <p:sldId id="279" r:id="rId12"/>
-    <p:sldId id="281" r:id="rId13"/>
-    <p:sldId id="282" r:id="rId14"/>
-    <p:sldId id="283" r:id="rId15"/>
-    <p:sldId id="280" r:id="rId16"/>
+    <p:sldId id="294" r:id="rId4"/>
+    <p:sldId id="293" r:id="rId5"/>
+    <p:sldId id="258" r:id="rId6"/>
+    <p:sldId id="275" r:id="rId7"/>
+    <p:sldId id="276" r:id="rId8"/>
+    <p:sldId id="277" r:id="rId9"/>
+    <p:sldId id="284" r:id="rId10"/>
+    <p:sldId id="285" r:id="rId11"/>
+    <p:sldId id="289" r:id="rId12"/>
+    <p:sldId id="279" r:id="rId13"/>
+    <p:sldId id="288" r:id="rId14"/>
+    <p:sldId id="290" r:id="rId15"/>
+    <p:sldId id="291" r:id="rId16"/>
+    <p:sldId id="292" r:id="rId17"/>
+    <p:sldId id="295" r:id="rId18"/>
+    <p:sldId id="281" r:id="rId19"/>
+    <p:sldId id="282" r:id="rId20"/>
+    <p:sldId id="283" r:id="rId21"/>
+    <p:sldId id="286" r:id="rId22"/>
+    <p:sldId id="287" r:id="rId23"/>
+    <p:sldId id="280" r:id="rId24"/>
   </p:sldIdLst>
   <p:sldSz cx="12192000" cy="6858000"/>
   <p:notesSz cx="6858000" cy="9144000"/>
@@ -129,6 +137,12 @@
 </p:presentation>
 </file>
 
+<file path=ppt/authors.xml><?xml version="1.0" encoding="utf-8"?>
+<p188:authorLst xmlns:a="http://schemas.openxmlformats.org/drawingml/2006/main" xmlns:r="http://schemas.openxmlformats.org/officeDocument/2006/relationships" xmlns:p188="http://schemas.microsoft.com/office/powerpoint/2018/8/main">
+  <p188:author id="{5AFB4C0C-662E-C0A3-627D-4D1120765C98}" name="Harsh Chauhan" initials="HC" userId="0233a393fdd873e7" providerId="Windows Live"/>
+</p188:authorLst>
+</file>
+
 <file path=ppt/notesMasters/notesMaster1.xml><?xml version="1.0" encoding="utf-8"?>
 <p:notesMaster xmlns:a="http://schemas.openxmlformats.org/drawingml/2006/main" xmlns:r="http://schemas.openxmlformats.org/officeDocument/2006/relationships" xmlns:p="http://schemas.openxmlformats.org/presentationml/2006/main">
   <p:cSld>
@@ -211,7 +225,7 @@
           <a:p>
             <a:fld id="{F7ABECBF-1541-4BFC-93B5-8267AB650DB6}" type="datetimeFigureOut">
               <a:rPr lang="en-IN" smtClean="0"/>
-              <a:t>05-04-2025</a:t>
+              <a:t>11-04-2025</a:t>
             </a:fld>
             <a:endParaRPr lang="en-IN"/>
           </a:p>
@@ -544,7 +558,7 @@
           <a:p>
             <a:fld id="{4078A477-DBB0-40FE-8543-B9E6905FADC0}" type="slidenum">
               <a:rPr lang="en-IN" smtClean="0"/>
-              <a:t>6</a:t>
+              <a:t>7</a:t>
             </a:fld>
             <a:endParaRPr lang="en-IN"/>
           </a:p>
@@ -692,9 +706,9 @@
           <a:bodyPr/>
           <a:lstStyle/>
           <a:p>
-            <a:fld id="{E50EC797-94D1-44A2-941F-2D9937C69B04}" type="datetime1">
+            <a:fld id="{97A85245-FA8F-481A-93A9-A22E0D489EF3}" type="datetime1">
               <a:rPr lang="en-IN" smtClean="0"/>
-              <a:t>05-04-2025</a:t>
+              <a:t>11-04-2025</a:t>
             </a:fld>
             <a:endParaRPr lang="en-IN"/>
           </a:p>
@@ -862,9 +876,9 @@
           <a:bodyPr/>
           <a:lstStyle/>
           <a:p>
-            <a:fld id="{5D1DA1A9-DA29-4A73-A166-9CF6AF34A4B0}" type="datetime1">
+            <a:fld id="{8EC67FAA-6D32-419A-9244-F0D064D2D78A}" type="datetime1">
               <a:rPr lang="en-IN" smtClean="0"/>
-              <a:t>05-04-2025</a:t>
+              <a:t>11-04-2025</a:t>
             </a:fld>
             <a:endParaRPr lang="en-IN"/>
           </a:p>
@@ -1042,9 +1056,9 @@
           <a:bodyPr/>
           <a:lstStyle/>
           <a:p>
-            <a:fld id="{00589C0A-F107-4FEE-9FB8-8A209B04316D}" type="datetime1">
+            <a:fld id="{B698836E-9D96-497E-AE89-72CE200E97E7}" type="datetime1">
               <a:rPr lang="en-IN" smtClean="0"/>
-              <a:t>05-04-2025</a:t>
+              <a:t>11-04-2025</a:t>
             </a:fld>
             <a:endParaRPr lang="en-IN"/>
           </a:p>
@@ -1212,9 +1226,9 @@
           <a:bodyPr/>
           <a:lstStyle/>
           <a:p>
-            <a:fld id="{8D91C199-493A-4E7A-B7E8-1E6363532FB5}" type="datetime1">
+            <a:fld id="{850EBB3F-6F61-4A3A-9514-B4E26A26F0B1}" type="datetime1">
               <a:rPr lang="en-IN" smtClean="0"/>
-              <a:t>05-04-2025</a:t>
+              <a:t>11-04-2025</a:t>
             </a:fld>
             <a:endParaRPr lang="en-IN"/>
           </a:p>
@@ -1258,7 +1272,7 @@
               <a:rPr lang="en-IN" smtClean="0"/>
               <a:t>‹#›</a:t>
             </a:fld>
-            <a:endParaRPr lang="en-IN"/>
+            <a:endParaRPr lang="en-IN" dirty="0"/>
           </a:p>
         </p:txBody>
       </p:sp>
@@ -1458,9 +1472,9 @@
           <a:bodyPr/>
           <a:lstStyle/>
           <a:p>
-            <a:fld id="{9F72E3BF-C0A1-42AF-8D94-C3C32335D92F}" type="datetime1">
+            <a:fld id="{29E20855-35FF-4242-8999-86415AE3EFE7}" type="datetime1">
               <a:rPr lang="en-IN" smtClean="0"/>
-              <a:t>05-04-2025</a:t>
+              <a:t>11-04-2025</a:t>
             </a:fld>
             <a:endParaRPr lang="en-IN"/>
           </a:p>
@@ -1690,9 +1704,9 @@
           <a:bodyPr/>
           <a:lstStyle/>
           <a:p>
-            <a:fld id="{7AA26896-81D7-45A4-85CC-03C1F3844996}" type="datetime1">
+            <a:fld id="{EF0D60C5-CA03-416C-B6A9-657B67767D25}" type="datetime1">
               <a:rPr lang="en-IN" smtClean="0"/>
-              <a:t>05-04-2025</a:t>
+              <a:t>11-04-2025</a:t>
             </a:fld>
             <a:endParaRPr lang="en-IN"/>
           </a:p>
@@ -2057,9 +2071,9 @@
           <a:bodyPr/>
           <a:lstStyle/>
           <a:p>
-            <a:fld id="{6A54A44D-5B97-49D1-99DF-088DB02E9C18}" type="datetime1">
+            <a:fld id="{54760E2B-8E05-42C5-9DC1-62AB5FAFCAB3}" type="datetime1">
               <a:rPr lang="en-IN" smtClean="0"/>
-              <a:t>05-04-2025</a:t>
+              <a:t>11-04-2025</a:t>
             </a:fld>
             <a:endParaRPr lang="en-IN"/>
           </a:p>
@@ -2175,9 +2189,9 @@
           <a:bodyPr/>
           <a:lstStyle/>
           <a:p>
-            <a:fld id="{ED7C3D1E-BD41-46E8-90F7-3748A2D453E8}" type="datetime1">
+            <a:fld id="{10617D2B-04B4-4CDE-B118-0AE9DB4B1750}" type="datetime1">
               <a:rPr lang="en-IN" smtClean="0"/>
-              <a:t>05-04-2025</a:t>
+              <a:t>11-04-2025</a:t>
             </a:fld>
             <a:endParaRPr lang="en-IN"/>
           </a:p>
@@ -2270,9 +2284,9 @@
           <a:bodyPr/>
           <a:lstStyle/>
           <a:p>
-            <a:fld id="{11014AA7-2F80-4A35-A763-FE7D915EA3D6}" type="datetime1">
+            <a:fld id="{86612393-1426-423E-AA0A-6DFC1669353D}" type="datetime1">
               <a:rPr lang="en-IN" smtClean="0"/>
-              <a:t>05-04-2025</a:t>
+              <a:t>11-04-2025</a:t>
             </a:fld>
             <a:endParaRPr lang="en-IN"/>
           </a:p>
@@ -2547,9 +2561,9 @@
           <a:bodyPr/>
           <a:lstStyle/>
           <a:p>
-            <a:fld id="{F7726069-FD6B-4484-BE47-96CC6ED60812}" type="datetime1">
+            <a:fld id="{D3AAEB92-E992-41FE-BD48-95448523D2E0}" type="datetime1">
               <a:rPr lang="en-IN" smtClean="0"/>
-              <a:t>05-04-2025</a:t>
+              <a:t>11-04-2025</a:t>
             </a:fld>
             <a:endParaRPr lang="en-IN"/>
           </a:p>
@@ -2804,9 +2818,9 @@
           <a:bodyPr/>
           <a:lstStyle/>
           <a:p>
-            <a:fld id="{6FA2760A-7012-4CC3-8AF7-542AF72AED7A}" type="datetime1">
+            <a:fld id="{25C25E9A-5871-47F2-8525-25738EF5B6AF}" type="datetime1">
               <a:rPr lang="en-IN" smtClean="0"/>
-              <a:t>05-04-2025</a:t>
+              <a:t>11-04-2025</a:t>
             </a:fld>
             <a:endParaRPr lang="en-IN"/>
           </a:p>
@@ -3017,9 +3031,9 @@
             </a:lvl1pPr>
           </a:lstStyle>
           <a:p>
-            <a:fld id="{CFF7163A-7C59-465F-B09A-A21B2BBCB3B4}" type="datetime1">
+            <a:fld id="{B64A273F-DDDA-45DE-977A-1566AC7C8524}" type="datetime1">
               <a:rPr lang="en-IN" smtClean="0"/>
-              <a:t>05-04-2025</a:t>
+              <a:t>11-04-2025</a:t>
             </a:fld>
             <a:endParaRPr lang="en-IN"/>
           </a:p>
@@ -3099,7 +3113,7 @@
               <a:rPr lang="en-IN" smtClean="0"/>
               <a:t>‹#›</a:t>
             </a:fld>
-            <a:endParaRPr lang="en-IN"/>
+            <a:endParaRPr lang="en-IN" dirty="0"/>
           </a:p>
         </p:txBody>
       </p:sp>
@@ -3124,7 +3138,7 @@
     <p:sldLayoutId id="2147483682" r:id="rId10"/>
     <p:sldLayoutId id="2147483683" r:id="rId11"/>
   </p:sldLayoutIdLst>
-  <p:hf sldNum="0" hdr="0" ftr="0" dt="0"/>
+  <p:hf hdr="0" ftr="0" dt="0"/>
   <p:txStyles>
     <p:titleStyle>
       <a:lvl1pPr algn="l" defTabSz="914400" rtl="0" eaLnBrk="1" latinLnBrk="0" hangingPunct="1">
@@ -3569,7 +3583,7 @@
           <a:p>
             <a:r>
               <a:rPr lang="en-US" sz="2400" dirty="0"/>
-              <a:t>Dr Jeena Thomas</a:t>
+              <a:t>Dr. Jeena Thomas</a:t>
             </a:r>
             <a:endParaRPr lang="en-IN" sz="2400" dirty="0"/>
           </a:p>
@@ -3647,6 +3661,35 @@
           </a:p>
         </p:txBody>
       </p:sp>
+      <p:sp>
+        <p:nvSpPr>
+          <p:cNvPr id="3" name="Slide Number Placeholder 2">
+            <a:extLst>
+              <a:ext uri="{FF2B5EF4-FFF2-40B4-BE49-F238E27FC236}">
+                <a16:creationId xmlns:a16="http://schemas.microsoft.com/office/drawing/2014/main" id="{C2E8B8B9-3DD0-13BE-FD22-55A6AD1BCCEF}"/>
+              </a:ext>
+            </a:extLst>
+          </p:cNvPr>
+          <p:cNvSpPr>
+            <a:spLocks noGrp="1"/>
+          </p:cNvSpPr>
+          <p:nvPr>
+            <p:ph type="sldNum" sz="quarter" idx="12"/>
+          </p:nvPr>
+        </p:nvSpPr>
+        <p:spPr/>
+        <p:txBody>
+          <a:bodyPr/>
+          <a:lstStyle/>
+          <a:p>
+            <a:fld id="{1DFBB4D5-A254-497C-8800-325BFC8980A0}" type="slidenum">
+              <a:rPr lang="en-IN" smtClean="0"/>
+              <a:t>1</a:t>
+            </a:fld>
+            <a:endParaRPr lang="en-IN"/>
+          </a:p>
+        </p:txBody>
+      </p:sp>
     </p:spTree>
     <p:extLst>
       <p:ext uri="{BB962C8B-B14F-4D97-AF65-F5344CB8AC3E}">
@@ -3668,7 +3711,7 @@
         <p:cNvPr id="1" name="">
           <a:extLst>
             <a:ext uri="{FF2B5EF4-FFF2-40B4-BE49-F238E27FC236}">
-              <a16:creationId xmlns:a16="http://schemas.microsoft.com/office/drawing/2014/main" id="{C6D6722E-1583-8624-5283-A527A3E9BBB8}"/>
+              <a16:creationId xmlns:a16="http://schemas.microsoft.com/office/drawing/2014/main" id="{64F44206-D055-3FAC-C960-17EEFD2EEF3B}"/>
             </a:ext>
           </a:extLst>
         </p:cNvPr>
@@ -3688,7 +3731,7 @@
           <p:cNvPr id="2" name="Title 1">
             <a:extLst>
               <a:ext uri="{FF2B5EF4-FFF2-40B4-BE49-F238E27FC236}">
-                <a16:creationId xmlns:a16="http://schemas.microsoft.com/office/drawing/2014/main" id="{833743C6-5721-44BD-B121-40F746A02E19}"/>
+                <a16:creationId xmlns:a16="http://schemas.microsoft.com/office/drawing/2014/main" id="{AE97C939-5403-508E-0DBA-B92FBC22A91F}"/>
               </a:ext>
             </a:extLst>
           </p:cNvPr>
@@ -3699,102 +3742,595 @@
             <p:ph type="title"/>
           </p:nvPr>
         </p:nvSpPr>
-        <p:spPr/>
+        <p:spPr>
+          <a:xfrm>
+            <a:off x="838200" y="365125"/>
+            <a:ext cx="10391778" cy="1325563"/>
+          </a:xfrm>
+        </p:spPr>
         <p:txBody>
           <a:bodyPr/>
           <a:lstStyle/>
           <a:p>
             <a:r>
               <a:rPr lang="en-US" dirty="0"/>
-              <a:t>Problem Statement</a:t>
+              <a:t>Literature Survey</a:t>
             </a:r>
             <a:endParaRPr lang="en-IN" dirty="0"/>
           </a:p>
         </p:txBody>
       </p:sp>
-      <p:sp>
-        <p:nvSpPr>
-          <p:cNvPr id="3" name="Content Placeholder 2">
+      <p:graphicFrame>
+        <p:nvGraphicFramePr>
+          <p:cNvPr id="10" name="Table 9">
             <a:extLst>
               <a:ext uri="{FF2B5EF4-FFF2-40B4-BE49-F238E27FC236}">
-                <a16:creationId xmlns:a16="http://schemas.microsoft.com/office/drawing/2014/main" id="{67951A7B-7617-9A2C-1BA6-F96C9B3EB19C}"/>
+                <a16:creationId xmlns:a16="http://schemas.microsoft.com/office/drawing/2014/main" id="{7B6AA826-8691-A8EA-5AB6-66D98FDB6A71}"/>
               </a:ext>
             </a:extLst>
           </p:cNvPr>
-          <p:cNvSpPr>
-            <a:spLocks noGrp="1"/>
-          </p:cNvSpPr>
+          <p:cNvGraphicFramePr>
+            <a:graphicFrameLocks noGrp="1"/>
+          </p:cNvGraphicFramePr>
           <p:nvPr>
-            <p:ph idx="1"/>
+            <p:extLst>
+              <p:ext uri="{D42A27DB-BD31-4B8C-83A1-F6EECF244321}">
+                <p14:modId xmlns:p14="http://schemas.microsoft.com/office/powerpoint/2010/main" val="2907575123"/>
+              </p:ext>
+            </p:extLst>
           </p:nvPr>
-        </p:nvSpPr>
-        <p:spPr/>
-        <p:txBody>
-          <a:bodyPr/>
-          <a:lstStyle/>
-          <a:p>
-            <a:r>
-              <a:rPr lang="en-US" b="1" dirty="0"/>
-              <a:t>Limited Scope</a:t>
-            </a:r>
-            <a:r>
-              <a:rPr lang="en-US" dirty="0"/>
-              <a:t> – Most explainability methods focus only on </a:t>
-            </a:r>
-            <a:r>
-              <a:rPr lang="en-US" b="1" dirty="0"/>
-              <a:t>vision classification</a:t>
-            </a:r>
-            <a:r>
-              <a:rPr lang="en-US" dirty="0"/>
-              <a:t>, ignoring multi-modal understanding</a:t>
-            </a:r>
-          </a:p>
-          <a:p>
-            <a:r>
-              <a:rPr lang="en-US" b="1" dirty="0"/>
-              <a:t>Single-Model Focus</a:t>
-            </a:r>
-            <a:r>
-              <a:rPr lang="en-US" dirty="0"/>
-              <a:t> – Existing methods work with either </a:t>
-            </a:r>
-            <a:r>
-              <a:rPr lang="en-US" b="1" dirty="0"/>
-              <a:t>CNNs or Transformers</a:t>
-            </a:r>
-            <a:r>
-              <a:rPr lang="en-US" dirty="0"/>
-              <a:t>, but rarely both</a:t>
-            </a:r>
-          </a:p>
-          <a:p>
-            <a:r>
-              <a:rPr lang="en-US" b="1" dirty="0"/>
-              <a:t>Lack of Multi-Modal Explainability</a:t>
-            </a:r>
-            <a:r>
-              <a:rPr lang="en-US" dirty="0"/>
-              <a:t> – Current approaches fail to </a:t>
-            </a:r>
-            <a:r>
-              <a:rPr lang="en-US" b="1" dirty="0"/>
-              <a:t>link textual components with specific image regions</a:t>
-            </a:r>
-            <a:r>
-              <a:rPr lang="en-US" dirty="0"/>
-              <a:t> in vision-language models.</a:t>
-            </a:r>
-            <a:endParaRPr lang="en-IN" dirty="0"/>
-          </a:p>
-        </p:txBody>
-      </p:sp>
+        </p:nvGraphicFramePr>
+        <p:xfrm>
+          <a:off x="962020" y="1310216"/>
+          <a:ext cx="10391780" cy="4132369"/>
+        </p:xfrm>
+        <a:graphic>
+          <a:graphicData uri="http://schemas.openxmlformats.org/drawingml/2006/table">
+            <a:tbl>
+              <a:tblPr firstRow="1" bandRow="1">
+                <a:tableStyleId>{5C22544A-7EE6-4342-B048-85BDC9FD1C3A}</a:tableStyleId>
+              </a:tblPr>
+              <a:tblGrid>
+                <a:gridCol w="914400">
+                  <a:extLst>
+                    <a:ext uri="{9D8B030D-6E8A-4147-A177-3AD203B41FA5}">
+                      <a16:colId xmlns:a16="http://schemas.microsoft.com/office/drawing/2014/main" val="3999095857"/>
+                    </a:ext>
+                  </a:extLst>
+                </a:gridCol>
+                <a:gridCol w="1266825">
+                  <a:extLst>
+                    <a:ext uri="{9D8B030D-6E8A-4147-A177-3AD203B41FA5}">
+                      <a16:colId xmlns:a16="http://schemas.microsoft.com/office/drawing/2014/main" val="218132091"/>
+                    </a:ext>
+                  </a:extLst>
+                </a:gridCol>
+                <a:gridCol w="1508268">
+                  <a:extLst>
+                    <a:ext uri="{9D8B030D-6E8A-4147-A177-3AD203B41FA5}">
+                      <a16:colId xmlns:a16="http://schemas.microsoft.com/office/drawing/2014/main" val="189629736"/>
+                    </a:ext>
+                  </a:extLst>
+                </a:gridCol>
+                <a:gridCol w="1492107">
+                  <a:extLst>
+                    <a:ext uri="{9D8B030D-6E8A-4147-A177-3AD203B41FA5}">
+                      <a16:colId xmlns:a16="http://schemas.microsoft.com/office/drawing/2014/main" val="3190891163"/>
+                    </a:ext>
+                  </a:extLst>
+                </a:gridCol>
+                <a:gridCol w="1743075">
+                  <a:extLst>
+                    <a:ext uri="{9D8B030D-6E8A-4147-A177-3AD203B41FA5}">
+                      <a16:colId xmlns:a16="http://schemas.microsoft.com/office/drawing/2014/main" val="33616868"/>
+                    </a:ext>
+                  </a:extLst>
+                </a:gridCol>
+                <a:gridCol w="1504950">
+                  <a:extLst>
+                    <a:ext uri="{9D8B030D-6E8A-4147-A177-3AD203B41FA5}">
+                      <a16:colId xmlns:a16="http://schemas.microsoft.com/office/drawing/2014/main" val="2863264942"/>
+                    </a:ext>
+                  </a:extLst>
+                </a:gridCol>
+                <a:gridCol w="1962155">
+                  <a:extLst>
+                    <a:ext uri="{9D8B030D-6E8A-4147-A177-3AD203B41FA5}">
+                      <a16:colId xmlns:a16="http://schemas.microsoft.com/office/drawing/2014/main" val="417061360"/>
+                    </a:ext>
+                  </a:extLst>
+                </a:gridCol>
+              </a:tblGrid>
+              <a:tr h="566209">
+                <a:tc>
+                  <a:txBody>
+                    <a:bodyPr/>
+                    <a:lstStyle/>
+                    <a:p>
+                      <a:r>
+                        <a:rPr lang="en-US" dirty="0"/>
+                        <a:t>Ref No </a:t>
+                      </a:r>
+                      <a:endParaRPr lang="en-IN" dirty="0"/>
+                    </a:p>
+                  </a:txBody>
+                  <a:tcPr/>
+                </a:tc>
+                <a:tc>
+                  <a:txBody>
+                    <a:bodyPr/>
+                    <a:lstStyle/>
+                    <a:p>
+                      <a:r>
+                        <a:rPr lang="en-US" dirty="0"/>
+                        <a:t>Method </a:t>
+                      </a:r>
+                      <a:endParaRPr lang="en-IN" dirty="0"/>
+                    </a:p>
+                  </a:txBody>
+                  <a:tcPr/>
+                </a:tc>
+                <a:tc>
+                  <a:txBody>
+                    <a:bodyPr/>
+                    <a:lstStyle/>
+                    <a:p>
+                      <a:r>
+                        <a:rPr lang="en-US" dirty="0"/>
+                        <a:t>Category</a:t>
+                      </a:r>
+                      <a:endParaRPr lang="en-IN" dirty="0"/>
+                    </a:p>
+                  </a:txBody>
+                  <a:tcPr/>
+                </a:tc>
+                <a:tc>
+                  <a:txBody>
+                    <a:bodyPr/>
+                    <a:lstStyle/>
+                    <a:p>
+                      <a:r>
+                        <a:rPr lang="en-US" dirty="0"/>
+                        <a:t>Dataset</a:t>
+                      </a:r>
+                      <a:endParaRPr lang="en-IN" dirty="0"/>
+                    </a:p>
+                  </a:txBody>
+                  <a:tcPr/>
+                </a:tc>
+                <a:tc>
+                  <a:txBody>
+                    <a:bodyPr/>
+                    <a:lstStyle/>
+                    <a:p>
+                      <a:r>
+                        <a:rPr lang="en-US" dirty="0"/>
+                        <a:t>Model</a:t>
+                      </a:r>
+                      <a:endParaRPr lang="en-IN" dirty="0"/>
+                    </a:p>
+                  </a:txBody>
+                  <a:tcPr/>
+                </a:tc>
+                <a:tc>
+                  <a:txBody>
+                    <a:bodyPr/>
+                    <a:lstStyle/>
+                    <a:p>
+                      <a:r>
+                        <a:rPr lang="en-US" dirty="0"/>
+                        <a:t>Task</a:t>
+                      </a:r>
+                      <a:endParaRPr lang="en-IN" dirty="0"/>
+                    </a:p>
+                  </a:txBody>
+                  <a:tcPr/>
+                </a:tc>
+                <a:tc>
+                  <a:txBody>
+                    <a:bodyPr/>
+                    <a:lstStyle/>
+                    <a:p>
+                      <a:r>
+                        <a:rPr lang="en-US" dirty="0"/>
+                        <a:t>Approach</a:t>
+                      </a:r>
+                      <a:endParaRPr lang="en-IN" dirty="0"/>
+                    </a:p>
+                  </a:txBody>
+                  <a:tcPr/>
+                </a:tc>
+                <a:extLst>
+                  <a:ext uri="{0D108BD9-81ED-4DB2-BD59-A6C34878D82A}">
+                    <a16:rowId xmlns:a16="http://schemas.microsoft.com/office/drawing/2014/main" val="1236473839"/>
+                  </a:ext>
+                </a:extLst>
+              </a:tr>
+              <a:tr h="873337">
+                <a:tc>
+                  <a:txBody>
+                    <a:bodyPr/>
+                    <a:lstStyle/>
+                    <a:p>
+                      <a:r>
+                        <a:rPr lang="en-US" dirty="0"/>
+                        <a:t>20</a:t>
+                      </a:r>
+                      <a:endParaRPr lang="en-IN" dirty="0"/>
+                    </a:p>
+                  </a:txBody>
+                  <a:tcPr/>
+                </a:tc>
+                <a:tc>
+                  <a:txBody>
+                    <a:bodyPr/>
+                    <a:lstStyle/>
+                    <a:p>
+                      <a:r>
+                        <a:rPr lang="en-US" dirty="0"/>
+                        <a:t>ICEv2</a:t>
+                      </a:r>
+                      <a:endParaRPr lang="en-IN" dirty="0"/>
+                    </a:p>
+                  </a:txBody>
+                  <a:tcPr/>
+                </a:tc>
+                <a:tc>
+                  <a:txBody>
+                    <a:bodyPr/>
+                    <a:lstStyle/>
+                    <a:p>
+                      <a:r>
+                        <a:rPr lang="en-US" dirty="0" err="1"/>
+                        <a:t>ViT</a:t>
+                      </a:r>
+                      <a:r>
+                        <a:rPr lang="en-US" dirty="0"/>
+                        <a:t> Xai</a:t>
+                      </a:r>
+                      <a:endParaRPr lang="en-IN" dirty="0"/>
+                    </a:p>
+                  </a:txBody>
+                  <a:tcPr/>
+                </a:tc>
+                <a:tc>
+                  <a:txBody>
+                    <a:bodyPr/>
+                    <a:lstStyle/>
+                    <a:p>
+                      <a:r>
+                        <a:rPr lang="en-IN" dirty="0"/>
+                        <a:t>ImageNet, ILSVRC,</a:t>
+                      </a:r>
+                    </a:p>
+                    <a:p>
+                      <a:r>
+                        <a:rPr lang="en-IN" dirty="0"/>
+                        <a:t>Pascal VOC</a:t>
+                      </a:r>
+                    </a:p>
+                  </a:txBody>
+                  <a:tcPr/>
+                </a:tc>
+                <a:tc>
+                  <a:txBody>
+                    <a:bodyPr/>
+                    <a:lstStyle/>
+                    <a:p>
+                      <a:r>
+                        <a:rPr lang="en-IN" dirty="0" err="1"/>
+                        <a:t>RobustViT</a:t>
+                      </a:r>
+                      <a:r>
+                        <a:rPr lang="en-IN" dirty="0"/>
+                        <a:t>,</a:t>
+                      </a:r>
+                    </a:p>
+                    <a:p>
+                      <a:r>
+                        <a:rPr lang="en-IN" dirty="0" err="1"/>
+                        <a:t>DeiT</a:t>
+                      </a:r>
+                      <a:r>
+                        <a:rPr lang="en-IN" dirty="0"/>
+                        <a:t>-S, </a:t>
+                      </a:r>
+                      <a:r>
+                        <a:rPr lang="en-IN" dirty="0" err="1"/>
+                        <a:t>DeiT</a:t>
+                      </a:r>
+                      <a:r>
+                        <a:rPr lang="en-IN" dirty="0"/>
+                        <a:t>-T </a:t>
+                      </a:r>
+                    </a:p>
+                  </a:txBody>
+                  <a:tcPr/>
+                </a:tc>
+                <a:tc>
+                  <a:txBody>
+                    <a:bodyPr/>
+                    <a:lstStyle/>
+                    <a:p>
+                      <a:r>
+                        <a:rPr lang="en-US" dirty="0"/>
+                        <a:t>Segmentation</a:t>
+                      </a:r>
+                      <a:endParaRPr lang="en-IN" dirty="0"/>
+                    </a:p>
+                  </a:txBody>
+                  <a:tcPr/>
+                </a:tc>
+                <a:tc>
+                  <a:txBody>
+                    <a:bodyPr/>
+                    <a:lstStyle/>
+                    <a:p>
+                      <a:r>
+                        <a:rPr lang="en-US" dirty="0"/>
+                        <a:t>Adversarial Norm for separation of background</a:t>
+                      </a:r>
+                    </a:p>
+                  </a:txBody>
+                  <a:tcPr/>
+                </a:tc>
+                <a:extLst>
+                  <a:ext uri="{0D108BD9-81ED-4DB2-BD59-A6C34878D82A}">
+                    <a16:rowId xmlns:a16="http://schemas.microsoft.com/office/drawing/2014/main" val="2942980397"/>
+                  </a:ext>
+                </a:extLst>
+              </a:tr>
+              <a:tr h="873337">
+                <a:tc>
+                  <a:txBody>
+                    <a:bodyPr/>
+                    <a:lstStyle/>
+                    <a:p>
+                      <a:r>
+                        <a:rPr lang="en-US" dirty="0"/>
+                        <a:t>21</a:t>
+                      </a:r>
+                      <a:endParaRPr lang="en-IN" dirty="0"/>
+                    </a:p>
+                  </a:txBody>
+                  <a:tcPr/>
+                </a:tc>
+                <a:tc>
+                  <a:txBody>
+                    <a:bodyPr/>
+                    <a:lstStyle/>
+                    <a:p>
+                      <a:r>
+                        <a:rPr lang="en-US" dirty="0"/>
+                        <a:t>3VL</a:t>
+                      </a:r>
+                      <a:endParaRPr lang="en-IN" dirty="0"/>
+                    </a:p>
+                  </a:txBody>
+                  <a:tcPr/>
+                </a:tc>
+                <a:tc>
+                  <a:txBody>
+                    <a:bodyPr/>
+                    <a:lstStyle/>
+                    <a:p>
+                      <a:r>
+                        <a:rPr lang="en-US" dirty="0"/>
+                        <a:t>Gradient Based</a:t>
+                      </a:r>
+                      <a:endParaRPr lang="en-IN" dirty="0"/>
+                    </a:p>
+                  </a:txBody>
+                  <a:tcPr/>
+                </a:tc>
+                <a:tc>
+                  <a:txBody>
+                    <a:bodyPr/>
+                    <a:lstStyle/>
+                    <a:p>
+                      <a:r>
+                        <a:rPr lang="en-IN" dirty="0"/>
+                        <a:t>MS-COCO, </a:t>
+                      </a:r>
+                    </a:p>
+                    <a:p>
+                      <a:r>
+                        <a:rPr lang="en-IN" dirty="0"/>
+                        <a:t>VL-</a:t>
+                      </a:r>
+                      <a:r>
+                        <a:rPr lang="en-IN" dirty="0" err="1"/>
+                        <a:t>CheckList</a:t>
+                      </a:r>
+                      <a:r>
+                        <a:rPr lang="en-IN" dirty="0"/>
+                        <a:t>,</a:t>
+                      </a:r>
+                    </a:p>
+                    <a:p>
+                      <a:r>
+                        <a:rPr lang="en-IN" dirty="0"/>
+                        <a:t>ImageNet</a:t>
+                      </a:r>
+                    </a:p>
+                  </a:txBody>
+                  <a:tcPr/>
+                </a:tc>
+                <a:tc>
+                  <a:txBody>
+                    <a:bodyPr/>
+                    <a:lstStyle/>
+                    <a:p>
+                      <a:r>
+                        <a:rPr lang="en-IN" dirty="0"/>
+                        <a:t>FLAN-T5, OpenAI Clip, </a:t>
+                      </a:r>
+                    </a:p>
+                    <a:p>
+                      <a:r>
+                        <a:rPr lang="en-IN" dirty="0"/>
+                        <a:t>ALIGN, VALSE, COLA</a:t>
+                      </a:r>
+                    </a:p>
+                  </a:txBody>
+                  <a:tcPr/>
+                </a:tc>
+                <a:tc>
+                  <a:txBody>
+                    <a:bodyPr/>
+                    <a:lstStyle/>
+                    <a:p>
+                      <a:r>
+                        <a:rPr lang="en-US" dirty="0"/>
+                        <a:t>Image captioning</a:t>
+                      </a:r>
+                      <a:endParaRPr lang="en-IN" dirty="0"/>
+                    </a:p>
+                  </a:txBody>
+                  <a:tcPr/>
+                </a:tc>
+                <a:tc>
+                  <a:txBody>
+                    <a:bodyPr/>
+                    <a:lstStyle/>
+                    <a:p>
+                      <a:r>
+                        <a:rPr lang="en-IN" sz="1800" kern="1200" dirty="0">
+                          <a:solidFill>
+                            <a:schemeClr val="dk1"/>
+                          </a:solidFill>
+                          <a:effectLst/>
+                          <a:latin typeface="+mn-lt"/>
+                          <a:ea typeface="+mn-ea"/>
+                          <a:cs typeface="+mn-cs"/>
+                        </a:rPr>
+                        <a:t>Contrastive loss for each layer of text tree. Patches of image matched with tokens. Token removal </a:t>
+                      </a:r>
+                      <a:endParaRPr lang="en-IN" dirty="0"/>
+                    </a:p>
+                  </a:txBody>
+                  <a:tcPr/>
+                </a:tc>
+                <a:extLst>
+                  <a:ext uri="{0D108BD9-81ED-4DB2-BD59-A6C34878D82A}">
+                    <a16:rowId xmlns:a16="http://schemas.microsoft.com/office/drawing/2014/main" val="1877996509"/>
+                  </a:ext>
+                </a:extLst>
+              </a:tr>
+              <a:tr h="873337">
+                <a:tc>
+                  <a:txBody>
+                    <a:bodyPr/>
+                    <a:lstStyle/>
+                    <a:p>
+                      <a:r>
+                        <a:rPr lang="en-US" dirty="0"/>
+                        <a:t>22</a:t>
+                      </a:r>
+                      <a:endParaRPr lang="en-IN" dirty="0"/>
+                    </a:p>
+                  </a:txBody>
+                  <a:tcPr/>
+                </a:tc>
+                <a:tc>
+                  <a:txBody>
+                    <a:bodyPr/>
+                    <a:lstStyle/>
+                    <a:p>
+                      <a:r>
+                        <a:rPr lang="en-US" dirty="0"/>
+                        <a:t>Segment Anything</a:t>
+                      </a:r>
+                      <a:endParaRPr lang="en-IN" dirty="0"/>
+                    </a:p>
+                  </a:txBody>
+                  <a:tcPr/>
+                </a:tc>
+                <a:tc>
+                  <a:txBody>
+                    <a:bodyPr/>
+                    <a:lstStyle/>
+                    <a:p>
+                      <a:r>
+                        <a:rPr lang="en-US" dirty="0"/>
+                        <a:t>Prompt based segmentation</a:t>
+                      </a:r>
+                      <a:endParaRPr lang="en-IN" dirty="0"/>
+                    </a:p>
+                  </a:txBody>
+                  <a:tcPr/>
+                </a:tc>
+                <a:tc>
+                  <a:txBody>
+                    <a:bodyPr/>
+                    <a:lstStyle/>
+                    <a:p>
+                      <a:r>
+                        <a:rPr lang="en-IN" dirty="0"/>
+                        <a:t>SA-1B</a:t>
+                      </a:r>
+                    </a:p>
+                  </a:txBody>
+                  <a:tcPr/>
+                </a:tc>
+                <a:tc>
+                  <a:txBody>
+                    <a:bodyPr/>
+                    <a:lstStyle/>
+                    <a:p>
+                      <a:r>
+                        <a:rPr lang="en-US" dirty="0"/>
+                        <a:t>SAM</a:t>
+                      </a:r>
+                      <a:endParaRPr lang="en-IN" dirty="0"/>
+                    </a:p>
+                  </a:txBody>
+                  <a:tcPr/>
+                </a:tc>
+                <a:tc>
+                  <a:txBody>
+                    <a:bodyPr/>
+                    <a:lstStyle/>
+                    <a:p>
+                      <a:r>
+                        <a:rPr lang="en-US" dirty="0"/>
+                        <a:t>Image segmentation</a:t>
+                      </a:r>
+                      <a:endParaRPr lang="en-IN" dirty="0"/>
+                    </a:p>
+                  </a:txBody>
+                  <a:tcPr/>
+                </a:tc>
+                <a:tc>
+                  <a:txBody>
+                    <a:bodyPr/>
+                    <a:lstStyle/>
+                    <a:p>
+                      <a:r>
+                        <a:rPr lang="en-US" dirty="0"/>
+                        <a:t>Prompt encoder combined with encoded image.</a:t>
+                      </a:r>
+                      <a:endParaRPr lang="en-IN" dirty="0"/>
+                    </a:p>
+                  </a:txBody>
+                  <a:tcPr/>
+                </a:tc>
+                <a:extLst>
+                  <a:ext uri="{0D108BD9-81ED-4DB2-BD59-A6C34878D82A}">
+                    <a16:rowId xmlns:a16="http://schemas.microsoft.com/office/drawing/2014/main" val="2493072846"/>
+                  </a:ext>
+                </a:extLst>
+              </a:tr>
+            </a:tbl>
+          </a:graphicData>
+        </a:graphic>
+      </p:graphicFrame>
       <p:pic>
         <p:nvPicPr>
-          <p:cNvPr id="7" name="Picture 6">
+          <p:cNvPr id="5" name="Picture 4">
             <a:extLst>
               <a:ext uri="{FF2B5EF4-FFF2-40B4-BE49-F238E27FC236}">
-                <a16:creationId xmlns:a16="http://schemas.microsoft.com/office/drawing/2014/main" id="{0D98C8F1-A43C-03DF-245D-8F5D0F211C88}"/>
+                <a16:creationId xmlns:a16="http://schemas.microsoft.com/office/drawing/2014/main" id="{66EAAC1F-2615-7B00-CA9F-B7029EC28353}"/>
               </a:ext>
             </a:extLst>
           </p:cNvPr>
@@ -3825,10 +4361,39 @@
           </a:prstGeom>
         </p:spPr>
       </p:pic>
+      <p:sp>
+        <p:nvSpPr>
+          <p:cNvPr id="3" name="Slide Number Placeholder 2">
+            <a:extLst>
+              <a:ext uri="{FF2B5EF4-FFF2-40B4-BE49-F238E27FC236}">
+                <a16:creationId xmlns:a16="http://schemas.microsoft.com/office/drawing/2014/main" id="{134982C9-501E-A075-8560-4D1BA9679A19}"/>
+              </a:ext>
+            </a:extLst>
+          </p:cNvPr>
+          <p:cNvSpPr>
+            <a:spLocks noGrp="1"/>
+          </p:cNvSpPr>
+          <p:nvPr>
+            <p:ph type="sldNum" sz="quarter" idx="12"/>
+          </p:nvPr>
+        </p:nvSpPr>
+        <p:spPr/>
+        <p:txBody>
+          <a:bodyPr/>
+          <a:lstStyle/>
+          <a:p>
+            <a:fld id="{1DFBB4D5-A254-497C-8800-325BFC8980A0}" type="slidenum">
+              <a:rPr lang="en-IN" smtClean="0"/>
+              <a:t>10</a:t>
+            </a:fld>
+            <a:endParaRPr lang="en-IN" dirty="0"/>
+          </a:p>
+        </p:txBody>
+      </p:sp>
     </p:spTree>
     <p:extLst>
       <p:ext uri="{BB962C8B-B14F-4D97-AF65-F5344CB8AC3E}">
-        <p14:creationId xmlns:p14="http://schemas.microsoft.com/office/powerpoint/2010/main" val="445328935"/>
+        <p14:creationId xmlns:p14="http://schemas.microsoft.com/office/powerpoint/2010/main" val="1492827380"/>
       </p:ext>
     </p:extLst>
   </p:cSld>
@@ -3839,6 +4404,215 @@
 </file>
 
 <file path=ppt/slides/slide11.xml><?xml version="1.0" encoding="utf-8"?>
+<p:sld xmlns:a="http://schemas.openxmlformats.org/drawingml/2006/main" xmlns:r="http://schemas.openxmlformats.org/officeDocument/2006/relationships" xmlns:p="http://schemas.openxmlformats.org/presentationml/2006/main">
+  <p:cSld>
+    <p:spTree>
+      <p:nvGrpSpPr>
+        <p:cNvPr id="1" name="">
+          <a:extLst>
+            <a:ext uri="{FF2B5EF4-FFF2-40B4-BE49-F238E27FC236}">
+              <a16:creationId xmlns:a16="http://schemas.microsoft.com/office/drawing/2014/main" id="{1D0AA164-AEC4-B2BA-9F5B-47BBFF97376A}"/>
+            </a:ext>
+          </a:extLst>
+        </p:cNvPr>
+        <p:cNvGrpSpPr/>
+        <p:nvPr/>
+      </p:nvGrpSpPr>
+      <p:grpSpPr>
+        <a:xfrm>
+          <a:off x="0" y="0"/>
+          <a:ext cx="0" cy="0"/>
+          <a:chOff x="0" y="0"/>
+          <a:chExt cx="0" cy="0"/>
+        </a:xfrm>
+      </p:grpSpPr>
+      <p:sp>
+        <p:nvSpPr>
+          <p:cNvPr id="2" name="Title 1">
+            <a:extLst>
+              <a:ext uri="{FF2B5EF4-FFF2-40B4-BE49-F238E27FC236}">
+                <a16:creationId xmlns:a16="http://schemas.microsoft.com/office/drawing/2014/main" id="{6D71C70F-2882-F317-F318-75E7901077EF}"/>
+              </a:ext>
+            </a:extLst>
+          </p:cNvPr>
+          <p:cNvSpPr>
+            <a:spLocks noGrp="1"/>
+          </p:cNvSpPr>
+          <p:nvPr>
+            <p:ph type="title"/>
+          </p:nvPr>
+        </p:nvSpPr>
+        <p:spPr/>
+        <p:txBody>
+          <a:bodyPr/>
+          <a:lstStyle/>
+          <a:p>
+            <a:r>
+              <a:rPr lang="en-US" dirty="0"/>
+              <a:t>Problem Statement</a:t>
+            </a:r>
+            <a:endParaRPr lang="en-IN" dirty="0"/>
+          </a:p>
+        </p:txBody>
+      </p:sp>
+      <p:sp>
+        <p:nvSpPr>
+          <p:cNvPr id="3" name="Content Placeholder 2">
+            <a:extLst>
+              <a:ext uri="{FF2B5EF4-FFF2-40B4-BE49-F238E27FC236}">
+                <a16:creationId xmlns:a16="http://schemas.microsoft.com/office/drawing/2014/main" id="{C2EB1B13-38A4-10B1-C776-64C1E462D68C}"/>
+              </a:ext>
+            </a:extLst>
+          </p:cNvPr>
+          <p:cNvSpPr>
+            <a:spLocks noGrp="1"/>
+          </p:cNvSpPr>
+          <p:nvPr>
+            <p:ph idx="1"/>
+          </p:nvPr>
+        </p:nvSpPr>
+        <p:spPr/>
+        <p:txBody>
+          <a:bodyPr/>
+          <a:lstStyle/>
+          <a:p>
+            <a:pPr algn="just"/>
+            <a:r>
+              <a:rPr lang="en-US" b="1" dirty="0"/>
+              <a:t>Limited Scope</a:t>
+            </a:r>
+            <a:r>
+              <a:rPr lang="en-US" dirty="0"/>
+              <a:t> – Most explainability methods focus only on </a:t>
+            </a:r>
+            <a:r>
+              <a:rPr lang="en-US" b="1" dirty="0"/>
+              <a:t>vision classification</a:t>
+            </a:r>
+            <a:r>
+              <a:rPr lang="en-US" dirty="0"/>
+              <a:t>, ignoring multi-modal understanding</a:t>
+            </a:r>
+          </a:p>
+          <a:p>
+            <a:pPr algn="just"/>
+            <a:r>
+              <a:rPr lang="en-US" b="1" dirty="0"/>
+              <a:t>Lack of Multi-Modal Explainability</a:t>
+            </a:r>
+            <a:r>
+              <a:rPr lang="en-US" dirty="0"/>
+              <a:t> – Current approaches fail to </a:t>
+            </a:r>
+            <a:r>
+              <a:rPr lang="en-US" b="1" dirty="0"/>
+              <a:t>link textual components with specific image regions</a:t>
+            </a:r>
+            <a:r>
+              <a:rPr lang="en-US" dirty="0"/>
+              <a:t> in vision-language models.</a:t>
+            </a:r>
+          </a:p>
+          <a:p>
+            <a:pPr algn="just"/>
+            <a:r>
+              <a:rPr lang="en-US" b="1" dirty="0"/>
+              <a:t>Novel Mechanism </a:t>
+            </a:r>
+            <a:r>
+              <a:rPr lang="en-US" dirty="0"/>
+              <a:t>– No </a:t>
+            </a:r>
+            <a:r>
+              <a:rPr lang="en-US" b="1" dirty="0"/>
+              <a:t>central approach </a:t>
+            </a:r>
+            <a:r>
+              <a:rPr lang="en-US" dirty="0"/>
+              <a:t>is present that explains different pipelines of multimodal system.</a:t>
+            </a:r>
+          </a:p>
+        </p:txBody>
+      </p:sp>
+      <p:pic>
+        <p:nvPicPr>
+          <p:cNvPr id="7" name="Picture 6">
+            <a:extLst>
+              <a:ext uri="{FF2B5EF4-FFF2-40B4-BE49-F238E27FC236}">
+                <a16:creationId xmlns:a16="http://schemas.microsoft.com/office/drawing/2014/main" id="{8EA87320-A204-BF4B-3A04-AB00DF6E4E64}"/>
+              </a:ext>
+            </a:extLst>
+          </p:cNvPr>
+          <p:cNvPicPr>
+            <a:picLocks noChangeAspect="1"/>
+          </p:cNvPicPr>
+          <p:nvPr/>
+        </p:nvPicPr>
+        <p:blipFill>
+          <a:blip r:embed="rId2">
+            <a:extLst>
+              <a:ext uri="{28A0092B-C50C-407E-A947-70E740481C1C}">
+                <a14:useLocalDpi xmlns:a14="http://schemas.microsoft.com/office/drawing/2010/main" val="0"/>
+              </a:ext>
+            </a:extLst>
+          </a:blip>
+          <a:stretch>
+            <a:fillRect/>
+          </a:stretch>
+        </p:blipFill>
+        <p:spPr>
+          <a:xfrm>
+            <a:off x="10094490" y="0"/>
+            <a:ext cx="1863300" cy="1050925"/>
+          </a:xfrm>
+          <a:prstGeom prst="rect">
+            <a:avLst/>
+          </a:prstGeom>
+        </p:spPr>
+      </p:pic>
+      <p:sp>
+        <p:nvSpPr>
+          <p:cNvPr id="4" name="Slide Number Placeholder 3">
+            <a:extLst>
+              <a:ext uri="{FF2B5EF4-FFF2-40B4-BE49-F238E27FC236}">
+                <a16:creationId xmlns:a16="http://schemas.microsoft.com/office/drawing/2014/main" id="{DC384396-3290-3F89-6E89-110DC03330B4}"/>
+              </a:ext>
+            </a:extLst>
+          </p:cNvPr>
+          <p:cNvSpPr>
+            <a:spLocks noGrp="1"/>
+          </p:cNvSpPr>
+          <p:nvPr>
+            <p:ph type="sldNum" sz="quarter" idx="12"/>
+          </p:nvPr>
+        </p:nvSpPr>
+        <p:spPr/>
+        <p:txBody>
+          <a:bodyPr/>
+          <a:lstStyle/>
+          <a:p>
+            <a:fld id="{1DFBB4D5-A254-497C-8800-325BFC8980A0}" type="slidenum">
+              <a:rPr lang="en-IN" smtClean="0"/>
+              <a:t>11</a:t>
+            </a:fld>
+            <a:endParaRPr lang="en-IN" dirty="0"/>
+          </a:p>
+        </p:txBody>
+      </p:sp>
+    </p:spTree>
+    <p:extLst>
+      <p:ext uri="{BB962C8B-B14F-4D97-AF65-F5344CB8AC3E}">
+        <p14:creationId xmlns:p14="http://schemas.microsoft.com/office/powerpoint/2010/main" val="1577553834"/>
+      </p:ext>
+    </p:extLst>
+  </p:cSld>
+  <p:clrMapOvr>
+    <a:masterClrMapping/>
+  </p:clrMapOvr>
+</p:sld>
+</file>
+
+<file path=ppt/slides/slide12.xml><?xml version="1.0" encoding="utf-8"?>
 <p:sld xmlns:a="http://schemas.openxmlformats.org/drawingml/2006/main" xmlns:r="http://schemas.openxmlformats.org/officeDocument/2006/relationships" xmlns:p="http://schemas.openxmlformats.org/presentationml/2006/main">
   <p:cSld>
     <p:spTree>
@@ -3911,6 +4685,7 @@
           <a:bodyPr/>
           <a:lstStyle/>
           <a:p>
+            <a:pPr algn="just"/>
             <a:r>
               <a:rPr lang="en-US" b="1" dirty="0"/>
               <a:t>Develop a Novel Explainability Framework</a:t>
@@ -3929,6 +4704,7 @@
             </a:r>
           </a:p>
           <a:p>
+            <a:pPr algn="just"/>
             <a:r>
               <a:rPr lang="en-US" b="1" dirty="0"/>
               <a:t>Enable Multi-Modal Interpretation</a:t>
@@ -3955,6 +4731,7 @@
             </a:r>
           </a:p>
           <a:p>
+            <a:pPr algn="just"/>
             <a:r>
               <a:rPr lang="en-US" b="1" dirty="0"/>
               <a:t>Go Beyond Classification</a:t>
@@ -3965,13 +4742,12 @@
             </a:r>
             <a:r>
               <a:rPr lang="en-US" b="1" dirty="0"/>
-              <a:t>retrieval, segmentation, and multi-modal reasoning</a:t>
+              <a:t>segmentation, and multi-modal reasoning</a:t>
             </a:r>
             <a:r>
               <a:rPr lang="en-US" dirty="0"/>
               <a:t> tasks.</a:t>
             </a:r>
-            <a:endParaRPr lang="en-IN" dirty="0"/>
           </a:p>
         </p:txBody>
       </p:sp>
@@ -4011,6 +4787,35 @@
           </a:prstGeom>
         </p:spPr>
       </p:pic>
+      <p:sp>
+        <p:nvSpPr>
+          <p:cNvPr id="4" name="Slide Number Placeholder 3">
+            <a:extLst>
+              <a:ext uri="{FF2B5EF4-FFF2-40B4-BE49-F238E27FC236}">
+                <a16:creationId xmlns:a16="http://schemas.microsoft.com/office/drawing/2014/main" id="{6D4DA5F3-BD6F-3FFE-E407-488C641C6A33}"/>
+              </a:ext>
+            </a:extLst>
+          </p:cNvPr>
+          <p:cNvSpPr>
+            <a:spLocks noGrp="1"/>
+          </p:cNvSpPr>
+          <p:nvPr>
+            <p:ph type="sldNum" sz="quarter" idx="12"/>
+          </p:nvPr>
+        </p:nvSpPr>
+        <p:spPr/>
+        <p:txBody>
+          <a:bodyPr/>
+          <a:lstStyle/>
+          <a:p>
+            <a:fld id="{1DFBB4D5-A254-497C-8800-325BFC8980A0}" type="slidenum">
+              <a:rPr lang="en-IN" smtClean="0"/>
+              <a:t>12</a:t>
+            </a:fld>
+            <a:endParaRPr lang="en-IN" dirty="0"/>
+          </a:p>
+        </p:txBody>
+      </p:sp>
     </p:spTree>
     <p:extLst>
       <p:ext uri="{BB962C8B-B14F-4D97-AF65-F5344CB8AC3E}">
@@ -4024,7 +4829,2761 @@
 </p:sld>
 </file>
 
-<file path=ppt/slides/slide12.xml><?xml version="1.0" encoding="utf-8"?>
+<file path=ppt/slides/slide13.xml><?xml version="1.0" encoding="utf-8"?>
+<p:sld xmlns:a="http://schemas.openxmlformats.org/drawingml/2006/main" xmlns:r="http://schemas.openxmlformats.org/officeDocument/2006/relationships" xmlns:p="http://schemas.openxmlformats.org/presentationml/2006/main">
+  <p:cSld>
+    <p:spTree>
+      <p:nvGrpSpPr>
+        <p:cNvPr id="1" name="">
+          <a:extLst>
+            <a:ext uri="{FF2B5EF4-FFF2-40B4-BE49-F238E27FC236}">
+              <a16:creationId xmlns:a16="http://schemas.microsoft.com/office/drawing/2014/main" id="{1B85004C-27A9-4794-8989-7EE71F430CF4}"/>
+            </a:ext>
+          </a:extLst>
+        </p:cNvPr>
+        <p:cNvGrpSpPr/>
+        <p:nvPr/>
+      </p:nvGrpSpPr>
+      <p:grpSpPr>
+        <a:xfrm>
+          <a:off x="0" y="0"/>
+          <a:ext cx="0" cy="0"/>
+          <a:chOff x="0" y="0"/>
+          <a:chExt cx="0" cy="0"/>
+        </a:xfrm>
+      </p:grpSpPr>
+      <p:sp>
+        <p:nvSpPr>
+          <p:cNvPr id="2" name="Title 1">
+            <a:extLst>
+              <a:ext uri="{FF2B5EF4-FFF2-40B4-BE49-F238E27FC236}">
+                <a16:creationId xmlns:a16="http://schemas.microsoft.com/office/drawing/2014/main" id="{5EAC909D-0277-594B-588A-B321DF8AD06F}"/>
+              </a:ext>
+            </a:extLst>
+          </p:cNvPr>
+          <p:cNvSpPr>
+            <a:spLocks noGrp="1"/>
+          </p:cNvSpPr>
+          <p:nvPr>
+            <p:ph type="title"/>
+          </p:nvPr>
+        </p:nvSpPr>
+        <p:spPr/>
+        <p:txBody>
+          <a:bodyPr/>
+          <a:lstStyle/>
+          <a:p>
+            <a:r>
+              <a:rPr lang="en-US" dirty="0"/>
+              <a:t>Proposed Architecture</a:t>
+            </a:r>
+            <a:endParaRPr lang="en-IN" dirty="0"/>
+          </a:p>
+        </p:txBody>
+      </p:sp>
+      <p:pic>
+        <p:nvPicPr>
+          <p:cNvPr id="7" name="Picture 6">
+            <a:extLst>
+              <a:ext uri="{FF2B5EF4-FFF2-40B4-BE49-F238E27FC236}">
+                <a16:creationId xmlns:a16="http://schemas.microsoft.com/office/drawing/2014/main" id="{4941B3D4-A2D9-CB50-25AB-9EFFE277F76E}"/>
+              </a:ext>
+            </a:extLst>
+          </p:cNvPr>
+          <p:cNvPicPr>
+            <a:picLocks noChangeAspect="1"/>
+          </p:cNvPicPr>
+          <p:nvPr/>
+        </p:nvPicPr>
+        <p:blipFill>
+          <a:blip r:embed="rId2">
+            <a:extLst>
+              <a:ext uri="{28A0092B-C50C-407E-A947-70E740481C1C}">
+                <a14:useLocalDpi xmlns:a14="http://schemas.microsoft.com/office/drawing/2010/main" val="0"/>
+              </a:ext>
+            </a:extLst>
+          </a:blip>
+          <a:stretch>
+            <a:fillRect/>
+          </a:stretch>
+        </p:blipFill>
+        <p:spPr>
+          <a:xfrm>
+            <a:off x="10094490" y="0"/>
+            <a:ext cx="1863300" cy="1050925"/>
+          </a:xfrm>
+          <a:prstGeom prst="rect">
+            <a:avLst/>
+          </a:prstGeom>
+        </p:spPr>
+      </p:pic>
+      <p:pic>
+        <p:nvPicPr>
+          <p:cNvPr id="8" name="Picture 7">
+            <a:extLst>
+              <a:ext uri="{FF2B5EF4-FFF2-40B4-BE49-F238E27FC236}">
+                <a16:creationId xmlns:a16="http://schemas.microsoft.com/office/drawing/2014/main" id="{BFB48571-95E6-D718-5E44-F1616785D2BE}"/>
+              </a:ext>
+            </a:extLst>
+          </p:cNvPr>
+          <p:cNvPicPr>
+            <a:picLocks noChangeAspect="1"/>
+          </p:cNvPicPr>
+          <p:nvPr/>
+        </p:nvPicPr>
+        <p:blipFill>
+          <a:blip r:embed="rId3">
+            <a:extLst>
+              <a:ext uri="{28A0092B-C50C-407E-A947-70E740481C1C}">
+                <a14:useLocalDpi xmlns:a14="http://schemas.microsoft.com/office/drawing/2010/main" val="0"/>
+              </a:ext>
+            </a:extLst>
+          </a:blip>
+          <a:srcRect l="5276" t="12207" r="4070" b="6458"/>
+          <a:stretch/>
+        </p:blipFill>
+        <p:spPr>
+          <a:xfrm>
+            <a:off x="147471" y="1416050"/>
+            <a:ext cx="11897057" cy="5343978"/>
+          </a:xfrm>
+          <a:prstGeom prst="rect">
+            <a:avLst/>
+          </a:prstGeom>
+        </p:spPr>
+      </p:pic>
+      <p:sp>
+        <p:nvSpPr>
+          <p:cNvPr id="9" name="Slide Number Placeholder 8">
+            <a:extLst>
+              <a:ext uri="{FF2B5EF4-FFF2-40B4-BE49-F238E27FC236}">
+                <a16:creationId xmlns:a16="http://schemas.microsoft.com/office/drawing/2014/main" id="{DA522D46-544E-70ED-58E6-573A8F9F6596}"/>
+              </a:ext>
+            </a:extLst>
+          </p:cNvPr>
+          <p:cNvSpPr>
+            <a:spLocks noGrp="1"/>
+          </p:cNvSpPr>
+          <p:nvPr>
+            <p:ph type="sldNum" sz="quarter" idx="12"/>
+          </p:nvPr>
+        </p:nvSpPr>
+        <p:spPr/>
+        <p:txBody>
+          <a:bodyPr/>
+          <a:lstStyle/>
+          <a:p>
+            <a:fld id="{1DFBB4D5-A254-497C-8800-325BFC8980A0}" type="slidenum">
+              <a:rPr lang="en-IN" smtClean="0"/>
+              <a:t>13</a:t>
+            </a:fld>
+            <a:endParaRPr lang="en-IN" dirty="0"/>
+          </a:p>
+        </p:txBody>
+      </p:sp>
+    </p:spTree>
+    <p:extLst>
+      <p:ext uri="{BB962C8B-B14F-4D97-AF65-F5344CB8AC3E}">
+        <p14:creationId xmlns:p14="http://schemas.microsoft.com/office/powerpoint/2010/main" val="3403668426"/>
+      </p:ext>
+    </p:extLst>
+  </p:cSld>
+  <p:clrMapOvr>
+    <a:masterClrMapping/>
+  </p:clrMapOvr>
+</p:sld>
+</file>
+
+<file path=ppt/slides/slide14.xml><?xml version="1.0" encoding="utf-8"?>
+<p:sld xmlns:a="http://schemas.openxmlformats.org/drawingml/2006/main" xmlns:r="http://schemas.openxmlformats.org/officeDocument/2006/relationships" xmlns:p="http://schemas.openxmlformats.org/presentationml/2006/main">
+  <p:cSld>
+    <p:spTree>
+      <p:nvGrpSpPr>
+        <p:cNvPr id="1" name="">
+          <a:extLst>
+            <a:ext uri="{FF2B5EF4-FFF2-40B4-BE49-F238E27FC236}">
+              <a16:creationId xmlns:a16="http://schemas.microsoft.com/office/drawing/2014/main" id="{73F9C8DE-49A2-488C-1DA9-15EF1AEEDCEA}"/>
+            </a:ext>
+          </a:extLst>
+        </p:cNvPr>
+        <p:cNvGrpSpPr/>
+        <p:nvPr/>
+      </p:nvGrpSpPr>
+      <p:grpSpPr>
+        <a:xfrm>
+          <a:off x="0" y="0"/>
+          <a:ext cx="0" cy="0"/>
+          <a:chOff x="0" y="0"/>
+          <a:chExt cx="0" cy="0"/>
+        </a:xfrm>
+      </p:grpSpPr>
+      <p:sp>
+        <p:nvSpPr>
+          <p:cNvPr id="2" name="Title 1">
+            <a:extLst>
+              <a:ext uri="{FF2B5EF4-FFF2-40B4-BE49-F238E27FC236}">
+                <a16:creationId xmlns:a16="http://schemas.microsoft.com/office/drawing/2014/main" id="{ADDCC351-36FC-7F58-48FE-A82F9C525A74}"/>
+              </a:ext>
+            </a:extLst>
+          </p:cNvPr>
+          <p:cNvSpPr>
+            <a:spLocks noGrp="1"/>
+          </p:cNvSpPr>
+          <p:nvPr>
+            <p:ph type="title"/>
+          </p:nvPr>
+        </p:nvSpPr>
+        <p:spPr>
+          <a:xfrm>
+            <a:off x="838200" y="365125"/>
+            <a:ext cx="10391778" cy="1325563"/>
+          </a:xfrm>
+        </p:spPr>
+        <p:txBody>
+          <a:bodyPr/>
+          <a:lstStyle/>
+          <a:p>
+            <a:r>
+              <a:rPr lang="en-US" dirty="0"/>
+              <a:t>Dataset</a:t>
+            </a:r>
+            <a:endParaRPr lang="en-IN" dirty="0"/>
+          </a:p>
+        </p:txBody>
+      </p:sp>
+      <p:graphicFrame>
+        <p:nvGraphicFramePr>
+          <p:cNvPr id="10" name="Table 9">
+            <a:extLst>
+              <a:ext uri="{FF2B5EF4-FFF2-40B4-BE49-F238E27FC236}">
+                <a16:creationId xmlns:a16="http://schemas.microsoft.com/office/drawing/2014/main" id="{1E573FD5-6310-6917-CE72-1FF7FCE9B22A}"/>
+              </a:ext>
+            </a:extLst>
+          </p:cNvPr>
+          <p:cNvGraphicFramePr>
+            <a:graphicFrameLocks noGrp="1"/>
+          </p:cNvGraphicFramePr>
+          <p:nvPr>
+            <p:extLst>
+              <p:ext uri="{D42A27DB-BD31-4B8C-83A1-F6EECF244321}">
+                <p14:modId xmlns:p14="http://schemas.microsoft.com/office/powerpoint/2010/main" val="3381454278"/>
+              </p:ext>
+            </p:extLst>
+          </p:nvPr>
+        </p:nvGraphicFramePr>
+        <p:xfrm>
+          <a:off x="962020" y="1310216"/>
+          <a:ext cx="10198423" cy="5129954"/>
+        </p:xfrm>
+        <a:graphic>
+          <a:graphicData uri="http://schemas.openxmlformats.org/drawingml/2006/table">
+            <a:tbl>
+              <a:tblPr firstRow="1" bandRow="1">
+                <a:tableStyleId>{5C22544A-7EE6-4342-B048-85BDC9FD1C3A}</a:tableStyleId>
+              </a:tblPr>
+              <a:tblGrid>
+                <a:gridCol w="605523">
+                  <a:extLst>
+                    <a:ext uri="{9D8B030D-6E8A-4147-A177-3AD203B41FA5}">
+                      <a16:colId xmlns:a16="http://schemas.microsoft.com/office/drawing/2014/main" val="3999095857"/>
+                    </a:ext>
+                  </a:extLst>
+                </a:gridCol>
+                <a:gridCol w="1382345">
+                  <a:extLst>
+                    <a:ext uri="{9D8B030D-6E8A-4147-A177-3AD203B41FA5}">
+                      <a16:colId xmlns:a16="http://schemas.microsoft.com/office/drawing/2014/main" val="218132091"/>
+                    </a:ext>
+                  </a:extLst>
+                </a:gridCol>
+                <a:gridCol w="1508268">
+                  <a:extLst>
+                    <a:ext uri="{9D8B030D-6E8A-4147-A177-3AD203B41FA5}">
+                      <a16:colId xmlns:a16="http://schemas.microsoft.com/office/drawing/2014/main" val="189629736"/>
+                    </a:ext>
+                  </a:extLst>
+                </a:gridCol>
+                <a:gridCol w="2146751">
+                  <a:extLst>
+                    <a:ext uri="{9D8B030D-6E8A-4147-A177-3AD203B41FA5}">
+                      <a16:colId xmlns:a16="http://schemas.microsoft.com/office/drawing/2014/main" val="3190891163"/>
+                    </a:ext>
+                  </a:extLst>
+                </a:gridCol>
+                <a:gridCol w="1088431">
+                  <a:extLst>
+                    <a:ext uri="{9D8B030D-6E8A-4147-A177-3AD203B41FA5}">
+                      <a16:colId xmlns:a16="http://schemas.microsoft.com/office/drawing/2014/main" val="33616868"/>
+                    </a:ext>
+                  </a:extLst>
+                </a:gridCol>
+                <a:gridCol w="2193612">
+                  <a:extLst>
+                    <a:ext uri="{9D8B030D-6E8A-4147-A177-3AD203B41FA5}">
+                      <a16:colId xmlns:a16="http://schemas.microsoft.com/office/drawing/2014/main" val="2863264942"/>
+                    </a:ext>
+                  </a:extLst>
+                </a:gridCol>
+                <a:gridCol w="1273493">
+                  <a:extLst>
+                    <a:ext uri="{9D8B030D-6E8A-4147-A177-3AD203B41FA5}">
+                      <a16:colId xmlns:a16="http://schemas.microsoft.com/office/drawing/2014/main" val="417061360"/>
+                    </a:ext>
+                  </a:extLst>
+                </a:gridCol>
+              </a:tblGrid>
+              <a:tr h="566209">
+                <a:tc>
+                  <a:txBody>
+                    <a:bodyPr/>
+                    <a:lstStyle/>
+                    <a:p>
+                      <a:r>
+                        <a:rPr lang="en-US" dirty="0"/>
+                        <a:t>Sr no</a:t>
+                      </a:r>
+                      <a:endParaRPr lang="en-IN" dirty="0"/>
+                    </a:p>
+                  </a:txBody>
+                  <a:tcPr/>
+                </a:tc>
+                <a:tc>
+                  <a:txBody>
+                    <a:bodyPr/>
+                    <a:lstStyle/>
+                    <a:p>
+                      <a:r>
+                        <a:rPr lang="en-US" dirty="0"/>
+                        <a:t>Name</a:t>
+                      </a:r>
+                      <a:endParaRPr lang="en-IN" dirty="0"/>
+                    </a:p>
+                  </a:txBody>
+                  <a:tcPr/>
+                </a:tc>
+                <a:tc>
+                  <a:txBody>
+                    <a:bodyPr/>
+                    <a:lstStyle/>
+                    <a:p>
+                      <a:r>
+                        <a:rPr lang="en-US" dirty="0"/>
+                        <a:t>Number of Images</a:t>
+                      </a:r>
+                      <a:endParaRPr lang="en-IN" dirty="0"/>
+                    </a:p>
+                  </a:txBody>
+                  <a:tcPr/>
+                </a:tc>
+                <a:tc>
+                  <a:txBody>
+                    <a:bodyPr/>
+                    <a:lstStyle/>
+                    <a:p>
+                      <a:r>
+                        <a:rPr lang="en-US" dirty="0"/>
+                        <a:t>Task</a:t>
+                      </a:r>
+                      <a:endParaRPr lang="en-IN" dirty="0"/>
+                    </a:p>
+                  </a:txBody>
+                  <a:tcPr/>
+                </a:tc>
+                <a:tc>
+                  <a:txBody>
+                    <a:bodyPr/>
+                    <a:lstStyle/>
+                    <a:p>
+                      <a:r>
+                        <a:rPr lang="en-US" dirty="0"/>
+                        <a:t>Classes</a:t>
+                      </a:r>
+                      <a:endParaRPr lang="en-IN" dirty="0"/>
+                    </a:p>
+                  </a:txBody>
+                  <a:tcPr/>
+                </a:tc>
+                <a:tc>
+                  <a:txBody>
+                    <a:bodyPr/>
+                    <a:lstStyle/>
+                    <a:p>
+                      <a:r>
+                        <a:rPr lang="en-US" dirty="0"/>
+                        <a:t>Number of Annotations</a:t>
+                      </a:r>
+                      <a:endParaRPr lang="en-IN" dirty="0"/>
+                    </a:p>
+                  </a:txBody>
+                  <a:tcPr/>
+                </a:tc>
+                <a:tc>
+                  <a:txBody>
+                    <a:bodyPr/>
+                    <a:lstStyle/>
+                    <a:p>
+                      <a:r>
+                        <a:rPr lang="en-US" dirty="0"/>
+                        <a:t>Modality</a:t>
+                      </a:r>
+                      <a:endParaRPr lang="en-IN" dirty="0"/>
+                    </a:p>
+                  </a:txBody>
+                  <a:tcPr/>
+                </a:tc>
+                <a:extLst>
+                  <a:ext uri="{0D108BD9-81ED-4DB2-BD59-A6C34878D82A}">
+                    <a16:rowId xmlns:a16="http://schemas.microsoft.com/office/drawing/2014/main" val="1236473839"/>
+                  </a:ext>
+                </a:extLst>
+              </a:tr>
+              <a:tr h="873337">
+                <a:tc>
+                  <a:txBody>
+                    <a:bodyPr/>
+                    <a:lstStyle/>
+                    <a:p>
+                      <a:r>
+                        <a:rPr lang="en-US" dirty="0"/>
+                        <a:t>1</a:t>
+                      </a:r>
+                      <a:endParaRPr lang="en-IN" dirty="0"/>
+                    </a:p>
+                  </a:txBody>
+                  <a:tcPr/>
+                </a:tc>
+                <a:tc>
+                  <a:txBody>
+                    <a:bodyPr/>
+                    <a:lstStyle/>
+                    <a:p>
+                      <a:r>
+                        <a:rPr lang="en-US" dirty="0"/>
+                        <a:t>ImageNet</a:t>
+                      </a:r>
+                      <a:endParaRPr lang="en-IN" dirty="0"/>
+                    </a:p>
+                  </a:txBody>
+                  <a:tcPr/>
+                </a:tc>
+                <a:tc>
+                  <a:txBody>
+                    <a:bodyPr/>
+                    <a:lstStyle/>
+                    <a:p>
+                      <a:r>
+                        <a:rPr lang="en-US" dirty="0"/>
+                        <a:t>~ 14 Million</a:t>
+                      </a:r>
+                      <a:endParaRPr lang="en-IN" dirty="0"/>
+                    </a:p>
+                  </a:txBody>
+                  <a:tcPr/>
+                </a:tc>
+                <a:tc>
+                  <a:txBody>
+                    <a:bodyPr/>
+                    <a:lstStyle/>
+                    <a:p>
+                      <a:r>
+                        <a:rPr lang="en-US" dirty="0"/>
+                        <a:t>Classification</a:t>
+                      </a:r>
+                      <a:endParaRPr lang="en-IN" dirty="0"/>
+                    </a:p>
+                  </a:txBody>
+                  <a:tcPr/>
+                </a:tc>
+                <a:tc>
+                  <a:txBody>
+                    <a:bodyPr/>
+                    <a:lstStyle/>
+                    <a:p>
+                      <a:r>
+                        <a:rPr lang="en-US" dirty="0"/>
+                        <a:t>1000</a:t>
+                      </a:r>
+                      <a:endParaRPr lang="en-IN" dirty="0"/>
+                    </a:p>
+                  </a:txBody>
+                  <a:tcPr/>
+                </a:tc>
+                <a:tc>
+                  <a:txBody>
+                    <a:bodyPr/>
+                    <a:lstStyle/>
+                    <a:p>
+                      <a:r>
+                        <a:rPr lang="en-IN" dirty="0"/>
+                        <a:t>14M image-level labels</a:t>
+                      </a:r>
+                    </a:p>
+                  </a:txBody>
+                  <a:tcPr/>
+                </a:tc>
+                <a:tc>
+                  <a:txBody>
+                    <a:bodyPr/>
+                    <a:lstStyle/>
+                    <a:p>
+                      <a:r>
+                        <a:rPr lang="en-US" dirty="0"/>
+                        <a:t>RGB</a:t>
+                      </a:r>
+                      <a:endParaRPr lang="en-IN" dirty="0"/>
+                    </a:p>
+                  </a:txBody>
+                  <a:tcPr/>
+                </a:tc>
+                <a:extLst>
+                  <a:ext uri="{0D108BD9-81ED-4DB2-BD59-A6C34878D82A}">
+                    <a16:rowId xmlns:a16="http://schemas.microsoft.com/office/drawing/2014/main" val="1877996509"/>
+                  </a:ext>
+                </a:extLst>
+              </a:tr>
+              <a:tr h="873337">
+                <a:tc>
+                  <a:txBody>
+                    <a:bodyPr/>
+                    <a:lstStyle/>
+                    <a:p>
+                      <a:r>
+                        <a:rPr lang="en-US" dirty="0"/>
+                        <a:t>2</a:t>
+                      </a:r>
+                      <a:endParaRPr lang="en-IN" dirty="0"/>
+                    </a:p>
+                  </a:txBody>
+                  <a:tcPr/>
+                </a:tc>
+                <a:tc>
+                  <a:txBody>
+                    <a:bodyPr/>
+                    <a:lstStyle/>
+                    <a:p>
+                      <a:r>
+                        <a:rPr lang="en-US" dirty="0"/>
+                        <a:t>MS COCO</a:t>
+                      </a:r>
+                      <a:endParaRPr lang="en-IN" dirty="0"/>
+                    </a:p>
+                  </a:txBody>
+                  <a:tcPr/>
+                </a:tc>
+                <a:tc>
+                  <a:txBody>
+                    <a:bodyPr/>
+                    <a:lstStyle/>
+                    <a:p>
+                      <a:r>
+                        <a:rPr lang="en-US" dirty="0"/>
+                        <a:t>~ 330 K</a:t>
+                      </a:r>
+                      <a:endParaRPr lang="en-IN" dirty="0"/>
+                    </a:p>
+                  </a:txBody>
+                  <a:tcPr/>
+                </a:tc>
+                <a:tc>
+                  <a:txBody>
+                    <a:bodyPr/>
+                    <a:lstStyle/>
+                    <a:p>
+                      <a:r>
+                        <a:rPr lang="en-IN" dirty="0"/>
+                        <a:t>Detection, Segmentation, Captioning</a:t>
+                      </a:r>
+                    </a:p>
+                  </a:txBody>
+                  <a:tcPr/>
+                </a:tc>
+                <a:tc>
+                  <a:txBody>
+                    <a:bodyPr/>
+                    <a:lstStyle/>
+                    <a:p>
+                      <a:r>
+                        <a:rPr lang="en-IN" dirty="0"/>
+                        <a:t>80</a:t>
+                      </a:r>
+                    </a:p>
+                  </a:txBody>
+                  <a:tcPr/>
+                </a:tc>
+                <a:tc>
+                  <a:txBody>
+                    <a:bodyPr/>
+                    <a:lstStyle/>
+                    <a:p>
+                      <a:r>
+                        <a:rPr lang="fr-FR" dirty="0"/>
+                        <a:t>~2.5M instance + 5 captions per image</a:t>
+                      </a:r>
+                      <a:endParaRPr lang="en-IN" dirty="0"/>
+                    </a:p>
+                  </a:txBody>
+                  <a:tcPr/>
+                </a:tc>
+                <a:tc>
+                  <a:txBody>
+                    <a:bodyPr/>
+                    <a:lstStyle/>
+                    <a:p>
+                      <a:r>
+                        <a:rPr lang="en-US" dirty="0"/>
+                        <a:t>RGB + Text</a:t>
+                      </a:r>
+                      <a:endParaRPr lang="en-IN" dirty="0"/>
+                    </a:p>
+                  </a:txBody>
+                  <a:tcPr/>
+                </a:tc>
+                <a:extLst>
+                  <a:ext uri="{0D108BD9-81ED-4DB2-BD59-A6C34878D82A}">
+                    <a16:rowId xmlns:a16="http://schemas.microsoft.com/office/drawing/2014/main" val="3772400533"/>
+                  </a:ext>
+                </a:extLst>
+              </a:tr>
+              <a:tr h="873337">
+                <a:tc>
+                  <a:txBody>
+                    <a:bodyPr/>
+                    <a:lstStyle/>
+                    <a:p>
+                      <a:r>
+                        <a:rPr lang="en-US" dirty="0"/>
+                        <a:t>3</a:t>
+                      </a:r>
+                      <a:endParaRPr lang="en-IN" dirty="0"/>
+                    </a:p>
+                  </a:txBody>
+                  <a:tcPr/>
+                </a:tc>
+                <a:tc>
+                  <a:txBody>
+                    <a:bodyPr/>
+                    <a:lstStyle/>
+                    <a:p>
+                      <a:r>
+                        <a:rPr lang="en-IN" dirty="0"/>
+                        <a:t>Pascal VOC</a:t>
+                      </a:r>
+                    </a:p>
+                  </a:txBody>
+                  <a:tcPr/>
+                </a:tc>
+                <a:tc>
+                  <a:txBody>
+                    <a:bodyPr/>
+                    <a:lstStyle/>
+                    <a:p>
+                      <a:r>
+                        <a:rPr lang="en-US" dirty="0"/>
+                        <a:t>~11 K </a:t>
+                      </a:r>
+                      <a:endParaRPr lang="en-IN" dirty="0"/>
+                    </a:p>
+                  </a:txBody>
+                  <a:tcPr/>
+                </a:tc>
+                <a:tc>
+                  <a:txBody>
+                    <a:bodyPr/>
+                    <a:lstStyle/>
+                    <a:p>
+                      <a:r>
+                        <a:rPr lang="en-IN" dirty="0"/>
+                        <a:t>Classification, Detection, Segmentation</a:t>
+                      </a:r>
+                    </a:p>
+                  </a:txBody>
+                  <a:tcPr/>
+                </a:tc>
+                <a:tc>
+                  <a:txBody>
+                    <a:bodyPr/>
+                    <a:lstStyle/>
+                    <a:p>
+                      <a:r>
+                        <a:rPr lang="en-US" dirty="0"/>
+                        <a:t>20</a:t>
+                      </a:r>
+                      <a:endParaRPr lang="en-IN" dirty="0"/>
+                    </a:p>
+                  </a:txBody>
+                  <a:tcPr/>
+                </a:tc>
+                <a:tc>
+                  <a:txBody>
+                    <a:bodyPr/>
+                    <a:lstStyle/>
+                    <a:p>
+                      <a:r>
+                        <a:rPr lang="en-IN" dirty="0"/>
+                        <a:t>~27K object annotations</a:t>
+                      </a:r>
+                    </a:p>
+                  </a:txBody>
+                  <a:tcPr/>
+                </a:tc>
+                <a:tc>
+                  <a:txBody>
+                    <a:bodyPr/>
+                    <a:lstStyle/>
+                    <a:p>
+                      <a:r>
+                        <a:rPr lang="en-IN" dirty="0"/>
+                        <a:t>RGB </a:t>
+                      </a:r>
+                    </a:p>
+                  </a:txBody>
+                  <a:tcPr/>
+                </a:tc>
+                <a:extLst>
+                  <a:ext uri="{0D108BD9-81ED-4DB2-BD59-A6C34878D82A}">
+                    <a16:rowId xmlns:a16="http://schemas.microsoft.com/office/drawing/2014/main" val="2268576670"/>
+                  </a:ext>
+                </a:extLst>
+              </a:tr>
+              <a:tr h="873337">
+                <a:tc>
+                  <a:txBody>
+                    <a:bodyPr/>
+                    <a:lstStyle/>
+                    <a:p>
+                      <a:r>
+                        <a:rPr lang="en-US" dirty="0"/>
+                        <a:t>4</a:t>
+                      </a:r>
+                      <a:endParaRPr lang="en-IN" dirty="0"/>
+                    </a:p>
+                  </a:txBody>
+                  <a:tcPr/>
+                </a:tc>
+                <a:tc>
+                  <a:txBody>
+                    <a:bodyPr/>
+                    <a:lstStyle/>
+                    <a:p>
+                      <a:r>
+                        <a:rPr lang="en-IN" dirty="0"/>
+                        <a:t>Open Images v6</a:t>
+                      </a:r>
+                    </a:p>
+                  </a:txBody>
+                  <a:tcPr/>
+                </a:tc>
+                <a:tc>
+                  <a:txBody>
+                    <a:bodyPr/>
+                    <a:lstStyle/>
+                    <a:p>
+                      <a:r>
+                        <a:rPr lang="en-IN" dirty="0"/>
+                        <a:t>~9M</a:t>
+                      </a:r>
+                    </a:p>
+                  </a:txBody>
+                  <a:tcPr/>
+                </a:tc>
+                <a:tc>
+                  <a:txBody>
+                    <a:bodyPr/>
+                    <a:lstStyle/>
+                    <a:p>
+                      <a:r>
+                        <a:rPr lang="en-IN" dirty="0"/>
+                        <a:t>Detection, Segmentation</a:t>
+                      </a:r>
+                    </a:p>
+                  </a:txBody>
+                  <a:tcPr/>
+                </a:tc>
+                <a:tc>
+                  <a:txBody>
+                    <a:bodyPr/>
+                    <a:lstStyle/>
+                    <a:p>
+                      <a:r>
+                        <a:rPr lang="en-IN" dirty="0"/>
+                        <a:t>600</a:t>
+                      </a:r>
+                    </a:p>
+                  </a:txBody>
+                  <a:tcPr/>
+                </a:tc>
+                <a:tc>
+                  <a:txBody>
+                    <a:bodyPr/>
+                    <a:lstStyle/>
+                    <a:p>
+                      <a:r>
+                        <a:rPr lang="fr-FR" dirty="0"/>
+                        <a:t>16M boxes, 2.8M </a:t>
+                      </a:r>
+                      <a:r>
+                        <a:rPr lang="fr-FR" dirty="0" err="1"/>
+                        <a:t>masks</a:t>
+                      </a:r>
+                      <a:r>
+                        <a:rPr lang="fr-FR" dirty="0"/>
+                        <a:t>, labels</a:t>
+                      </a:r>
+                      <a:endParaRPr lang="en-IN" dirty="0"/>
+                    </a:p>
+                  </a:txBody>
+                  <a:tcPr/>
+                </a:tc>
+                <a:tc>
+                  <a:txBody>
+                    <a:bodyPr/>
+                    <a:lstStyle/>
+                    <a:p>
+                      <a:r>
+                        <a:rPr lang="en-IN" dirty="0"/>
+                        <a:t>RGB </a:t>
+                      </a:r>
+                    </a:p>
+                  </a:txBody>
+                  <a:tcPr/>
+                </a:tc>
+                <a:extLst>
+                  <a:ext uri="{0D108BD9-81ED-4DB2-BD59-A6C34878D82A}">
+                    <a16:rowId xmlns:a16="http://schemas.microsoft.com/office/drawing/2014/main" val="1484806873"/>
+                  </a:ext>
+                </a:extLst>
+              </a:tr>
+              <a:tr h="873337">
+                <a:tc>
+                  <a:txBody>
+                    <a:bodyPr/>
+                    <a:lstStyle/>
+                    <a:p>
+                      <a:r>
+                        <a:rPr lang="en-US" dirty="0"/>
+                        <a:t>5</a:t>
+                      </a:r>
+                      <a:endParaRPr lang="en-IN" dirty="0"/>
+                    </a:p>
+                  </a:txBody>
+                  <a:tcPr/>
+                </a:tc>
+                <a:tc>
+                  <a:txBody>
+                    <a:bodyPr/>
+                    <a:lstStyle/>
+                    <a:p>
+                      <a:r>
+                        <a:rPr lang="en-IN" dirty="0"/>
+                        <a:t>Visual Genome</a:t>
+                      </a:r>
+                    </a:p>
+                  </a:txBody>
+                  <a:tcPr/>
+                </a:tc>
+                <a:tc>
+                  <a:txBody>
+                    <a:bodyPr/>
+                    <a:lstStyle/>
+                    <a:p>
+                      <a:r>
+                        <a:rPr lang="en-IN" dirty="0"/>
+                        <a:t>~108K</a:t>
+                      </a:r>
+                    </a:p>
+                  </a:txBody>
+                  <a:tcPr/>
+                </a:tc>
+                <a:tc>
+                  <a:txBody>
+                    <a:bodyPr/>
+                    <a:lstStyle/>
+                    <a:p>
+                      <a:r>
+                        <a:rPr lang="en-IN" dirty="0"/>
+                        <a:t>Scene Graphs, Captioning, QA</a:t>
+                      </a:r>
+                    </a:p>
+                  </a:txBody>
+                  <a:tcPr/>
+                </a:tc>
+                <a:tc>
+                  <a:txBody>
+                    <a:bodyPr/>
+                    <a:lstStyle/>
+                    <a:p>
+                      <a:r>
+                        <a:rPr lang="en-IN" dirty="0"/>
+                        <a:t>1,600+</a:t>
+                      </a:r>
+                    </a:p>
+                  </a:txBody>
+                  <a:tcPr/>
+                </a:tc>
+                <a:tc>
+                  <a:txBody>
+                    <a:bodyPr/>
+                    <a:lstStyle/>
+                    <a:p>
+                      <a:r>
+                        <a:rPr lang="en-IN" dirty="0"/>
+                        <a:t>5.4M region descriptions, relationships</a:t>
+                      </a:r>
+                    </a:p>
+                  </a:txBody>
+                  <a:tcPr/>
+                </a:tc>
+                <a:tc>
+                  <a:txBody>
+                    <a:bodyPr/>
+                    <a:lstStyle/>
+                    <a:p>
+                      <a:r>
+                        <a:rPr lang="en-IN" dirty="0"/>
+                        <a:t>RGB + Text</a:t>
+                      </a:r>
+                    </a:p>
+                  </a:txBody>
+                  <a:tcPr/>
+                </a:tc>
+                <a:extLst>
+                  <a:ext uri="{0D108BD9-81ED-4DB2-BD59-A6C34878D82A}">
+                    <a16:rowId xmlns:a16="http://schemas.microsoft.com/office/drawing/2014/main" val="1616038795"/>
+                  </a:ext>
+                </a:extLst>
+              </a:tr>
+            </a:tbl>
+          </a:graphicData>
+        </a:graphic>
+      </p:graphicFrame>
+      <p:pic>
+        <p:nvPicPr>
+          <p:cNvPr id="5" name="Picture 4">
+            <a:extLst>
+              <a:ext uri="{FF2B5EF4-FFF2-40B4-BE49-F238E27FC236}">
+                <a16:creationId xmlns:a16="http://schemas.microsoft.com/office/drawing/2014/main" id="{F8957B6B-3BED-9A33-D3F9-0D1BC40A9305}"/>
+              </a:ext>
+            </a:extLst>
+          </p:cNvPr>
+          <p:cNvPicPr>
+            <a:picLocks noChangeAspect="1"/>
+          </p:cNvPicPr>
+          <p:nvPr/>
+        </p:nvPicPr>
+        <p:blipFill>
+          <a:blip r:embed="rId2">
+            <a:extLst>
+              <a:ext uri="{28A0092B-C50C-407E-A947-70E740481C1C}">
+                <a14:useLocalDpi xmlns:a14="http://schemas.microsoft.com/office/drawing/2010/main" val="0"/>
+              </a:ext>
+            </a:extLst>
+          </a:blip>
+          <a:stretch>
+            <a:fillRect/>
+          </a:stretch>
+        </p:blipFill>
+        <p:spPr>
+          <a:xfrm>
+            <a:off x="10094490" y="0"/>
+            <a:ext cx="1863300" cy="1050925"/>
+          </a:xfrm>
+          <a:prstGeom prst="rect">
+            <a:avLst/>
+          </a:prstGeom>
+        </p:spPr>
+      </p:pic>
+      <p:sp>
+        <p:nvSpPr>
+          <p:cNvPr id="3" name="Slide Number Placeholder 2">
+            <a:extLst>
+              <a:ext uri="{FF2B5EF4-FFF2-40B4-BE49-F238E27FC236}">
+                <a16:creationId xmlns:a16="http://schemas.microsoft.com/office/drawing/2014/main" id="{18F0ECBF-D6A5-F7F2-937F-3A631EF26F72}"/>
+              </a:ext>
+            </a:extLst>
+          </p:cNvPr>
+          <p:cNvSpPr>
+            <a:spLocks noGrp="1"/>
+          </p:cNvSpPr>
+          <p:nvPr>
+            <p:ph type="sldNum" sz="quarter" idx="12"/>
+          </p:nvPr>
+        </p:nvSpPr>
+        <p:spPr/>
+        <p:txBody>
+          <a:bodyPr/>
+          <a:lstStyle/>
+          <a:p>
+            <a:fld id="{1DFBB4D5-A254-497C-8800-325BFC8980A0}" type="slidenum">
+              <a:rPr lang="en-IN" smtClean="0"/>
+              <a:t>14</a:t>
+            </a:fld>
+            <a:endParaRPr lang="en-IN" dirty="0"/>
+          </a:p>
+        </p:txBody>
+      </p:sp>
+    </p:spTree>
+    <p:extLst>
+      <p:ext uri="{BB962C8B-B14F-4D97-AF65-F5344CB8AC3E}">
+        <p14:creationId xmlns:p14="http://schemas.microsoft.com/office/powerpoint/2010/main" val="2848285957"/>
+      </p:ext>
+    </p:extLst>
+  </p:cSld>
+  <p:clrMapOvr>
+    <a:masterClrMapping/>
+  </p:clrMapOvr>
+</p:sld>
+</file>
+
+<file path=ppt/slides/slide15.xml><?xml version="1.0" encoding="utf-8"?>
+<p:sld xmlns:a="http://schemas.openxmlformats.org/drawingml/2006/main" xmlns:r="http://schemas.openxmlformats.org/officeDocument/2006/relationships" xmlns:p="http://schemas.openxmlformats.org/presentationml/2006/main">
+  <p:cSld>
+    <p:spTree>
+      <p:nvGrpSpPr>
+        <p:cNvPr id="1" name="">
+          <a:extLst>
+            <a:ext uri="{FF2B5EF4-FFF2-40B4-BE49-F238E27FC236}">
+              <a16:creationId xmlns:a16="http://schemas.microsoft.com/office/drawing/2014/main" id="{49E0CE9D-9EAE-6039-883C-EB67E3F85EFC}"/>
+            </a:ext>
+          </a:extLst>
+        </p:cNvPr>
+        <p:cNvGrpSpPr/>
+        <p:nvPr/>
+      </p:nvGrpSpPr>
+      <p:grpSpPr>
+        <a:xfrm>
+          <a:off x="0" y="0"/>
+          <a:ext cx="0" cy="0"/>
+          <a:chOff x="0" y="0"/>
+          <a:chExt cx="0" cy="0"/>
+        </a:xfrm>
+      </p:grpSpPr>
+      <p:sp>
+        <p:nvSpPr>
+          <p:cNvPr id="2" name="Title 1">
+            <a:extLst>
+              <a:ext uri="{FF2B5EF4-FFF2-40B4-BE49-F238E27FC236}">
+                <a16:creationId xmlns:a16="http://schemas.microsoft.com/office/drawing/2014/main" id="{C677AC3D-92A1-95D2-E935-1B4009A40BD2}"/>
+              </a:ext>
+            </a:extLst>
+          </p:cNvPr>
+          <p:cNvSpPr>
+            <a:spLocks noGrp="1"/>
+          </p:cNvSpPr>
+          <p:nvPr>
+            <p:ph type="title"/>
+          </p:nvPr>
+        </p:nvSpPr>
+        <p:spPr>
+          <a:xfrm>
+            <a:off x="838200" y="365125"/>
+            <a:ext cx="10391778" cy="1325563"/>
+          </a:xfrm>
+        </p:spPr>
+        <p:txBody>
+          <a:bodyPr/>
+          <a:lstStyle/>
+          <a:p>
+            <a:r>
+              <a:rPr lang="en-US" dirty="0"/>
+              <a:t>Dataset</a:t>
+            </a:r>
+            <a:endParaRPr lang="en-IN" dirty="0"/>
+          </a:p>
+        </p:txBody>
+      </p:sp>
+      <p:graphicFrame>
+        <p:nvGraphicFramePr>
+          <p:cNvPr id="10" name="Table 9">
+            <a:extLst>
+              <a:ext uri="{FF2B5EF4-FFF2-40B4-BE49-F238E27FC236}">
+                <a16:creationId xmlns:a16="http://schemas.microsoft.com/office/drawing/2014/main" id="{F30405C6-2FFB-2139-3227-E92BED41C405}"/>
+              </a:ext>
+            </a:extLst>
+          </p:cNvPr>
+          <p:cNvGraphicFramePr>
+            <a:graphicFrameLocks noGrp="1"/>
+          </p:cNvGraphicFramePr>
+          <p:nvPr>
+            <p:extLst>
+              <p:ext uri="{D42A27DB-BD31-4B8C-83A1-F6EECF244321}">
+                <p14:modId xmlns:p14="http://schemas.microsoft.com/office/powerpoint/2010/main" val="217255547"/>
+              </p:ext>
+            </p:extLst>
+          </p:nvPr>
+        </p:nvGraphicFramePr>
+        <p:xfrm>
+          <a:off x="962020" y="1318380"/>
+          <a:ext cx="10198423" cy="5006765"/>
+        </p:xfrm>
+        <a:graphic>
+          <a:graphicData uri="http://schemas.openxmlformats.org/drawingml/2006/table">
+            <a:tbl>
+              <a:tblPr firstRow="1" bandRow="1">
+                <a:tableStyleId>{5C22544A-7EE6-4342-B048-85BDC9FD1C3A}</a:tableStyleId>
+              </a:tblPr>
+              <a:tblGrid>
+                <a:gridCol w="605523">
+                  <a:extLst>
+                    <a:ext uri="{9D8B030D-6E8A-4147-A177-3AD203B41FA5}">
+                      <a16:colId xmlns:a16="http://schemas.microsoft.com/office/drawing/2014/main" val="3999095857"/>
+                    </a:ext>
+                  </a:extLst>
+                </a:gridCol>
+                <a:gridCol w="1382345">
+                  <a:extLst>
+                    <a:ext uri="{9D8B030D-6E8A-4147-A177-3AD203B41FA5}">
+                      <a16:colId xmlns:a16="http://schemas.microsoft.com/office/drawing/2014/main" val="218132091"/>
+                    </a:ext>
+                  </a:extLst>
+                </a:gridCol>
+                <a:gridCol w="1508268">
+                  <a:extLst>
+                    <a:ext uri="{9D8B030D-6E8A-4147-A177-3AD203B41FA5}">
+                      <a16:colId xmlns:a16="http://schemas.microsoft.com/office/drawing/2014/main" val="189629736"/>
+                    </a:ext>
+                  </a:extLst>
+                </a:gridCol>
+                <a:gridCol w="2146751">
+                  <a:extLst>
+                    <a:ext uri="{9D8B030D-6E8A-4147-A177-3AD203B41FA5}">
+                      <a16:colId xmlns:a16="http://schemas.microsoft.com/office/drawing/2014/main" val="3190891163"/>
+                    </a:ext>
+                  </a:extLst>
+                </a:gridCol>
+                <a:gridCol w="1088431">
+                  <a:extLst>
+                    <a:ext uri="{9D8B030D-6E8A-4147-A177-3AD203B41FA5}">
+                      <a16:colId xmlns:a16="http://schemas.microsoft.com/office/drawing/2014/main" val="33616868"/>
+                    </a:ext>
+                  </a:extLst>
+                </a:gridCol>
+                <a:gridCol w="2193612">
+                  <a:extLst>
+                    <a:ext uri="{9D8B030D-6E8A-4147-A177-3AD203B41FA5}">
+                      <a16:colId xmlns:a16="http://schemas.microsoft.com/office/drawing/2014/main" val="2863264942"/>
+                    </a:ext>
+                  </a:extLst>
+                </a:gridCol>
+                <a:gridCol w="1273493">
+                  <a:extLst>
+                    <a:ext uri="{9D8B030D-6E8A-4147-A177-3AD203B41FA5}">
+                      <a16:colId xmlns:a16="http://schemas.microsoft.com/office/drawing/2014/main" val="417061360"/>
+                    </a:ext>
+                  </a:extLst>
+                </a:gridCol>
+              </a:tblGrid>
+              <a:tr h="566209">
+                <a:tc>
+                  <a:txBody>
+                    <a:bodyPr/>
+                    <a:lstStyle/>
+                    <a:p>
+                      <a:r>
+                        <a:rPr lang="en-US" dirty="0"/>
+                        <a:t>Sr no</a:t>
+                      </a:r>
+                      <a:endParaRPr lang="en-IN" dirty="0"/>
+                    </a:p>
+                  </a:txBody>
+                  <a:tcPr/>
+                </a:tc>
+                <a:tc>
+                  <a:txBody>
+                    <a:bodyPr/>
+                    <a:lstStyle/>
+                    <a:p>
+                      <a:r>
+                        <a:rPr lang="en-US" dirty="0"/>
+                        <a:t>Name</a:t>
+                      </a:r>
+                      <a:endParaRPr lang="en-IN" dirty="0"/>
+                    </a:p>
+                  </a:txBody>
+                  <a:tcPr/>
+                </a:tc>
+                <a:tc>
+                  <a:txBody>
+                    <a:bodyPr/>
+                    <a:lstStyle/>
+                    <a:p>
+                      <a:r>
+                        <a:rPr lang="en-US" dirty="0"/>
+                        <a:t>Number of Images</a:t>
+                      </a:r>
+                      <a:endParaRPr lang="en-IN" dirty="0"/>
+                    </a:p>
+                  </a:txBody>
+                  <a:tcPr/>
+                </a:tc>
+                <a:tc>
+                  <a:txBody>
+                    <a:bodyPr/>
+                    <a:lstStyle/>
+                    <a:p>
+                      <a:r>
+                        <a:rPr lang="en-US" dirty="0"/>
+                        <a:t>Task</a:t>
+                      </a:r>
+                      <a:endParaRPr lang="en-IN" dirty="0"/>
+                    </a:p>
+                  </a:txBody>
+                  <a:tcPr/>
+                </a:tc>
+                <a:tc>
+                  <a:txBody>
+                    <a:bodyPr/>
+                    <a:lstStyle/>
+                    <a:p>
+                      <a:r>
+                        <a:rPr lang="en-US" dirty="0"/>
+                        <a:t>Classes</a:t>
+                      </a:r>
+                      <a:endParaRPr lang="en-IN" dirty="0"/>
+                    </a:p>
+                  </a:txBody>
+                  <a:tcPr/>
+                </a:tc>
+                <a:tc>
+                  <a:txBody>
+                    <a:bodyPr/>
+                    <a:lstStyle/>
+                    <a:p>
+                      <a:r>
+                        <a:rPr lang="en-US" dirty="0"/>
+                        <a:t>Number of Annotations</a:t>
+                      </a:r>
+                      <a:endParaRPr lang="en-IN" dirty="0"/>
+                    </a:p>
+                  </a:txBody>
+                  <a:tcPr/>
+                </a:tc>
+                <a:tc>
+                  <a:txBody>
+                    <a:bodyPr/>
+                    <a:lstStyle/>
+                    <a:p>
+                      <a:r>
+                        <a:rPr lang="en-US" dirty="0"/>
+                        <a:t>Modality</a:t>
+                      </a:r>
+                      <a:endParaRPr lang="en-IN" dirty="0"/>
+                    </a:p>
+                  </a:txBody>
+                  <a:tcPr/>
+                </a:tc>
+                <a:extLst>
+                  <a:ext uri="{0D108BD9-81ED-4DB2-BD59-A6C34878D82A}">
+                    <a16:rowId xmlns:a16="http://schemas.microsoft.com/office/drawing/2014/main" val="1236473839"/>
+                  </a:ext>
+                </a:extLst>
+              </a:tr>
+              <a:tr h="873337">
+                <a:tc>
+                  <a:txBody>
+                    <a:bodyPr/>
+                    <a:lstStyle/>
+                    <a:p>
+                      <a:r>
+                        <a:rPr lang="en-US" dirty="0"/>
+                        <a:t>6</a:t>
+                      </a:r>
+                      <a:endParaRPr lang="en-IN" dirty="0"/>
+                    </a:p>
+                  </a:txBody>
+                  <a:tcPr/>
+                </a:tc>
+                <a:tc>
+                  <a:txBody>
+                    <a:bodyPr/>
+                    <a:lstStyle/>
+                    <a:p>
+                      <a:r>
+                        <a:rPr lang="en-IN" dirty="0"/>
+                        <a:t>VQA v2</a:t>
+                      </a:r>
+                    </a:p>
+                  </a:txBody>
+                  <a:tcPr/>
+                </a:tc>
+                <a:tc>
+                  <a:txBody>
+                    <a:bodyPr/>
+                    <a:lstStyle/>
+                    <a:p>
+                      <a:r>
+                        <a:rPr lang="en-IN" dirty="0"/>
+                        <a:t>~204K</a:t>
+                      </a:r>
+                    </a:p>
+                  </a:txBody>
+                  <a:tcPr/>
+                </a:tc>
+                <a:tc>
+                  <a:txBody>
+                    <a:bodyPr/>
+                    <a:lstStyle/>
+                    <a:p>
+                      <a:r>
+                        <a:rPr lang="en-IN" dirty="0"/>
+                        <a:t>Visual Question Answering</a:t>
+                      </a:r>
+                    </a:p>
+                  </a:txBody>
+                  <a:tcPr/>
+                </a:tc>
+                <a:tc>
+                  <a:txBody>
+                    <a:bodyPr/>
+                    <a:lstStyle/>
+                    <a:p>
+                      <a:pPr algn="ctr"/>
+                      <a:r>
+                        <a:rPr lang="en-US" dirty="0"/>
+                        <a:t>-</a:t>
+                      </a:r>
+                      <a:endParaRPr lang="en-IN" dirty="0"/>
+                    </a:p>
+                  </a:txBody>
+                  <a:tcPr/>
+                </a:tc>
+                <a:tc>
+                  <a:txBody>
+                    <a:bodyPr/>
+                    <a:lstStyle/>
+                    <a:p>
+                      <a:r>
+                        <a:rPr lang="en-IN" dirty="0"/>
+                        <a:t>1.1M questions with answers</a:t>
+                      </a:r>
+                    </a:p>
+                  </a:txBody>
+                  <a:tcPr/>
+                </a:tc>
+                <a:tc>
+                  <a:txBody>
+                    <a:bodyPr/>
+                    <a:lstStyle/>
+                    <a:p>
+                      <a:r>
+                        <a:rPr lang="en-IN" dirty="0"/>
+                        <a:t>RGB + Text</a:t>
+                      </a:r>
+                    </a:p>
+                  </a:txBody>
+                  <a:tcPr/>
+                </a:tc>
+                <a:extLst>
+                  <a:ext uri="{0D108BD9-81ED-4DB2-BD59-A6C34878D82A}">
+                    <a16:rowId xmlns:a16="http://schemas.microsoft.com/office/drawing/2014/main" val="1877996509"/>
+                  </a:ext>
+                </a:extLst>
+              </a:tr>
+              <a:tr h="873337">
+                <a:tc>
+                  <a:txBody>
+                    <a:bodyPr/>
+                    <a:lstStyle/>
+                    <a:p>
+                      <a:r>
+                        <a:rPr lang="en-US" dirty="0"/>
+                        <a:t>7</a:t>
+                      </a:r>
+                      <a:endParaRPr lang="en-IN" dirty="0"/>
+                    </a:p>
+                  </a:txBody>
+                  <a:tcPr/>
+                </a:tc>
+                <a:tc>
+                  <a:txBody>
+                    <a:bodyPr/>
+                    <a:lstStyle/>
+                    <a:p>
+                      <a:r>
+                        <a:rPr lang="en-IN" dirty="0"/>
+                        <a:t>GQA</a:t>
+                      </a:r>
+                    </a:p>
+                  </a:txBody>
+                  <a:tcPr/>
+                </a:tc>
+                <a:tc>
+                  <a:txBody>
+                    <a:bodyPr/>
+                    <a:lstStyle/>
+                    <a:p>
+                      <a:r>
+                        <a:rPr lang="en-IN" dirty="0"/>
+                        <a:t>113K</a:t>
+                      </a:r>
+                    </a:p>
+                  </a:txBody>
+                  <a:tcPr/>
+                </a:tc>
+                <a:tc>
+                  <a:txBody>
+                    <a:bodyPr/>
+                    <a:lstStyle/>
+                    <a:p>
+                      <a:r>
+                        <a:rPr lang="en-IN" dirty="0"/>
+                        <a:t>VQA (Graph-based)</a:t>
+                      </a:r>
+                    </a:p>
+                  </a:txBody>
+                  <a:tcPr/>
+                </a:tc>
+                <a:tc>
+                  <a:txBody>
+                    <a:bodyPr/>
+                    <a:lstStyle/>
+                    <a:p>
+                      <a:pPr algn="ctr"/>
+                      <a:r>
+                        <a:rPr lang="en-US" dirty="0"/>
+                        <a:t>-</a:t>
+                      </a:r>
+                      <a:endParaRPr lang="en-IN" dirty="0"/>
+                    </a:p>
+                  </a:txBody>
+                  <a:tcPr/>
+                </a:tc>
+                <a:tc>
+                  <a:txBody>
+                    <a:bodyPr/>
+                    <a:lstStyle/>
+                    <a:p>
+                      <a:r>
+                        <a:rPr lang="en-IN" dirty="0"/>
+                        <a:t>22M reasoning questions</a:t>
+                      </a:r>
+                    </a:p>
+                  </a:txBody>
+                  <a:tcPr/>
+                </a:tc>
+                <a:tc>
+                  <a:txBody>
+                    <a:bodyPr/>
+                    <a:lstStyle/>
+                    <a:p>
+                      <a:r>
+                        <a:rPr lang="en-IN" dirty="0"/>
+                        <a:t>RGB + Text</a:t>
+                      </a:r>
+                    </a:p>
+                  </a:txBody>
+                  <a:tcPr/>
+                </a:tc>
+                <a:extLst>
+                  <a:ext uri="{0D108BD9-81ED-4DB2-BD59-A6C34878D82A}">
+                    <a16:rowId xmlns:a16="http://schemas.microsoft.com/office/drawing/2014/main" val="3772400533"/>
+                  </a:ext>
+                </a:extLst>
+              </a:tr>
+              <a:tr h="873337">
+                <a:tc>
+                  <a:txBody>
+                    <a:bodyPr/>
+                    <a:lstStyle/>
+                    <a:p>
+                      <a:r>
+                        <a:rPr lang="en-US" dirty="0"/>
+                        <a:t>8</a:t>
+                      </a:r>
+                      <a:endParaRPr lang="en-IN" dirty="0"/>
+                    </a:p>
+                  </a:txBody>
+                  <a:tcPr/>
+                </a:tc>
+                <a:tc>
+                  <a:txBody>
+                    <a:bodyPr/>
+                    <a:lstStyle/>
+                    <a:p>
+                      <a:r>
+                        <a:rPr lang="en-IN" dirty="0"/>
+                        <a:t>Flickr30k Entities</a:t>
+                      </a:r>
+                    </a:p>
+                  </a:txBody>
+                  <a:tcPr/>
+                </a:tc>
+                <a:tc>
+                  <a:txBody>
+                    <a:bodyPr/>
+                    <a:lstStyle/>
+                    <a:p>
+                      <a:r>
+                        <a:rPr lang="en-IN" dirty="0"/>
+                        <a:t>~31K</a:t>
+                      </a:r>
+                    </a:p>
+                  </a:txBody>
+                  <a:tcPr/>
+                </a:tc>
+                <a:tc>
+                  <a:txBody>
+                    <a:bodyPr/>
+                    <a:lstStyle/>
+                    <a:p>
+                      <a:r>
+                        <a:rPr lang="en-IN" dirty="0"/>
+                        <a:t>Captioning, Phrase Grounding</a:t>
+                      </a:r>
+                    </a:p>
+                  </a:txBody>
+                  <a:tcPr/>
+                </a:tc>
+                <a:tc>
+                  <a:txBody>
+                    <a:bodyPr/>
+                    <a:lstStyle/>
+                    <a:p>
+                      <a:pPr algn="ctr"/>
+                      <a:r>
+                        <a:rPr lang="en-US" dirty="0"/>
+                        <a:t>-</a:t>
+                      </a:r>
+                      <a:endParaRPr lang="en-IN" dirty="0"/>
+                    </a:p>
+                  </a:txBody>
+                  <a:tcPr/>
+                </a:tc>
+                <a:tc>
+                  <a:txBody>
+                    <a:bodyPr/>
+                    <a:lstStyle/>
+                    <a:p>
+                      <a:r>
+                        <a:rPr lang="en-US" dirty="0"/>
+                        <a:t>275K phrases linked to boxes</a:t>
+                      </a:r>
+                      <a:endParaRPr lang="en-IN" dirty="0"/>
+                    </a:p>
+                  </a:txBody>
+                  <a:tcPr/>
+                </a:tc>
+                <a:tc>
+                  <a:txBody>
+                    <a:bodyPr/>
+                    <a:lstStyle/>
+                    <a:p>
+                      <a:r>
+                        <a:rPr lang="en-IN" dirty="0"/>
+                        <a:t>RGB + Text</a:t>
+                      </a:r>
+                    </a:p>
+                  </a:txBody>
+                  <a:tcPr/>
+                </a:tc>
+                <a:extLst>
+                  <a:ext uri="{0D108BD9-81ED-4DB2-BD59-A6C34878D82A}">
+                    <a16:rowId xmlns:a16="http://schemas.microsoft.com/office/drawing/2014/main" val="2268576670"/>
+                  </a:ext>
+                </a:extLst>
+              </a:tr>
+              <a:tr h="873337">
+                <a:tc>
+                  <a:txBody>
+                    <a:bodyPr/>
+                    <a:lstStyle/>
+                    <a:p>
+                      <a:r>
+                        <a:rPr lang="en-US" dirty="0"/>
+                        <a:t>9</a:t>
+                      </a:r>
+                      <a:endParaRPr lang="en-IN" dirty="0"/>
+                    </a:p>
+                  </a:txBody>
+                  <a:tcPr/>
+                </a:tc>
+                <a:tc>
+                  <a:txBody>
+                    <a:bodyPr/>
+                    <a:lstStyle/>
+                    <a:p>
+                      <a:r>
+                        <a:rPr lang="en-IN" dirty="0" err="1"/>
+                        <a:t>NoCaps</a:t>
+                      </a:r>
+                      <a:endParaRPr lang="en-IN" dirty="0"/>
+                    </a:p>
+                  </a:txBody>
+                  <a:tcPr/>
+                </a:tc>
+                <a:tc>
+                  <a:txBody>
+                    <a:bodyPr/>
+                    <a:lstStyle/>
+                    <a:p>
+                      <a:r>
+                        <a:rPr lang="en-IN" dirty="0"/>
+                        <a:t>~166K</a:t>
+                      </a:r>
+                    </a:p>
+                  </a:txBody>
+                  <a:tcPr/>
+                </a:tc>
+                <a:tc>
+                  <a:txBody>
+                    <a:bodyPr/>
+                    <a:lstStyle/>
+                    <a:p>
+                      <a:r>
+                        <a:rPr lang="en-IN" dirty="0"/>
+                        <a:t>Image Captioning (open vocab)</a:t>
+                      </a:r>
+                    </a:p>
+                  </a:txBody>
+                  <a:tcPr/>
+                </a:tc>
+                <a:tc>
+                  <a:txBody>
+                    <a:bodyPr/>
+                    <a:lstStyle/>
+                    <a:p>
+                      <a:pPr algn="ctr"/>
+                      <a:r>
+                        <a:rPr lang="en-US" dirty="0"/>
+                        <a:t>-</a:t>
+                      </a:r>
+                      <a:endParaRPr lang="en-IN" dirty="0"/>
+                    </a:p>
+                  </a:txBody>
+                  <a:tcPr/>
+                </a:tc>
+                <a:tc>
+                  <a:txBody>
+                    <a:bodyPr/>
+                    <a:lstStyle/>
+                    <a:p>
+                      <a:r>
+                        <a:rPr lang="en-IN" dirty="0"/>
+                        <a:t>Natural language captions</a:t>
+                      </a:r>
+                    </a:p>
+                  </a:txBody>
+                  <a:tcPr/>
+                </a:tc>
+                <a:tc>
+                  <a:txBody>
+                    <a:bodyPr/>
+                    <a:lstStyle/>
+                    <a:p>
+                      <a:r>
+                        <a:rPr lang="en-IN" dirty="0"/>
+                        <a:t>RGB + Text </a:t>
+                      </a:r>
+                    </a:p>
+                  </a:txBody>
+                  <a:tcPr/>
+                </a:tc>
+                <a:extLst>
+                  <a:ext uri="{0D108BD9-81ED-4DB2-BD59-A6C34878D82A}">
+                    <a16:rowId xmlns:a16="http://schemas.microsoft.com/office/drawing/2014/main" val="1484806873"/>
+                  </a:ext>
+                </a:extLst>
+              </a:tr>
+              <a:tr h="873337">
+                <a:tc>
+                  <a:txBody>
+                    <a:bodyPr/>
+                    <a:lstStyle/>
+                    <a:p>
+                      <a:r>
+                        <a:rPr lang="en-US" dirty="0"/>
+                        <a:t>10</a:t>
+                      </a:r>
+                      <a:endParaRPr lang="en-IN" dirty="0"/>
+                    </a:p>
+                  </a:txBody>
+                  <a:tcPr/>
+                </a:tc>
+                <a:tc>
+                  <a:txBody>
+                    <a:bodyPr/>
+                    <a:lstStyle/>
+                    <a:p>
+                      <a:r>
+                        <a:rPr lang="en-IN" dirty="0" err="1"/>
+                        <a:t>TextVQA</a:t>
+                      </a:r>
+                      <a:endParaRPr lang="en-IN" dirty="0"/>
+                    </a:p>
+                  </a:txBody>
+                  <a:tcPr/>
+                </a:tc>
+                <a:tc>
+                  <a:txBody>
+                    <a:bodyPr/>
+                    <a:lstStyle/>
+                    <a:p>
+                      <a:r>
+                        <a:rPr lang="en-IN" dirty="0"/>
+                        <a:t>~28K</a:t>
+                      </a:r>
+                    </a:p>
+                  </a:txBody>
+                  <a:tcPr/>
+                </a:tc>
+                <a:tc>
+                  <a:txBody>
+                    <a:bodyPr/>
+                    <a:lstStyle/>
+                    <a:p>
+                      <a:r>
+                        <a:rPr lang="en-IN" dirty="0"/>
+                        <a:t>VQA (Text in Images)</a:t>
+                      </a:r>
+                    </a:p>
+                  </a:txBody>
+                  <a:tcPr/>
+                </a:tc>
+                <a:tc>
+                  <a:txBody>
+                    <a:bodyPr/>
+                    <a:lstStyle/>
+                    <a:p>
+                      <a:pPr algn="ctr"/>
+                      <a:r>
+                        <a:rPr lang="en-US" dirty="0"/>
+                        <a:t>-</a:t>
+                      </a:r>
+                      <a:endParaRPr lang="en-IN" dirty="0"/>
+                    </a:p>
+                  </a:txBody>
+                  <a:tcPr/>
+                </a:tc>
+                <a:tc>
+                  <a:txBody>
+                    <a:bodyPr/>
+                    <a:lstStyle/>
+                    <a:p>
+                      <a:r>
+                        <a:rPr lang="en-IN" dirty="0"/>
+                        <a:t>45K questions</a:t>
+                      </a:r>
+                    </a:p>
+                  </a:txBody>
+                  <a:tcPr/>
+                </a:tc>
+                <a:tc>
+                  <a:txBody>
+                    <a:bodyPr/>
+                    <a:lstStyle/>
+                    <a:p>
+                      <a:r>
+                        <a:rPr lang="en-IN" dirty="0"/>
+                        <a:t>RGB + Text (OCR)</a:t>
+                      </a:r>
+                    </a:p>
+                  </a:txBody>
+                  <a:tcPr/>
+                </a:tc>
+                <a:extLst>
+                  <a:ext uri="{0D108BD9-81ED-4DB2-BD59-A6C34878D82A}">
+                    <a16:rowId xmlns:a16="http://schemas.microsoft.com/office/drawing/2014/main" val="1616038795"/>
+                  </a:ext>
+                </a:extLst>
+              </a:tr>
+            </a:tbl>
+          </a:graphicData>
+        </a:graphic>
+      </p:graphicFrame>
+      <p:pic>
+        <p:nvPicPr>
+          <p:cNvPr id="5" name="Picture 4">
+            <a:extLst>
+              <a:ext uri="{FF2B5EF4-FFF2-40B4-BE49-F238E27FC236}">
+                <a16:creationId xmlns:a16="http://schemas.microsoft.com/office/drawing/2014/main" id="{AF022FE4-3E82-A768-23E7-1205E75ABC44}"/>
+              </a:ext>
+            </a:extLst>
+          </p:cNvPr>
+          <p:cNvPicPr>
+            <a:picLocks noChangeAspect="1"/>
+          </p:cNvPicPr>
+          <p:nvPr/>
+        </p:nvPicPr>
+        <p:blipFill>
+          <a:blip r:embed="rId2">
+            <a:extLst>
+              <a:ext uri="{28A0092B-C50C-407E-A947-70E740481C1C}">
+                <a14:useLocalDpi xmlns:a14="http://schemas.microsoft.com/office/drawing/2010/main" val="0"/>
+              </a:ext>
+            </a:extLst>
+          </a:blip>
+          <a:stretch>
+            <a:fillRect/>
+          </a:stretch>
+        </p:blipFill>
+        <p:spPr>
+          <a:xfrm>
+            <a:off x="10094490" y="0"/>
+            <a:ext cx="1863300" cy="1050925"/>
+          </a:xfrm>
+          <a:prstGeom prst="rect">
+            <a:avLst/>
+          </a:prstGeom>
+        </p:spPr>
+      </p:pic>
+      <p:sp>
+        <p:nvSpPr>
+          <p:cNvPr id="3" name="Slide Number Placeholder 2">
+            <a:extLst>
+              <a:ext uri="{FF2B5EF4-FFF2-40B4-BE49-F238E27FC236}">
+                <a16:creationId xmlns:a16="http://schemas.microsoft.com/office/drawing/2014/main" id="{9FA2FB9A-4B17-F9E1-2A46-4483D172D492}"/>
+              </a:ext>
+            </a:extLst>
+          </p:cNvPr>
+          <p:cNvSpPr>
+            <a:spLocks noGrp="1"/>
+          </p:cNvSpPr>
+          <p:nvPr>
+            <p:ph type="sldNum" sz="quarter" idx="12"/>
+          </p:nvPr>
+        </p:nvSpPr>
+        <p:spPr/>
+        <p:txBody>
+          <a:bodyPr/>
+          <a:lstStyle/>
+          <a:p>
+            <a:fld id="{1DFBB4D5-A254-497C-8800-325BFC8980A0}" type="slidenum">
+              <a:rPr lang="en-IN" smtClean="0"/>
+              <a:t>15</a:t>
+            </a:fld>
+            <a:endParaRPr lang="en-IN" dirty="0"/>
+          </a:p>
+        </p:txBody>
+      </p:sp>
+    </p:spTree>
+    <p:extLst>
+      <p:ext uri="{BB962C8B-B14F-4D97-AF65-F5344CB8AC3E}">
+        <p14:creationId xmlns:p14="http://schemas.microsoft.com/office/powerpoint/2010/main" val="4008361449"/>
+      </p:ext>
+    </p:extLst>
+  </p:cSld>
+  <p:clrMapOvr>
+    <a:masterClrMapping/>
+  </p:clrMapOvr>
+</p:sld>
+</file>
+
+<file path=ppt/slides/slide16.xml><?xml version="1.0" encoding="utf-8"?>
+<p:sld xmlns:a="http://schemas.openxmlformats.org/drawingml/2006/main" xmlns:r="http://schemas.openxmlformats.org/officeDocument/2006/relationships" xmlns:p="http://schemas.openxmlformats.org/presentationml/2006/main">
+  <p:cSld>
+    <p:spTree>
+      <p:nvGrpSpPr>
+        <p:cNvPr id="1" name="">
+          <a:extLst>
+            <a:ext uri="{FF2B5EF4-FFF2-40B4-BE49-F238E27FC236}">
+              <a16:creationId xmlns:a16="http://schemas.microsoft.com/office/drawing/2014/main" id="{8EDC7331-7CAE-4726-94F2-742DF7901035}"/>
+            </a:ext>
+          </a:extLst>
+        </p:cNvPr>
+        <p:cNvGrpSpPr/>
+        <p:nvPr/>
+      </p:nvGrpSpPr>
+      <p:grpSpPr>
+        <a:xfrm>
+          <a:off x="0" y="0"/>
+          <a:ext cx="0" cy="0"/>
+          <a:chOff x="0" y="0"/>
+          <a:chExt cx="0" cy="0"/>
+        </a:xfrm>
+      </p:grpSpPr>
+      <p:sp>
+        <p:nvSpPr>
+          <p:cNvPr id="2" name="Title 1">
+            <a:extLst>
+              <a:ext uri="{FF2B5EF4-FFF2-40B4-BE49-F238E27FC236}">
+                <a16:creationId xmlns:a16="http://schemas.microsoft.com/office/drawing/2014/main" id="{28712F9B-80BA-1FF6-9351-170D037D3A10}"/>
+              </a:ext>
+            </a:extLst>
+          </p:cNvPr>
+          <p:cNvSpPr>
+            <a:spLocks noGrp="1"/>
+          </p:cNvSpPr>
+          <p:nvPr>
+            <p:ph type="title"/>
+          </p:nvPr>
+        </p:nvSpPr>
+        <p:spPr>
+          <a:xfrm>
+            <a:off x="838200" y="365125"/>
+            <a:ext cx="10391778" cy="1325563"/>
+          </a:xfrm>
+        </p:spPr>
+        <p:txBody>
+          <a:bodyPr/>
+          <a:lstStyle/>
+          <a:p>
+            <a:r>
+              <a:rPr lang="en-US" dirty="0"/>
+              <a:t>Dataset</a:t>
+            </a:r>
+            <a:endParaRPr lang="en-IN" dirty="0"/>
+          </a:p>
+        </p:txBody>
+      </p:sp>
+      <p:graphicFrame>
+        <p:nvGraphicFramePr>
+          <p:cNvPr id="10" name="Table 9">
+            <a:extLst>
+              <a:ext uri="{FF2B5EF4-FFF2-40B4-BE49-F238E27FC236}">
+                <a16:creationId xmlns:a16="http://schemas.microsoft.com/office/drawing/2014/main" id="{3B2AC4EE-E3A3-A6B2-3263-E6D3378A20A8}"/>
+              </a:ext>
+            </a:extLst>
+          </p:cNvPr>
+          <p:cNvGraphicFramePr>
+            <a:graphicFrameLocks noGrp="1"/>
+          </p:cNvGraphicFramePr>
+          <p:nvPr>
+            <p:extLst>
+              <p:ext uri="{D42A27DB-BD31-4B8C-83A1-F6EECF244321}">
+                <p14:modId xmlns:p14="http://schemas.microsoft.com/office/powerpoint/2010/main" val="2607058390"/>
+              </p:ext>
+            </p:extLst>
+          </p:nvPr>
+        </p:nvGraphicFramePr>
+        <p:xfrm>
+          <a:off x="962020" y="1318380"/>
+          <a:ext cx="10198423" cy="4133428"/>
+        </p:xfrm>
+        <a:graphic>
+          <a:graphicData uri="http://schemas.openxmlformats.org/drawingml/2006/table">
+            <a:tbl>
+              <a:tblPr firstRow="1" bandRow="1">
+                <a:tableStyleId>{5C22544A-7EE6-4342-B048-85BDC9FD1C3A}</a:tableStyleId>
+              </a:tblPr>
+              <a:tblGrid>
+                <a:gridCol w="605523">
+                  <a:extLst>
+                    <a:ext uri="{9D8B030D-6E8A-4147-A177-3AD203B41FA5}">
+                      <a16:colId xmlns:a16="http://schemas.microsoft.com/office/drawing/2014/main" val="3999095857"/>
+                    </a:ext>
+                  </a:extLst>
+                </a:gridCol>
+                <a:gridCol w="1382345">
+                  <a:extLst>
+                    <a:ext uri="{9D8B030D-6E8A-4147-A177-3AD203B41FA5}">
+                      <a16:colId xmlns:a16="http://schemas.microsoft.com/office/drawing/2014/main" val="218132091"/>
+                    </a:ext>
+                  </a:extLst>
+                </a:gridCol>
+                <a:gridCol w="1508268">
+                  <a:extLst>
+                    <a:ext uri="{9D8B030D-6E8A-4147-A177-3AD203B41FA5}">
+                      <a16:colId xmlns:a16="http://schemas.microsoft.com/office/drawing/2014/main" val="189629736"/>
+                    </a:ext>
+                  </a:extLst>
+                </a:gridCol>
+                <a:gridCol w="2146751">
+                  <a:extLst>
+                    <a:ext uri="{9D8B030D-6E8A-4147-A177-3AD203B41FA5}">
+                      <a16:colId xmlns:a16="http://schemas.microsoft.com/office/drawing/2014/main" val="3190891163"/>
+                    </a:ext>
+                  </a:extLst>
+                </a:gridCol>
+                <a:gridCol w="1088431">
+                  <a:extLst>
+                    <a:ext uri="{9D8B030D-6E8A-4147-A177-3AD203B41FA5}">
+                      <a16:colId xmlns:a16="http://schemas.microsoft.com/office/drawing/2014/main" val="33616868"/>
+                    </a:ext>
+                  </a:extLst>
+                </a:gridCol>
+                <a:gridCol w="2193612">
+                  <a:extLst>
+                    <a:ext uri="{9D8B030D-6E8A-4147-A177-3AD203B41FA5}">
+                      <a16:colId xmlns:a16="http://schemas.microsoft.com/office/drawing/2014/main" val="2863264942"/>
+                    </a:ext>
+                  </a:extLst>
+                </a:gridCol>
+                <a:gridCol w="1273493">
+                  <a:extLst>
+                    <a:ext uri="{9D8B030D-6E8A-4147-A177-3AD203B41FA5}">
+                      <a16:colId xmlns:a16="http://schemas.microsoft.com/office/drawing/2014/main" val="417061360"/>
+                    </a:ext>
+                  </a:extLst>
+                </a:gridCol>
+              </a:tblGrid>
+              <a:tr h="566209">
+                <a:tc>
+                  <a:txBody>
+                    <a:bodyPr/>
+                    <a:lstStyle/>
+                    <a:p>
+                      <a:r>
+                        <a:rPr lang="en-US" dirty="0"/>
+                        <a:t>Sr no</a:t>
+                      </a:r>
+                      <a:endParaRPr lang="en-IN" dirty="0"/>
+                    </a:p>
+                  </a:txBody>
+                  <a:tcPr/>
+                </a:tc>
+                <a:tc>
+                  <a:txBody>
+                    <a:bodyPr/>
+                    <a:lstStyle/>
+                    <a:p>
+                      <a:r>
+                        <a:rPr lang="en-US" dirty="0"/>
+                        <a:t>Name</a:t>
+                      </a:r>
+                      <a:endParaRPr lang="en-IN" dirty="0"/>
+                    </a:p>
+                  </a:txBody>
+                  <a:tcPr/>
+                </a:tc>
+                <a:tc>
+                  <a:txBody>
+                    <a:bodyPr/>
+                    <a:lstStyle/>
+                    <a:p>
+                      <a:r>
+                        <a:rPr lang="en-US" dirty="0"/>
+                        <a:t>Number of Images</a:t>
+                      </a:r>
+                      <a:endParaRPr lang="en-IN" dirty="0"/>
+                    </a:p>
+                  </a:txBody>
+                  <a:tcPr/>
+                </a:tc>
+                <a:tc>
+                  <a:txBody>
+                    <a:bodyPr/>
+                    <a:lstStyle/>
+                    <a:p>
+                      <a:r>
+                        <a:rPr lang="en-US" dirty="0"/>
+                        <a:t>Task</a:t>
+                      </a:r>
+                      <a:endParaRPr lang="en-IN" dirty="0"/>
+                    </a:p>
+                  </a:txBody>
+                  <a:tcPr/>
+                </a:tc>
+                <a:tc>
+                  <a:txBody>
+                    <a:bodyPr/>
+                    <a:lstStyle/>
+                    <a:p>
+                      <a:r>
+                        <a:rPr lang="en-US" dirty="0"/>
+                        <a:t>Classes</a:t>
+                      </a:r>
+                      <a:endParaRPr lang="en-IN" dirty="0"/>
+                    </a:p>
+                  </a:txBody>
+                  <a:tcPr/>
+                </a:tc>
+                <a:tc>
+                  <a:txBody>
+                    <a:bodyPr/>
+                    <a:lstStyle/>
+                    <a:p>
+                      <a:r>
+                        <a:rPr lang="en-US" dirty="0"/>
+                        <a:t>Number of Annotations</a:t>
+                      </a:r>
+                      <a:endParaRPr lang="en-IN" dirty="0"/>
+                    </a:p>
+                  </a:txBody>
+                  <a:tcPr/>
+                </a:tc>
+                <a:tc>
+                  <a:txBody>
+                    <a:bodyPr/>
+                    <a:lstStyle/>
+                    <a:p>
+                      <a:r>
+                        <a:rPr lang="en-US" dirty="0"/>
+                        <a:t>Modality</a:t>
+                      </a:r>
+                      <a:endParaRPr lang="en-IN" dirty="0"/>
+                    </a:p>
+                  </a:txBody>
+                  <a:tcPr/>
+                </a:tc>
+                <a:extLst>
+                  <a:ext uri="{0D108BD9-81ED-4DB2-BD59-A6C34878D82A}">
+                    <a16:rowId xmlns:a16="http://schemas.microsoft.com/office/drawing/2014/main" val="1236473839"/>
+                  </a:ext>
+                </a:extLst>
+              </a:tr>
+              <a:tr h="873337">
+                <a:tc>
+                  <a:txBody>
+                    <a:bodyPr/>
+                    <a:lstStyle/>
+                    <a:p>
+                      <a:r>
+                        <a:rPr lang="en-US" dirty="0"/>
+                        <a:t>11</a:t>
+                      </a:r>
+                      <a:endParaRPr lang="en-IN" dirty="0"/>
+                    </a:p>
+                  </a:txBody>
+                  <a:tcPr/>
+                </a:tc>
+                <a:tc>
+                  <a:txBody>
+                    <a:bodyPr/>
+                    <a:lstStyle/>
+                    <a:p>
+                      <a:r>
+                        <a:rPr lang="en-IN" dirty="0"/>
+                        <a:t>CLEVR</a:t>
+                      </a:r>
+                    </a:p>
+                  </a:txBody>
+                  <a:tcPr/>
+                </a:tc>
+                <a:tc>
+                  <a:txBody>
+                    <a:bodyPr/>
+                    <a:lstStyle/>
+                    <a:p>
+                      <a:r>
+                        <a:rPr lang="en-IN" dirty="0"/>
+                        <a:t>100K</a:t>
+                      </a:r>
+                    </a:p>
+                  </a:txBody>
+                  <a:tcPr/>
+                </a:tc>
+                <a:tc>
+                  <a:txBody>
+                    <a:bodyPr/>
+                    <a:lstStyle/>
+                    <a:p>
+                      <a:r>
+                        <a:rPr lang="en-IN" dirty="0"/>
+                        <a:t>VQA (Synthetic)</a:t>
+                      </a:r>
+                    </a:p>
+                  </a:txBody>
+                  <a:tcPr/>
+                </a:tc>
+                <a:tc>
+                  <a:txBody>
+                    <a:bodyPr/>
+                    <a:lstStyle/>
+                    <a:p>
+                      <a:pPr algn="ctr"/>
+                      <a:r>
+                        <a:rPr lang="en-US" dirty="0"/>
+                        <a:t>-</a:t>
+                      </a:r>
+                      <a:endParaRPr lang="en-IN" dirty="0"/>
+                    </a:p>
+                  </a:txBody>
+                  <a:tcPr/>
+                </a:tc>
+                <a:tc>
+                  <a:txBody>
+                    <a:bodyPr/>
+                    <a:lstStyle/>
+                    <a:p>
+                      <a:r>
+                        <a:rPr lang="en-IN" dirty="0"/>
+                        <a:t>1M questions</a:t>
+                      </a:r>
+                    </a:p>
+                  </a:txBody>
+                  <a:tcPr/>
+                </a:tc>
+                <a:tc>
+                  <a:txBody>
+                    <a:bodyPr/>
+                    <a:lstStyle/>
+                    <a:p>
+                      <a:r>
+                        <a:rPr lang="en-IN" dirty="0"/>
+                        <a:t>Synthetic + Text</a:t>
+                      </a:r>
+                    </a:p>
+                  </a:txBody>
+                  <a:tcPr/>
+                </a:tc>
+                <a:extLst>
+                  <a:ext uri="{0D108BD9-81ED-4DB2-BD59-A6C34878D82A}">
+                    <a16:rowId xmlns:a16="http://schemas.microsoft.com/office/drawing/2014/main" val="1877996509"/>
+                  </a:ext>
+                </a:extLst>
+              </a:tr>
+              <a:tr h="873337">
+                <a:tc>
+                  <a:txBody>
+                    <a:bodyPr/>
+                    <a:lstStyle/>
+                    <a:p>
+                      <a:r>
+                        <a:rPr lang="en-US" dirty="0"/>
+                        <a:t>12</a:t>
+                      </a:r>
+                      <a:endParaRPr lang="en-IN" dirty="0"/>
+                    </a:p>
+                  </a:txBody>
+                  <a:tcPr/>
+                </a:tc>
+                <a:tc>
+                  <a:txBody>
+                    <a:bodyPr/>
+                    <a:lstStyle/>
+                    <a:p>
+                      <a:r>
+                        <a:rPr lang="en-IN" dirty="0"/>
+                        <a:t>MS-COCO Captions</a:t>
+                      </a:r>
+                    </a:p>
+                  </a:txBody>
+                  <a:tcPr/>
+                </a:tc>
+                <a:tc>
+                  <a:txBody>
+                    <a:bodyPr/>
+                    <a:lstStyle/>
+                    <a:p>
+                      <a:r>
+                        <a:rPr lang="en-IN" dirty="0"/>
+                        <a:t>~123K</a:t>
+                      </a:r>
+                    </a:p>
+                  </a:txBody>
+                  <a:tcPr/>
+                </a:tc>
+                <a:tc>
+                  <a:txBody>
+                    <a:bodyPr/>
+                    <a:lstStyle/>
+                    <a:p>
+                      <a:r>
+                        <a:rPr lang="en-IN" dirty="0"/>
+                        <a:t>Image Captioning</a:t>
+                      </a:r>
+                    </a:p>
+                  </a:txBody>
+                  <a:tcPr/>
+                </a:tc>
+                <a:tc>
+                  <a:txBody>
+                    <a:bodyPr/>
+                    <a:lstStyle/>
+                    <a:p>
+                      <a:pPr algn="ctr"/>
+                      <a:r>
+                        <a:rPr lang="en-US" dirty="0"/>
+                        <a:t>-</a:t>
+                      </a:r>
+                      <a:endParaRPr lang="en-IN" dirty="0"/>
+                    </a:p>
+                  </a:txBody>
+                  <a:tcPr/>
+                </a:tc>
+                <a:tc>
+                  <a:txBody>
+                    <a:bodyPr/>
+                    <a:lstStyle/>
+                    <a:p>
+                      <a:r>
+                        <a:rPr lang="en-IN" dirty="0"/>
+                        <a:t>5 captions/image (~600K total)</a:t>
+                      </a:r>
+                    </a:p>
+                  </a:txBody>
+                  <a:tcPr/>
+                </a:tc>
+                <a:tc>
+                  <a:txBody>
+                    <a:bodyPr/>
+                    <a:lstStyle/>
+                    <a:p>
+                      <a:r>
+                        <a:rPr lang="en-IN" dirty="0"/>
+                        <a:t>RGB + Text</a:t>
+                      </a:r>
+                    </a:p>
+                  </a:txBody>
+                  <a:tcPr/>
+                </a:tc>
+                <a:extLst>
+                  <a:ext uri="{0D108BD9-81ED-4DB2-BD59-A6C34878D82A}">
+                    <a16:rowId xmlns:a16="http://schemas.microsoft.com/office/drawing/2014/main" val="3772400533"/>
+                  </a:ext>
+                </a:extLst>
+              </a:tr>
+              <a:tr h="873337">
+                <a:tc>
+                  <a:txBody>
+                    <a:bodyPr/>
+                    <a:lstStyle/>
+                    <a:p>
+                      <a:r>
+                        <a:rPr lang="en-US" dirty="0"/>
+                        <a:t>13</a:t>
+                      </a:r>
+                      <a:endParaRPr lang="en-IN" dirty="0"/>
+                    </a:p>
+                  </a:txBody>
+                  <a:tcPr/>
+                </a:tc>
+                <a:tc>
+                  <a:txBody>
+                    <a:bodyPr/>
+                    <a:lstStyle/>
+                    <a:p>
+                      <a:r>
+                        <a:rPr lang="en-IN" dirty="0"/>
+                        <a:t>Conceptual Captions</a:t>
+                      </a:r>
+                    </a:p>
+                  </a:txBody>
+                  <a:tcPr/>
+                </a:tc>
+                <a:tc>
+                  <a:txBody>
+                    <a:bodyPr/>
+                    <a:lstStyle/>
+                    <a:p>
+                      <a:r>
+                        <a:rPr lang="en-IN" dirty="0"/>
+                        <a:t>~3.3M</a:t>
+                      </a:r>
+                    </a:p>
+                  </a:txBody>
+                  <a:tcPr/>
+                </a:tc>
+                <a:tc>
+                  <a:txBody>
+                    <a:bodyPr/>
+                    <a:lstStyle/>
+                    <a:p>
+                      <a:r>
+                        <a:rPr lang="en-IN" dirty="0"/>
+                        <a:t>Large-scale Captioning</a:t>
+                      </a:r>
+                    </a:p>
+                  </a:txBody>
+                  <a:tcPr/>
+                </a:tc>
+                <a:tc>
+                  <a:txBody>
+                    <a:bodyPr/>
+                    <a:lstStyle/>
+                    <a:p>
+                      <a:pPr algn="ctr"/>
+                      <a:r>
+                        <a:rPr lang="en-US" dirty="0"/>
+                        <a:t>-</a:t>
+                      </a:r>
+                      <a:endParaRPr lang="en-IN" dirty="0"/>
+                    </a:p>
+                  </a:txBody>
+                  <a:tcPr/>
+                </a:tc>
+                <a:tc>
+                  <a:txBody>
+                    <a:bodyPr/>
+                    <a:lstStyle/>
+                    <a:p>
+                      <a:r>
+                        <a:rPr lang="en-IN" dirty="0"/>
+                        <a:t>3.3M captions</a:t>
+                      </a:r>
+                    </a:p>
+                  </a:txBody>
+                  <a:tcPr/>
+                </a:tc>
+                <a:tc>
+                  <a:txBody>
+                    <a:bodyPr/>
+                    <a:lstStyle/>
+                    <a:p>
+                      <a:r>
+                        <a:rPr lang="en-IN" dirty="0"/>
+                        <a:t>RGB + Text</a:t>
+                      </a:r>
+                    </a:p>
+                  </a:txBody>
+                  <a:tcPr/>
+                </a:tc>
+                <a:extLst>
+                  <a:ext uri="{0D108BD9-81ED-4DB2-BD59-A6C34878D82A}">
+                    <a16:rowId xmlns:a16="http://schemas.microsoft.com/office/drawing/2014/main" val="2268576670"/>
+                  </a:ext>
+                </a:extLst>
+              </a:tr>
+              <a:tr h="873337">
+                <a:tc>
+                  <a:txBody>
+                    <a:bodyPr/>
+                    <a:lstStyle/>
+                    <a:p>
+                      <a:r>
+                        <a:rPr lang="en-US" dirty="0"/>
+                        <a:t>14</a:t>
+                      </a:r>
+                      <a:endParaRPr lang="en-IN" dirty="0"/>
+                    </a:p>
+                  </a:txBody>
+                  <a:tcPr/>
+                </a:tc>
+                <a:tc>
+                  <a:txBody>
+                    <a:bodyPr/>
+                    <a:lstStyle/>
+                    <a:p>
+                      <a:r>
+                        <a:rPr lang="en-IN" dirty="0"/>
+                        <a:t>SBU Captions</a:t>
+                      </a:r>
+                    </a:p>
+                  </a:txBody>
+                  <a:tcPr/>
+                </a:tc>
+                <a:tc>
+                  <a:txBody>
+                    <a:bodyPr/>
+                    <a:lstStyle/>
+                    <a:p>
+                      <a:r>
+                        <a:rPr lang="en-IN" dirty="0"/>
+                        <a:t>~1M</a:t>
+                      </a:r>
+                    </a:p>
+                  </a:txBody>
+                  <a:tcPr/>
+                </a:tc>
+                <a:tc>
+                  <a:txBody>
+                    <a:bodyPr/>
+                    <a:lstStyle/>
+                    <a:p>
+                      <a:r>
+                        <a:rPr lang="en-IN" dirty="0"/>
+                        <a:t>Image Captioning</a:t>
+                      </a:r>
+                    </a:p>
+                  </a:txBody>
+                  <a:tcPr/>
+                </a:tc>
+                <a:tc>
+                  <a:txBody>
+                    <a:bodyPr/>
+                    <a:lstStyle/>
+                    <a:p>
+                      <a:pPr algn="ctr"/>
+                      <a:r>
+                        <a:rPr lang="en-US" dirty="0"/>
+                        <a:t>-</a:t>
+                      </a:r>
+                      <a:endParaRPr lang="en-IN" dirty="0"/>
+                    </a:p>
+                  </a:txBody>
+                  <a:tcPr/>
+                </a:tc>
+                <a:tc>
+                  <a:txBody>
+                    <a:bodyPr/>
+                    <a:lstStyle/>
+                    <a:p>
+                      <a:r>
+                        <a:rPr lang="en-IN" dirty="0"/>
+                        <a:t>1M captions</a:t>
+                      </a:r>
+                    </a:p>
+                  </a:txBody>
+                  <a:tcPr/>
+                </a:tc>
+                <a:tc>
+                  <a:txBody>
+                    <a:bodyPr/>
+                    <a:lstStyle/>
+                    <a:p>
+                      <a:r>
+                        <a:rPr lang="en-IN" dirty="0"/>
+                        <a:t>RGB + Text </a:t>
+                      </a:r>
+                    </a:p>
+                  </a:txBody>
+                  <a:tcPr/>
+                </a:tc>
+                <a:extLst>
+                  <a:ext uri="{0D108BD9-81ED-4DB2-BD59-A6C34878D82A}">
+                    <a16:rowId xmlns:a16="http://schemas.microsoft.com/office/drawing/2014/main" val="1484806873"/>
+                  </a:ext>
+                </a:extLst>
+              </a:tr>
+            </a:tbl>
+          </a:graphicData>
+        </a:graphic>
+      </p:graphicFrame>
+      <p:pic>
+        <p:nvPicPr>
+          <p:cNvPr id="5" name="Picture 4">
+            <a:extLst>
+              <a:ext uri="{FF2B5EF4-FFF2-40B4-BE49-F238E27FC236}">
+                <a16:creationId xmlns:a16="http://schemas.microsoft.com/office/drawing/2014/main" id="{F55292F0-87F8-C825-5985-F4FDEDD1509A}"/>
+              </a:ext>
+            </a:extLst>
+          </p:cNvPr>
+          <p:cNvPicPr>
+            <a:picLocks noChangeAspect="1"/>
+          </p:cNvPicPr>
+          <p:nvPr/>
+        </p:nvPicPr>
+        <p:blipFill>
+          <a:blip r:embed="rId2">
+            <a:extLst>
+              <a:ext uri="{28A0092B-C50C-407E-A947-70E740481C1C}">
+                <a14:useLocalDpi xmlns:a14="http://schemas.microsoft.com/office/drawing/2010/main" val="0"/>
+              </a:ext>
+            </a:extLst>
+          </a:blip>
+          <a:stretch>
+            <a:fillRect/>
+          </a:stretch>
+        </p:blipFill>
+        <p:spPr>
+          <a:xfrm>
+            <a:off x="10094490" y="0"/>
+            <a:ext cx="1863300" cy="1050925"/>
+          </a:xfrm>
+          <a:prstGeom prst="rect">
+            <a:avLst/>
+          </a:prstGeom>
+        </p:spPr>
+      </p:pic>
+      <p:sp>
+        <p:nvSpPr>
+          <p:cNvPr id="3" name="Slide Number Placeholder 2">
+            <a:extLst>
+              <a:ext uri="{FF2B5EF4-FFF2-40B4-BE49-F238E27FC236}">
+                <a16:creationId xmlns:a16="http://schemas.microsoft.com/office/drawing/2014/main" id="{BCE445B2-26EF-A1C5-B130-E3B9C80DAD66}"/>
+              </a:ext>
+            </a:extLst>
+          </p:cNvPr>
+          <p:cNvSpPr>
+            <a:spLocks noGrp="1"/>
+          </p:cNvSpPr>
+          <p:nvPr>
+            <p:ph type="sldNum" sz="quarter" idx="12"/>
+          </p:nvPr>
+        </p:nvSpPr>
+        <p:spPr/>
+        <p:txBody>
+          <a:bodyPr/>
+          <a:lstStyle/>
+          <a:p>
+            <a:fld id="{1DFBB4D5-A254-497C-8800-325BFC8980A0}" type="slidenum">
+              <a:rPr lang="en-IN" smtClean="0"/>
+              <a:t>16</a:t>
+            </a:fld>
+            <a:endParaRPr lang="en-IN" dirty="0"/>
+          </a:p>
+        </p:txBody>
+      </p:sp>
+    </p:spTree>
+    <p:extLst>
+      <p:ext uri="{BB962C8B-B14F-4D97-AF65-F5344CB8AC3E}">
+        <p14:creationId xmlns:p14="http://schemas.microsoft.com/office/powerpoint/2010/main" val="21922775"/>
+      </p:ext>
+    </p:extLst>
+  </p:cSld>
+  <p:clrMapOvr>
+    <a:masterClrMapping/>
+  </p:clrMapOvr>
+</p:sld>
+</file>
+
+<file path=ppt/slides/slide17.xml><?xml version="1.0" encoding="utf-8"?>
+<p:sld xmlns:a="http://schemas.openxmlformats.org/drawingml/2006/main" xmlns:r="http://schemas.openxmlformats.org/officeDocument/2006/relationships" xmlns:p="http://schemas.openxmlformats.org/presentationml/2006/main">
+  <p:cSld>
+    <p:spTree>
+      <p:nvGrpSpPr>
+        <p:cNvPr id="1" name="">
+          <a:extLst>
+            <a:ext uri="{FF2B5EF4-FFF2-40B4-BE49-F238E27FC236}">
+              <a16:creationId xmlns:a16="http://schemas.microsoft.com/office/drawing/2014/main" id="{A827C596-BBE0-681F-B2F6-736C53F26216}"/>
+            </a:ext>
+          </a:extLst>
+        </p:cNvPr>
+        <p:cNvGrpSpPr/>
+        <p:nvPr/>
+      </p:nvGrpSpPr>
+      <p:grpSpPr>
+        <a:xfrm>
+          <a:off x="0" y="0"/>
+          <a:ext cx="0" cy="0"/>
+          <a:chOff x="0" y="0"/>
+          <a:chExt cx="0" cy="0"/>
+        </a:xfrm>
+      </p:grpSpPr>
+      <p:sp>
+        <p:nvSpPr>
+          <p:cNvPr id="2" name="Title 1">
+            <a:extLst>
+              <a:ext uri="{FF2B5EF4-FFF2-40B4-BE49-F238E27FC236}">
+                <a16:creationId xmlns:a16="http://schemas.microsoft.com/office/drawing/2014/main" id="{884EEC1A-F355-1EFC-9280-14956D9176A8}"/>
+              </a:ext>
+            </a:extLst>
+          </p:cNvPr>
+          <p:cNvSpPr>
+            <a:spLocks noGrp="1"/>
+          </p:cNvSpPr>
+          <p:nvPr>
+            <p:ph type="title"/>
+          </p:nvPr>
+        </p:nvSpPr>
+        <p:spPr/>
+        <p:txBody>
+          <a:bodyPr/>
+          <a:lstStyle/>
+          <a:p>
+            <a:r>
+              <a:rPr lang="en-US" dirty="0"/>
+              <a:t>Future Work</a:t>
+            </a:r>
+            <a:endParaRPr lang="en-IN" dirty="0"/>
+          </a:p>
+        </p:txBody>
+      </p:sp>
+      <p:sp>
+        <p:nvSpPr>
+          <p:cNvPr id="3" name="Content Placeholder 2">
+            <a:extLst>
+              <a:ext uri="{FF2B5EF4-FFF2-40B4-BE49-F238E27FC236}">
+                <a16:creationId xmlns:a16="http://schemas.microsoft.com/office/drawing/2014/main" id="{0336D995-E768-D0CE-919C-08211E31E313}"/>
+              </a:ext>
+            </a:extLst>
+          </p:cNvPr>
+          <p:cNvSpPr>
+            <a:spLocks noGrp="1"/>
+          </p:cNvSpPr>
+          <p:nvPr>
+            <p:ph idx="1"/>
+          </p:nvPr>
+        </p:nvSpPr>
+        <p:spPr/>
+        <p:txBody>
+          <a:bodyPr/>
+          <a:lstStyle/>
+          <a:p>
+            <a:pPr algn="just"/>
+            <a:r>
+              <a:rPr lang="en-US" b="1" dirty="0"/>
+              <a:t>Investigate State-of-the-Art Methods</a:t>
+            </a:r>
+            <a:r>
+              <a:rPr lang="en-US" dirty="0"/>
+              <a:t> – Conduct a comprehensive study of existing explainability techniques across modalities and tasks to identify limitations and inform the design of improved solutions.</a:t>
+            </a:r>
+            <a:endParaRPr lang="en-IN" dirty="0"/>
+          </a:p>
+          <a:p>
+            <a:pPr algn="just"/>
+            <a:r>
+              <a:rPr lang="en-US" b="1" dirty="0"/>
+              <a:t>Pipeline Implementation &amp; Evaluation </a:t>
+            </a:r>
+            <a:r>
+              <a:rPr lang="en-US" dirty="0"/>
+              <a:t>– Carry out experiments with proposed architecture and make necessary modifications</a:t>
+            </a:r>
+            <a:endParaRPr lang="en-IN" dirty="0"/>
+          </a:p>
+          <a:p>
+            <a:pPr algn="just"/>
+            <a:r>
+              <a:rPr lang="en-US" b="1" dirty="0"/>
+              <a:t>Literature Survey Expansion</a:t>
+            </a:r>
+            <a:r>
+              <a:rPr lang="en-US" dirty="0"/>
+              <a:t> – Continue tracking the ongoing research related to XAI for multimodality.</a:t>
+            </a:r>
+          </a:p>
+        </p:txBody>
+      </p:sp>
+      <p:pic>
+        <p:nvPicPr>
+          <p:cNvPr id="6" name="Picture 5">
+            <a:extLst>
+              <a:ext uri="{FF2B5EF4-FFF2-40B4-BE49-F238E27FC236}">
+                <a16:creationId xmlns:a16="http://schemas.microsoft.com/office/drawing/2014/main" id="{D5FB73DC-BE34-A0DF-4FE8-9D726D6C13D6}"/>
+              </a:ext>
+            </a:extLst>
+          </p:cNvPr>
+          <p:cNvPicPr>
+            <a:picLocks noChangeAspect="1"/>
+          </p:cNvPicPr>
+          <p:nvPr/>
+        </p:nvPicPr>
+        <p:blipFill>
+          <a:blip r:embed="rId2">
+            <a:extLst>
+              <a:ext uri="{28A0092B-C50C-407E-A947-70E740481C1C}">
+                <a14:useLocalDpi xmlns:a14="http://schemas.microsoft.com/office/drawing/2010/main" val="0"/>
+              </a:ext>
+            </a:extLst>
+          </a:blip>
+          <a:stretch>
+            <a:fillRect/>
+          </a:stretch>
+        </p:blipFill>
+        <p:spPr>
+          <a:xfrm>
+            <a:off x="10094490" y="0"/>
+            <a:ext cx="1863300" cy="1050925"/>
+          </a:xfrm>
+          <a:prstGeom prst="rect">
+            <a:avLst/>
+          </a:prstGeom>
+        </p:spPr>
+      </p:pic>
+      <p:sp>
+        <p:nvSpPr>
+          <p:cNvPr id="4" name="Slide Number Placeholder 3">
+            <a:extLst>
+              <a:ext uri="{FF2B5EF4-FFF2-40B4-BE49-F238E27FC236}">
+                <a16:creationId xmlns:a16="http://schemas.microsoft.com/office/drawing/2014/main" id="{0721A92F-A7FC-F718-5A70-DD9AE94C9136}"/>
+              </a:ext>
+            </a:extLst>
+          </p:cNvPr>
+          <p:cNvSpPr>
+            <a:spLocks noGrp="1"/>
+          </p:cNvSpPr>
+          <p:nvPr>
+            <p:ph type="sldNum" sz="quarter" idx="12"/>
+          </p:nvPr>
+        </p:nvSpPr>
+        <p:spPr/>
+        <p:txBody>
+          <a:bodyPr/>
+          <a:lstStyle/>
+          <a:p>
+            <a:fld id="{1DFBB4D5-A254-497C-8800-325BFC8980A0}" type="slidenum">
+              <a:rPr lang="en-IN" smtClean="0"/>
+              <a:t>17</a:t>
+            </a:fld>
+            <a:endParaRPr lang="en-IN" dirty="0"/>
+          </a:p>
+        </p:txBody>
+      </p:sp>
+    </p:spTree>
+    <p:extLst>
+      <p:ext uri="{BB962C8B-B14F-4D97-AF65-F5344CB8AC3E}">
+        <p14:creationId xmlns:p14="http://schemas.microsoft.com/office/powerpoint/2010/main" val="3795861032"/>
+      </p:ext>
+    </p:extLst>
+  </p:cSld>
+  <p:clrMapOvr>
+    <a:masterClrMapping/>
+  </p:clrMapOvr>
+</p:sld>
+</file>
+
+<file path=ppt/slides/slide18.xml><?xml version="1.0" encoding="utf-8"?>
 <p:sld xmlns:a="http://schemas.openxmlformats.org/drawingml/2006/main" xmlns:r="http://schemas.openxmlformats.org/officeDocument/2006/relationships" xmlns:p="http://schemas.openxmlformats.org/presentationml/2006/main">
   <p:cSld>
     <p:spTree>
@@ -4094,79 +7653,180 @@
         </p:nvSpPr>
         <p:spPr/>
         <p:txBody>
-          <a:bodyPr/>
+          <a:bodyPr>
+            <a:normAutofit fontScale="70000" lnSpcReduction="20000"/>
+          </a:bodyPr>
           <a:lstStyle/>
           <a:p>
-            <a:r>
-              <a:rPr lang="en-US" dirty="0">
-                <a:hlinkClick r:id="rId2"/>
-              </a:rPr>
-              <a:t>Grad-CAM: Visual Explanations from Deep Networks via Gradient-based Localization</a:t>
-            </a:r>
+            <a:pPr marL="514350" indent="-514350" algn="just">
+              <a:buFont typeface="+mj-lt"/>
+              <a:buAutoNum type="arabicPeriod"/>
+            </a:pPr>
+            <a:r>
+              <a:rPr lang="en-IN" dirty="0"/>
+              <a:t>Selvaraju, R.R., Cogswell, M., Das, A., </a:t>
+            </a:r>
+            <a:r>
+              <a:rPr lang="en-IN" dirty="0" err="1"/>
+              <a:t>Vedantam</a:t>
+            </a:r>
+            <a:r>
+              <a:rPr lang="en-IN" dirty="0"/>
+              <a:t>, R., Parikh, D. and Batra, D., 2017. Grad-cam: Visual explanations from deep networks via gradient-based localization. In </a:t>
+            </a:r>
+            <a:r>
+              <a:rPr lang="en-IN" i="1" dirty="0"/>
+              <a:t>Proceedings of the IEEE international conference on computer vision</a:t>
+            </a:r>
+            <a:r>
+              <a:rPr lang="en-IN" dirty="0"/>
+              <a:t> (pp. 618-626) </a:t>
+            </a:r>
+            <a:endParaRPr lang="en-US" dirty="0"/>
+          </a:p>
+          <a:p>
+            <a:pPr marL="514350" indent="-514350" algn="just">
+              <a:buFont typeface="+mj-lt"/>
+              <a:buAutoNum type="arabicPeriod"/>
+            </a:pPr>
             <a:r>
               <a:rPr lang="en-US" dirty="0"/>
-              <a:t> [1]</a:t>
-            </a:r>
-          </a:p>
-          <a:p>
-            <a:r>
-              <a:rPr lang="en-US" dirty="0">
-                <a:hlinkClick r:id="rId3"/>
-              </a:rPr>
-              <a:t>Axiomatic Attribution for Deep Networks</a:t>
+              <a:t>Sundararajan, M., Taly, A. and Yan, Q., 2017, July. Axiomatic attribution for deep networks. In </a:t>
+            </a:r>
+            <a:r>
+              <a:rPr lang="en-US" i="1" dirty="0"/>
+              <a:t>International conference on machine learning</a:t>
             </a:r>
             <a:r>
               <a:rPr lang="en-US" dirty="0"/>
-              <a:t> [2]</a:t>
-            </a:r>
-          </a:p>
-          <a:p>
-            <a:r>
-              <a:rPr lang="en-US" dirty="0">
-                <a:hlinkClick r:id="rId4"/>
-              </a:rPr>
-              <a:t>Learning to Estimate Shapley Values with Vision Transformers </a:t>
-            </a:r>
+              <a:t> (pp. 3319-3328). PMLR.</a:t>
+            </a:r>
+          </a:p>
+          <a:p>
+            <a:pPr marL="514350" indent="-514350" algn="just">
+              <a:buFont typeface="+mj-lt"/>
+              <a:buAutoNum type="arabicPeriod"/>
+            </a:pPr>
             <a:r>
               <a:rPr lang="en-US" dirty="0"/>
-              <a:t>[3]</a:t>
-            </a:r>
-          </a:p>
-          <a:p>
-            <a:r>
-              <a:rPr lang="en-US" dirty="0">
-                <a:hlinkClick r:id="rId5"/>
-              </a:rPr>
-              <a:t>Layer-wise Relevance Propagation for Neural Networks with Local Renormalization Layers </a:t>
+              <a:t>Covert, I., Kim, C. and Lee, S.I., 2022. Learning to estimate </a:t>
+            </a:r>
+            <a:r>
+              <a:rPr lang="en-US" dirty="0" err="1"/>
+              <a:t>shapley</a:t>
             </a:r>
             <a:r>
               <a:rPr lang="en-US" dirty="0"/>
-              <a:t>[4]</a:t>
-            </a:r>
-          </a:p>
-          <a:p>
-            <a:r>
-              <a:rPr lang="en-US" dirty="0">
-                <a:hlinkClick r:id="rId6"/>
-              </a:rPr>
-              <a:t>Self-Attention for Raw Optical Satellite Time Series Classification</a:t>
+              <a:t> values with vision transformers. </a:t>
+            </a:r>
+            <a:r>
+              <a:rPr lang="en-US" i="1" dirty="0" err="1"/>
+              <a:t>arXiv</a:t>
+            </a:r>
+            <a:r>
+              <a:rPr lang="en-US" i="1" dirty="0"/>
+              <a:t> preprint arXiv:2206.05282</a:t>
             </a:r>
             <a:r>
               <a:rPr lang="en-US" dirty="0"/>
-              <a:t> [5]</a:t>
-            </a:r>
-          </a:p>
-          <a:p>
-            <a:r>
-              <a:rPr lang="en-US" dirty="0">
-                <a:hlinkClick r:id="rId7"/>
-              </a:rPr>
-              <a:t>Quantifying Attention Flow in Transformers </a:t>
+              <a:t>. </a:t>
+            </a:r>
+          </a:p>
+          <a:p>
+            <a:pPr marL="514350" indent="-514350" algn="just">
+              <a:buFont typeface="+mj-lt"/>
+              <a:buAutoNum type="arabicPeriod"/>
+            </a:pPr>
+            <a:r>
+              <a:rPr lang="en-IN" dirty="0"/>
+              <a:t>Binder, A., Montavon, G., </a:t>
+            </a:r>
+            <a:r>
+              <a:rPr lang="en-IN" dirty="0" err="1"/>
+              <a:t>Lapuschkin</a:t>
+            </a:r>
+            <a:r>
+              <a:rPr lang="en-IN" dirty="0"/>
+              <a:t>, S., Müller, K.R. and Samek, W., 2016. Layer-wise relevance propagation for neural networks with local renormalization layers. In </a:t>
+            </a:r>
+            <a:r>
+              <a:rPr lang="en-IN" i="1" dirty="0"/>
+              <a:t>Artificial Neural Networks and Machine Learning–ICANN 2016: 25th International Conference on Artificial Neural Networks, Barcelona, Spain, September 6-9, 2016, Proceedings, Part II 25</a:t>
+            </a:r>
+            <a:r>
+              <a:rPr lang="en-IN" dirty="0"/>
+              <a:t> (pp. 63-71). Springer International Publishing. </a:t>
+            </a:r>
+            <a:endParaRPr lang="en-US" dirty="0"/>
+          </a:p>
+          <a:p>
+            <a:pPr marL="514350" indent="-514350" algn="just">
+              <a:buFont typeface="+mj-lt"/>
+              <a:buAutoNum type="arabicPeriod"/>
+            </a:pPr>
+            <a:r>
+              <a:rPr lang="en-US" dirty="0" err="1"/>
+              <a:t>Rußwurm</a:t>
             </a:r>
             <a:r>
               <a:rPr lang="en-US" dirty="0"/>
-              <a:t>[6]</a:t>
-            </a:r>
+              <a:t>, M. and Körner, M., 2020. Self-attention for raw optical satellite time series classification. </a:t>
+            </a:r>
+            <a:r>
+              <a:rPr lang="en-US" i="1" dirty="0"/>
+              <a:t>ISPRS journal of photogrammetry and remote sensing</a:t>
+            </a:r>
+            <a:r>
+              <a:rPr lang="en-US" dirty="0"/>
+              <a:t>, </a:t>
+            </a:r>
+            <a:r>
+              <a:rPr lang="en-US" i="1" dirty="0"/>
+              <a:t>169</a:t>
+            </a:r>
+            <a:r>
+              <a:rPr lang="en-US" dirty="0"/>
+              <a:t>, pp.421-435    </a:t>
+            </a:r>
+          </a:p>
+          <a:p>
+            <a:pPr marL="514350" indent="-514350" algn="just">
+              <a:buFont typeface="+mj-lt"/>
+              <a:buAutoNum type="arabicPeriod"/>
+            </a:pPr>
+            <a:r>
+              <a:rPr lang="en-IN" dirty="0"/>
+              <a:t>Abnar, S. and Zuidema, W., 2022. Quantifying attention flow in transformers. </a:t>
+            </a:r>
+            <a:r>
+              <a:rPr lang="en-IN" dirty="0" err="1"/>
+              <a:t>arXiv</a:t>
+            </a:r>
+            <a:r>
+              <a:rPr lang="en-IN" dirty="0"/>
+              <a:t> 2020. </a:t>
+            </a:r>
+            <a:r>
+              <a:rPr lang="en-IN" i="1" dirty="0" err="1"/>
+              <a:t>arXiv</a:t>
+            </a:r>
+            <a:r>
+              <a:rPr lang="en-IN" i="1" dirty="0"/>
+              <a:t> preprint arXiv:2005.00928</a:t>
+            </a:r>
+            <a:r>
+              <a:rPr lang="en-IN" dirty="0"/>
+              <a:t>, </a:t>
+            </a:r>
+            <a:r>
+              <a:rPr lang="en-IN" i="1" dirty="0"/>
+              <a:t>10</a:t>
+            </a:r>
+            <a:r>
+              <a:rPr lang="en-IN" dirty="0"/>
+              <a:t>.  </a:t>
+            </a:r>
+            <a:endParaRPr lang="en-US" dirty="0"/>
           </a:p>
         </p:txBody>
       </p:sp>
@@ -4185,7 +7845,7 @@
           <p:nvPr/>
         </p:nvPicPr>
         <p:blipFill>
-          <a:blip r:embed="rId8">
+          <a:blip r:embed="rId2">
             <a:extLst>
               <a:ext uri="{28A0092B-C50C-407E-A947-70E740481C1C}">
                 <a14:useLocalDpi xmlns:a14="http://schemas.microsoft.com/office/drawing/2010/main" val="0"/>
@@ -4206,6 +7866,35 @@
           </a:prstGeom>
         </p:spPr>
       </p:pic>
+      <p:sp>
+        <p:nvSpPr>
+          <p:cNvPr id="4" name="Slide Number Placeholder 3">
+            <a:extLst>
+              <a:ext uri="{FF2B5EF4-FFF2-40B4-BE49-F238E27FC236}">
+                <a16:creationId xmlns:a16="http://schemas.microsoft.com/office/drawing/2014/main" id="{AE301153-F9A1-711E-5590-ACC04070BCF1}"/>
+              </a:ext>
+            </a:extLst>
+          </p:cNvPr>
+          <p:cNvSpPr>
+            <a:spLocks noGrp="1"/>
+          </p:cNvSpPr>
+          <p:nvPr>
+            <p:ph type="sldNum" sz="quarter" idx="12"/>
+          </p:nvPr>
+        </p:nvSpPr>
+        <p:spPr/>
+        <p:txBody>
+          <a:bodyPr/>
+          <a:lstStyle/>
+          <a:p>
+            <a:fld id="{1DFBB4D5-A254-497C-8800-325BFC8980A0}" type="slidenum">
+              <a:rPr lang="en-IN" smtClean="0"/>
+              <a:t>18</a:t>
+            </a:fld>
+            <a:endParaRPr lang="en-IN" dirty="0"/>
+          </a:p>
+        </p:txBody>
+      </p:sp>
     </p:spTree>
     <p:extLst>
       <p:ext uri="{BB962C8B-B14F-4D97-AF65-F5344CB8AC3E}">
@@ -4219,7 +7908,7 @@
 </p:sld>
 </file>
 
-<file path=ppt/slides/slide13.xml><?xml version="1.0" encoding="utf-8"?>
+<file path=ppt/slides/slide19.xml><?xml version="1.0" encoding="utf-8"?>
 <p:sld xmlns:a="http://schemas.openxmlformats.org/drawingml/2006/main" xmlns:r="http://schemas.openxmlformats.org/officeDocument/2006/relationships" xmlns:p="http://schemas.openxmlformats.org/presentationml/2006/main">
   <p:cSld>
     <p:spTree>
@@ -4290,82 +7979,155 @@
         <p:spPr/>
         <p:txBody>
           <a:bodyPr>
-            <a:normAutofit/>
+            <a:normAutofit fontScale="70000" lnSpcReduction="20000"/>
           </a:bodyPr>
           <a:lstStyle/>
           <a:p>
-            <a:r>
-              <a:rPr lang="en-IN" dirty="0">
-                <a:hlinkClick r:id="rId2"/>
-              </a:rPr>
-              <a:t>Grad-SAM: Explaining Transformers via Gradient Self-Attention Maps</a:t>
-            </a:r>
+            <a:pPr marL="514350" indent="-514350" algn="just">
+              <a:buFont typeface="+mj-lt"/>
+              <a:buAutoNum type="arabicPeriod" startAt="7"/>
+            </a:pPr>
             <a:r>
               <a:rPr lang="en-IN" dirty="0"/>
-              <a:t> [7]</a:t>
+              <a:t>Barkan, O., </a:t>
+            </a:r>
+            <a:r>
+              <a:rPr lang="en-IN" dirty="0" err="1"/>
+              <a:t>Hauon</a:t>
+            </a:r>
+            <a:r>
+              <a:rPr lang="en-IN" dirty="0"/>
+              <a:t>, E., </a:t>
+            </a:r>
+            <a:r>
+              <a:rPr lang="en-IN" dirty="0" err="1"/>
+              <a:t>Caciularu</a:t>
+            </a:r>
+            <a:r>
+              <a:rPr lang="en-IN" dirty="0"/>
+              <a:t>, A., Katz, O., Malkiel, I., Armstrong, O. and Koenigstein, N., 2021, October. Grad-</a:t>
+            </a:r>
+            <a:r>
+              <a:rPr lang="en-IN" dirty="0" err="1"/>
+              <a:t>sam</a:t>
+            </a:r>
+            <a:r>
+              <a:rPr lang="en-IN" dirty="0"/>
+              <a:t>: Explaining transformers via gradient self-attention maps. In </a:t>
+            </a:r>
+            <a:r>
+              <a:rPr lang="en-IN" i="1" dirty="0"/>
+              <a:t>Proceedings of the 30th ACM International Conference on Information &amp; Knowledge Management</a:t>
+            </a:r>
+            <a:r>
+              <a:rPr lang="en-IN" dirty="0"/>
+              <a:t> (pp. 2882-2887)</a:t>
             </a:r>
             <a:endParaRPr lang="en-IN" dirty="0">
-              <a:hlinkClick r:id="rId3"/>
+              <a:hlinkClick r:id="rId2"/>
             </a:endParaRPr>
           </a:p>
           <a:p>
-            <a:r>
-              <a:rPr lang="en-IN" dirty="0">
-                <a:hlinkClick r:id="rId3"/>
-              </a:rPr>
-              <a:t>Transformer Interpretability Beyond Attention Visualization </a:t>
+            <a:pPr marL="514350" indent="-514350" algn="just">
+              <a:buFont typeface="+mj-lt"/>
+              <a:buAutoNum type="arabicPeriod" startAt="7"/>
+            </a:pPr>
+            <a:r>
+              <a:rPr lang="en-US" dirty="0" err="1"/>
+              <a:t>Chefer</a:t>
+            </a:r>
+            <a:r>
+              <a:rPr lang="en-US" dirty="0"/>
+              <a:t>, H., Gur, S. and Wolf, L., 2021. Transformer interpretability beyond attention visualization. In </a:t>
+            </a:r>
+            <a:r>
+              <a:rPr lang="en-US" i="1" dirty="0"/>
+              <a:t>Proceedings of the IEEE/CVF conference on computer vision and pattern recognition</a:t>
+            </a:r>
+            <a:r>
+              <a:rPr lang="en-US" dirty="0"/>
+              <a:t> (pp. 782-791).</a:t>
+            </a:r>
+            <a:endParaRPr lang="en-IN" dirty="0"/>
+          </a:p>
+          <a:p>
+            <a:pPr marL="514350" indent="-514350" algn="just">
+              <a:buFont typeface="+mj-lt"/>
+              <a:buAutoNum type="arabicPeriod" startAt="7"/>
+            </a:pPr>
+            <a:r>
+              <a:rPr lang="en-IN" dirty="0" err="1"/>
+              <a:t>Nalmpantis</a:t>
             </a:r>
             <a:r>
               <a:rPr lang="en-IN" dirty="0"/>
-              <a:t>[8]</a:t>
-            </a:r>
-          </a:p>
-          <a:p>
-            <a:r>
-              <a:rPr lang="en-US" dirty="0">
-                <a:hlinkClick r:id="rId4"/>
-              </a:rPr>
-              <a:t>VISION DIFFMASK: Faithful Interpretation of Vision Transformers with Differentiable Patch Masking</a:t>
-            </a:r>
+              <a:t>, A., Panagiotopoulos, A., </a:t>
+            </a:r>
+            <a:r>
+              <a:rPr lang="en-IN" dirty="0" err="1"/>
+              <a:t>Gkountouras</a:t>
+            </a:r>
+            <a:r>
+              <a:rPr lang="en-IN" dirty="0"/>
+              <a:t>, J., Papakostas, K. and Aziz, W., 2023. Vision </a:t>
+            </a:r>
+            <a:r>
+              <a:rPr lang="en-IN" dirty="0" err="1"/>
+              <a:t>diffmask</a:t>
+            </a:r>
+            <a:r>
+              <a:rPr lang="en-IN" dirty="0"/>
+              <a:t>: Faithful interpretation of vision transformers with differentiable patch masking. In </a:t>
+            </a:r>
+            <a:r>
+              <a:rPr lang="en-IN" i="1" dirty="0"/>
+              <a:t>Proceedings of the IEEE/CVF Conference on Computer Vision and Pattern Recognition</a:t>
+            </a:r>
+            <a:r>
+              <a:rPr lang="en-IN" dirty="0"/>
+              <a:t> (pp. 3756-3763).  </a:t>
+            </a:r>
+            <a:endParaRPr lang="en-US" dirty="0"/>
+          </a:p>
+          <a:p>
+            <a:pPr marL="514350" indent="-514350" algn="just">
+              <a:buFont typeface="+mj-lt"/>
+              <a:buAutoNum type="arabicPeriod" startAt="7"/>
+            </a:pPr>
             <a:r>
               <a:rPr lang="en-US" dirty="0"/>
-              <a:t> [9]</a:t>
-            </a:r>
-          </a:p>
-          <a:p>
-            <a:r>
-              <a:rPr lang="en-IN" dirty="0">
-                <a:hlinkClick r:id="rId5"/>
-              </a:rPr>
-              <a:t>X-Pruner: </a:t>
-            </a:r>
-            <a:r>
-              <a:rPr lang="en-IN" dirty="0" err="1">
-                <a:hlinkClick r:id="rId5"/>
-              </a:rPr>
-              <a:t>eXplainable</a:t>
-            </a:r>
-            <a:r>
-              <a:rPr lang="en-IN" dirty="0">
-                <a:hlinkClick r:id="rId5"/>
-              </a:rPr>
-              <a:t> Pruning for Vision Transformers</a:t>
-            </a:r>
-            <a:r>
-              <a:rPr lang="en-IN" dirty="0"/>
-              <a:t> [10]</a:t>
-            </a:r>
-          </a:p>
-          <a:p>
-            <a:r>
-              <a:rPr lang="en-US" dirty="0">
-                <a:hlinkClick r:id="rId6"/>
-              </a:rPr>
-              <a:t>EViT: Not All Patches Are What You Need – Expediting Vision Transformers via Token Reorganizations</a:t>
+              <a:t>Yu, L. and Xiang, W., 2023. X-pruner: explainable pruning for vision transformers. In </a:t>
+            </a:r>
+            <a:r>
+              <a:rPr lang="en-US" i="1" dirty="0"/>
+              <a:t>Proceedings of the IEEE/CVF conference on computer vision and pattern recognition</a:t>
             </a:r>
             <a:r>
               <a:rPr lang="en-US" dirty="0"/>
-              <a:t> [11]</a:t>
+              <a:t> (pp. 24355-24363). </a:t>
+            </a:r>
+            <a:endParaRPr lang="en-IN" dirty="0"/>
+          </a:p>
+          <a:p>
+            <a:pPr marL="514350" indent="-514350" algn="just">
+              <a:buFont typeface="+mj-lt"/>
+              <a:buAutoNum type="arabicPeriod" startAt="7"/>
+            </a:pPr>
+            <a:r>
+              <a:rPr lang="en-US" dirty="0"/>
+              <a:t>Liang, Y., Ge, C., Tong, Z., Song, Y., Wang, J. and Xie, P., 2022. Not all patches are what you need: Expediting vision transformers via token reorganizations. </a:t>
+            </a:r>
+            <a:r>
+              <a:rPr lang="en-US" i="1" dirty="0" err="1"/>
+              <a:t>arXiv</a:t>
+            </a:r>
+            <a:r>
+              <a:rPr lang="en-US" i="1" dirty="0"/>
+              <a:t> preprint arXiv:2202.07800</a:t>
+            </a:r>
+            <a:r>
+              <a:rPr lang="en-US" dirty="0"/>
+              <a:t>.  </a:t>
             </a:r>
           </a:p>
         </p:txBody>
@@ -4385,7 +8147,7 @@
           <p:nvPr/>
         </p:nvPicPr>
         <p:blipFill>
-          <a:blip r:embed="rId7">
+          <a:blip r:embed="rId3">
             <a:extLst>
               <a:ext uri="{28A0092B-C50C-407E-A947-70E740481C1C}">
                 <a14:useLocalDpi xmlns:a14="http://schemas.microsoft.com/office/drawing/2010/main" val="0"/>
@@ -4406,48 +8168,12 @@
           </a:prstGeom>
         </p:spPr>
       </p:pic>
-    </p:spTree>
-    <p:extLst>
-      <p:ext uri="{BB962C8B-B14F-4D97-AF65-F5344CB8AC3E}">
-        <p14:creationId xmlns:p14="http://schemas.microsoft.com/office/powerpoint/2010/main" val="2933232774"/>
-      </p:ext>
-    </p:extLst>
-  </p:cSld>
-  <p:clrMapOvr>
-    <a:masterClrMapping/>
-  </p:clrMapOvr>
-</p:sld>
-</file>
-
-<file path=ppt/slides/slide14.xml><?xml version="1.0" encoding="utf-8"?>
-<p:sld xmlns:a="http://schemas.openxmlformats.org/drawingml/2006/main" xmlns:r="http://schemas.openxmlformats.org/officeDocument/2006/relationships" xmlns:p="http://schemas.openxmlformats.org/presentationml/2006/main">
-  <p:cSld>
-    <p:spTree>
-      <p:nvGrpSpPr>
-        <p:cNvPr id="1" name="">
-          <a:extLst>
-            <a:ext uri="{FF2B5EF4-FFF2-40B4-BE49-F238E27FC236}">
-              <a16:creationId xmlns:a16="http://schemas.microsoft.com/office/drawing/2014/main" id="{38289A55-C9A0-E594-A54F-3FB0F36C50F9}"/>
-            </a:ext>
-          </a:extLst>
-        </p:cNvPr>
-        <p:cNvGrpSpPr/>
-        <p:nvPr/>
-      </p:nvGrpSpPr>
-      <p:grpSpPr>
-        <a:xfrm>
-          <a:off x="0" y="0"/>
-          <a:ext cx="0" cy="0"/>
-          <a:chOff x="0" y="0"/>
-          <a:chExt cx="0" cy="0"/>
-        </a:xfrm>
-      </p:grpSpPr>
       <p:sp>
         <p:nvSpPr>
-          <p:cNvPr id="2" name="Title 1">
+          <p:cNvPr id="4" name="Slide Number Placeholder 3">
             <a:extLst>
               <a:ext uri="{FF2B5EF4-FFF2-40B4-BE49-F238E27FC236}">
-                <a16:creationId xmlns:a16="http://schemas.microsoft.com/office/drawing/2014/main" id="{90004D31-BAA4-9CFA-AF3B-9AE3B005D265}"/>
+                <a16:creationId xmlns:a16="http://schemas.microsoft.com/office/drawing/2014/main" id="{D01BB518-E6AF-76A3-0ECA-B87662F6D663}"/>
               </a:ext>
             </a:extLst>
           </p:cNvPr>
@@ -4455,7 +8181,7 @@
             <a:spLocks noGrp="1"/>
           </p:cNvSpPr>
           <p:nvPr>
-            <p:ph type="title"/>
+            <p:ph type="sldNum" sz="quarter" idx="12"/>
           </p:nvPr>
         </p:nvSpPr>
         <p:spPr/>
@@ -4463,210 +8189,10 @@
           <a:bodyPr/>
           <a:lstStyle/>
           <a:p>
-            <a:r>
-              <a:rPr lang="en-US" dirty="0"/>
-              <a:t>References</a:t>
-            </a:r>
-            <a:endParaRPr lang="en-IN" dirty="0"/>
-          </a:p>
-        </p:txBody>
-      </p:sp>
-      <p:sp>
-        <p:nvSpPr>
-          <p:cNvPr id="3" name="Content Placeholder 2">
-            <a:extLst>
-              <a:ext uri="{FF2B5EF4-FFF2-40B4-BE49-F238E27FC236}">
-                <a16:creationId xmlns:a16="http://schemas.microsoft.com/office/drawing/2014/main" id="{A7721DF3-3B5D-CD9D-73AF-FD96F36BA922}"/>
-              </a:ext>
-            </a:extLst>
-          </p:cNvPr>
-          <p:cNvSpPr>
-            <a:spLocks noGrp="1"/>
-          </p:cNvSpPr>
-          <p:nvPr>
-            <p:ph idx="1"/>
-          </p:nvPr>
-        </p:nvSpPr>
-        <p:spPr/>
-        <p:txBody>
-          <a:bodyPr>
-            <a:normAutofit/>
-          </a:bodyPr>
-          <a:lstStyle/>
-          <a:p>
-            <a:r>
-              <a:rPr lang="en-US" dirty="0">
-                <a:hlinkClick r:id="rId2"/>
-              </a:rPr>
-              <a:t>IA-RED2: Interpretability-Aware Redundancy Reduction for Vision Transformers</a:t>
-            </a:r>
-            <a:r>
-              <a:rPr lang="en-US" dirty="0"/>
-              <a:t> [12]</a:t>
-            </a:r>
-            <a:endParaRPr lang="en-US" dirty="0">
-              <a:hlinkClick r:id="rId3"/>
-            </a:endParaRPr>
-          </a:p>
-          <a:p>
-            <a:r>
-              <a:rPr lang="en-US" dirty="0">
-                <a:hlinkClick r:id="rId3"/>
-              </a:rPr>
-              <a:t>ViT-CX: Causal Explanation of Vision Transformers</a:t>
-            </a:r>
-            <a:r>
-              <a:rPr lang="en-US" dirty="0"/>
-              <a:t> [13]</a:t>
-            </a:r>
-            <a:endParaRPr lang="en-IN" dirty="0"/>
-          </a:p>
-          <a:p>
-            <a:r>
-              <a:rPr lang="en-US" dirty="0">
-                <a:hlinkClick r:id="rId4"/>
-              </a:rPr>
-              <a:t>ViT-</a:t>
-            </a:r>
-            <a:r>
-              <a:rPr lang="en-US" dirty="0" err="1">
-                <a:hlinkClick r:id="rId4"/>
-              </a:rPr>
-              <a:t>NeT</a:t>
-            </a:r>
-            <a:r>
-              <a:rPr lang="en-US" dirty="0">
-                <a:hlinkClick r:id="rId4"/>
-              </a:rPr>
-              <a:t>: Interpretable Vision Transformers with Neural Tree Decoder</a:t>
-            </a:r>
-            <a:r>
-              <a:rPr lang="en-US" dirty="0"/>
-              <a:t> [14]</a:t>
-            </a:r>
-          </a:p>
-          <a:p>
-            <a:r>
-              <a:rPr lang="en-US" dirty="0">
-                <a:hlinkClick r:id="rId5"/>
-              </a:rPr>
-              <a:t>Enhancing Explainability in Vision Transformers with Relationship Weighted Out and Cut</a:t>
-            </a:r>
-            <a:r>
-              <a:rPr lang="en-US" dirty="0"/>
-              <a:t> [15]</a:t>
-            </a:r>
-          </a:p>
-          <a:p>
-            <a:r>
-              <a:rPr lang="en-US" dirty="0">
-                <a:hlinkClick r:id="rId6"/>
-              </a:rPr>
-              <a:t>eX-ViT: A Novel Explainable Vision Transformer for Weakly Supervised Semantic Segmentation</a:t>
-            </a:r>
-            <a:r>
-              <a:rPr lang="en-US" dirty="0"/>
-              <a:t> [16]</a:t>
-            </a:r>
-          </a:p>
-        </p:txBody>
-      </p:sp>
-      <p:pic>
-        <p:nvPicPr>
-          <p:cNvPr id="6" name="Picture 5">
-            <a:extLst>
-              <a:ext uri="{FF2B5EF4-FFF2-40B4-BE49-F238E27FC236}">
-                <a16:creationId xmlns:a16="http://schemas.microsoft.com/office/drawing/2014/main" id="{AAC1F80D-2B09-8CD5-48A4-A7EEA404EA61}"/>
-              </a:ext>
-            </a:extLst>
-          </p:cNvPr>
-          <p:cNvPicPr>
-            <a:picLocks noChangeAspect="1"/>
-          </p:cNvPicPr>
-          <p:nvPr/>
-        </p:nvPicPr>
-        <p:blipFill>
-          <a:blip r:embed="rId7">
-            <a:extLst>
-              <a:ext uri="{28A0092B-C50C-407E-A947-70E740481C1C}">
-                <a14:useLocalDpi xmlns:a14="http://schemas.microsoft.com/office/drawing/2010/main" val="0"/>
-              </a:ext>
-            </a:extLst>
-          </a:blip>
-          <a:stretch>
-            <a:fillRect/>
-          </a:stretch>
-        </p:blipFill>
-        <p:spPr>
-          <a:xfrm>
-            <a:off x="10094490" y="0"/>
-            <a:ext cx="1863300" cy="1050925"/>
-          </a:xfrm>
-          <a:prstGeom prst="rect">
-            <a:avLst/>
-          </a:prstGeom>
-        </p:spPr>
-      </p:pic>
-    </p:spTree>
-    <p:extLst>
-      <p:ext uri="{BB962C8B-B14F-4D97-AF65-F5344CB8AC3E}">
-        <p14:creationId xmlns:p14="http://schemas.microsoft.com/office/powerpoint/2010/main" val="572649904"/>
-      </p:ext>
-    </p:extLst>
-  </p:cSld>
-  <p:clrMapOvr>
-    <a:masterClrMapping/>
-  </p:clrMapOvr>
-</p:sld>
-</file>
-
-<file path=ppt/slides/slide15.xml><?xml version="1.0" encoding="utf-8"?>
-<p:sld xmlns:a="http://schemas.openxmlformats.org/drawingml/2006/main" xmlns:r="http://schemas.openxmlformats.org/officeDocument/2006/relationships" xmlns:p="http://schemas.openxmlformats.org/presentationml/2006/main">
-  <p:cSld>
-    <p:spTree>
-      <p:nvGrpSpPr>
-        <p:cNvPr id="1" name=""/>
-        <p:cNvGrpSpPr/>
-        <p:nvPr/>
-      </p:nvGrpSpPr>
-      <p:grpSpPr>
-        <a:xfrm>
-          <a:off x="0" y="0"/>
-          <a:ext cx="0" cy="0"/>
-          <a:chOff x="0" y="0"/>
-          <a:chExt cx="0" cy="0"/>
-        </a:xfrm>
-      </p:grpSpPr>
-      <p:sp>
-        <p:nvSpPr>
-          <p:cNvPr id="2" name="Title 1">
-            <a:extLst>
-              <a:ext uri="{FF2B5EF4-FFF2-40B4-BE49-F238E27FC236}">
-                <a16:creationId xmlns:a16="http://schemas.microsoft.com/office/drawing/2014/main" id="{E886F63C-0B46-0818-F277-4E7B2A05B6FC}"/>
-              </a:ext>
-            </a:extLst>
-          </p:cNvPr>
-          <p:cNvSpPr>
-            <a:spLocks noGrp="1"/>
-          </p:cNvSpPr>
-          <p:nvPr>
-            <p:ph type="title"/>
-          </p:nvPr>
-        </p:nvSpPr>
-        <p:spPr>
-          <a:xfrm>
-            <a:off x="5172683" y="2766218"/>
-            <a:ext cx="1846634" cy="1325563"/>
-          </a:xfrm>
-        </p:spPr>
-        <p:txBody>
-          <a:bodyPr/>
-          <a:lstStyle/>
-          <a:p>
-            <a:r>
-              <a:rPr lang="en-US" dirty="0"/>
-              <a:t>Thanks</a:t>
-            </a:r>
+            <a:fld id="{1DFBB4D5-A254-497C-8800-325BFC8980A0}" type="slidenum">
+              <a:rPr lang="en-IN" smtClean="0"/>
+              <a:t>19</a:t>
+            </a:fld>
             <a:endParaRPr lang="en-IN" dirty="0"/>
           </a:p>
         </p:txBody>
@@ -4674,7 +8200,7 @@
     </p:spTree>
     <p:extLst>
       <p:ext uri="{BB962C8B-B14F-4D97-AF65-F5344CB8AC3E}">
-        <p14:creationId xmlns:p14="http://schemas.microsoft.com/office/powerpoint/2010/main" val="392928508"/>
+        <p14:creationId xmlns:p14="http://schemas.microsoft.com/office/powerpoint/2010/main" val="2933232774"/>
       </p:ext>
     </p:extLst>
   </p:cSld>
@@ -4788,6 +8314,18 @@
           <a:p>
             <a:r>
               <a:rPr lang="en-US" dirty="0"/>
+              <a:t>Proposed Architecture</a:t>
+            </a:r>
+          </a:p>
+          <a:p>
+            <a:r>
+              <a:rPr lang="en-US" dirty="0"/>
+              <a:t>Dataset</a:t>
+            </a:r>
+          </a:p>
+          <a:p>
+            <a:r>
+              <a:rPr lang="en-US" dirty="0"/>
               <a:t>References</a:t>
             </a:r>
           </a:p>
@@ -4829,10 +8367,900 @@
           </a:prstGeom>
         </p:spPr>
       </p:pic>
+      <p:sp>
+        <p:nvSpPr>
+          <p:cNvPr id="4" name="Slide Number Placeholder 3">
+            <a:extLst>
+              <a:ext uri="{FF2B5EF4-FFF2-40B4-BE49-F238E27FC236}">
+                <a16:creationId xmlns:a16="http://schemas.microsoft.com/office/drawing/2014/main" id="{B8C1EF21-6E43-B49A-882D-9543EAC70E6D}"/>
+              </a:ext>
+            </a:extLst>
+          </p:cNvPr>
+          <p:cNvSpPr>
+            <a:spLocks noGrp="1"/>
+          </p:cNvSpPr>
+          <p:nvPr>
+            <p:ph type="sldNum" sz="quarter" idx="12"/>
+          </p:nvPr>
+        </p:nvSpPr>
+        <p:spPr/>
+        <p:txBody>
+          <a:bodyPr/>
+          <a:lstStyle/>
+          <a:p>
+            <a:fld id="{1DFBB4D5-A254-497C-8800-325BFC8980A0}" type="slidenum">
+              <a:rPr lang="en-IN" smtClean="0"/>
+              <a:t>2</a:t>
+            </a:fld>
+            <a:endParaRPr lang="en-IN" dirty="0"/>
+          </a:p>
+        </p:txBody>
+      </p:sp>
     </p:spTree>
     <p:extLst>
       <p:ext uri="{BB962C8B-B14F-4D97-AF65-F5344CB8AC3E}">
         <p14:creationId xmlns:p14="http://schemas.microsoft.com/office/powerpoint/2010/main" val="3711807019"/>
+      </p:ext>
+    </p:extLst>
+  </p:cSld>
+  <p:clrMapOvr>
+    <a:masterClrMapping/>
+  </p:clrMapOvr>
+</p:sld>
+</file>
+
+<file path=ppt/slides/slide20.xml><?xml version="1.0" encoding="utf-8"?>
+<p:sld xmlns:a="http://schemas.openxmlformats.org/drawingml/2006/main" xmlns:r="http://schemas.openxmlformats.org/officeDocument/2006/relationships" xmlns:p="http://schemas.openxmlformats.org/presentationml/2006/main">
+  <p:cSld>
+    <p:spTree>
+      <p:nvGrpSpPr>
+        <p:cNvPr id="1" name="">
+          <a:extLst>
+            <a:ext uri="{FF2B5EF4-FFF2-40B4-BE49-F238E27FC236}">
+              <a16:creationId xmlns:a16="http://schemas.microsoft.com/office/drawing/2014/main" id="{38289A55-C9A0-E594-A54F-3FB0F36C50F9}"/>
+            </a:ext>
+          </a:extLst>
+        </p:cNvPr>
+        <p:cNvGrpSpPr/>
+        <p:nvPr/>
+      </p:nvGrpSpPr>
+      <p:grpSpPr>
+        <a:xfrm>
+          <a:off x="0" y="0"/>
+          <a:ext cx="0" cy="0"/>
+          <a:chOff x="0" y="0"/>
+          <a:chExt cx="0" cy="0"/>
+        </a:xfrm>
+      </p:grpSpPr>
+      <p:sp>
+        <p:nvSpPr>
+          <p:cNvPr id="2" name="Title 1">
+            <a:extLst>
+              <a:ext uri="{FF2B5EF4-FFF2-40B4-BE49-F238E27FC236}">
+                <a16:creationId xmlns:a16="http://schemas.microsoft.com/office/drawing/2014/main" id="{90004D31-BAA4-9CFA-AF3B-9AE3B005D265}"/>
+              </a:ext>
+            </a:extLst>
+          </p:cNvPr>
+          <p:cNvSpPr>
+            <a:spLocks noGrp="1"/>
+          </p:cNvSpPr>
+          <p:nvPr>
+            <p:ph type="title"/>
+          </p:nvPr>
+        </p:nvSpPr>
+        <p:spPr/>
+        <p:txBody>
+          <a:bodyPr/>
+          <a:lstStyle/>
+          <a:p>
+            <a:r>
+              <a:rPr lang="en-US" dirty="0"/>
+              <a:t>References</a:t>
+            </a:r>
+            <a:endParaRPr lang="en-IN" dirty="0"/>
+          </a:p>
+        </p:txBody>
+      </p:sp>
+      <p:sp>
+        <p:nvSpPr>
+          <p:cNvPr id="3" name="Content Placeholder 2">
+            <a:extLst>
+              <a:ext uri="{FF2B5EF4-FFF2-40B4-BE49-F238E27FC236}">
+                <a16:creationId xmlns:a16="http://schemas.microsoft.com/office/drawing/2014/main" id="{A7721DF3-3B5D-CD9D-73AF-FD96F36BA922}"/>
+              </a:ext>
+            </a:extLst>
+          </p:cNvPr>
+          <p:cNvSpPr>
+            <a:spLocks noGrp="1"/>
+          </p:cNvSpPr>
+          <p:nvPr>
+            <p:ph idx="1"/>
+          </p:nvPr>
+        </p:nvSpPr>
+        <p:spPr/>
+        <p:txBody>
+          <a:bodyPr>
+            <a:normAutofit fontScale="85000" lnSpcReduction="20000"/>
+          </a:bodyPr>
+          <a:lstStyle/>
+          <a:p>
+            <a:pPr marL="514350" indent="-514350" algn="just">
+              <a:buFont typeface="+mj-lt"/>
+              <a:buAutoNum type="arabicPeriod" startAt="12"/>
+            </a:pPr>
+            <a:r>
+              <a:rPr lang="en-IN" dirty="0"/>
+              <a:t>Pan, B., Panda, R., Jiang, Y., Wang, Z., Feris, R. and Oliva, A., 2021. IA-RED $^ 2$: Interpretability-aware redundancy reduction for vision transformers. </a:t>
+            </a:r>
+            <a:r>
+              <a:rPr lang="en-IN" i="1" dirty="0"/>
+              <a:t>Advances in neural information processing systems</a:t>
+            </a:r>
+            <a:r>
+              <a:rPr lang="en-IN" dirty="0"/>
+              <a:t>, </a:t>
+            </a:r>
+            <a:r>
+              <a:rPr lang="en-IN" i="1" dirty="0"/>
+              <a:t>34</a:t>
+            </a:r>
+            <a:r>
+              <a:rPr lang="en-IN" dirty="0"/>
+              <a:t>, pp.24898-24911.   </a:t>
+            </a:r>
+            <a:endParaRPr lang="en-US" dirty="0">
+              <a:hlinkClick r:id="rId2"/>
+            </a:endParaRPr>
+          </a:p>
+          <a:p>
+            <a:pPr marL="514350" indent="-514350" algn="just">
+              <a:buFont typeface="+mj-lt"/>
+              <a:buAutoNum type="arabicPeriod" startAt="12"/>
+            </a:pPr>
+            <a:r>
+              <a:rPr lang="en-IN" dirty="0"/>
+              <a:t>Xie, W., Li, X.H., Cao, C.C. and Zhang, N.L., 2022. Vit-cx: Causal explanation of vision transformers. </a:t>
+            </a:r>
+            <a:r>
+              <a:rPr lang="en-IN" i="1" dirty="0" err="1"/>
+              <a:t>arXiv</a:t>
+            </a:r>
+            <a:r>
+              <a:rPr lang="en-IN" i="1" dirty="0"/>
+              <a:t> preprint arXiv:2211.03064</a:t>
+            </a:r>
+            <a:r>
+              <a:rPr lang="en-IN" dirty="0"/>
+              <a:t>. </a:t>
+            </a:r>
+            <a:r>
+              <a:rPr lang="en-US" dirty="0"/>
+              <a:t> </a:t>
+            </a:r>
+            <a:endParaRPr lang="en-IN" dirty="0"/>
+          </a:p>
+          <a:p>
+            <a:pPr marL="514350" indent="-514350" algn="just">
+              <a:buFont typeface="+mj-lt"/>
+              <a:buAutoNum type="arabicPeriod" startAt="12"/>
+            </a:pPr>
+            <a:r>
+              <a:rPr lang="en-IN" dirty="0"/>
+              <a:t>Kim, S., Nam, J. and Ko, B.C., 2022, June. Vit-net: Interpretable vision transformers with neural tree decoder. In </a:t>
+            </a:r>
+            <a:r>
+              <a:rPr lang="en-IN" i="1" dirty="0"/>
+              <a:t>International conference on machine learning</a:t>
+            </a:r>
+            <a:r>
+              <a:rPr lang="en-IN" dirty="0"/>
+              <a:t> (pp. 11162-11172). PMLR.  </a:t>
+            </a:r>
+            <a:endParaRPr lang="en-US" dirty="0"/>
+          </a:p>
+          <a:p>
+            <a:pPr marL="514350" indent="-514350" algn="just">
+              <a:buFont typeface="+mj-lt"/>
+              <a:buAutoNum type="arabicPeriod" startAt="12"/>
+            </a:pPr>
+            <a:r>
+              <a:rPr lang="en-US" dirty="0"/>
+              <a:t>Niu, Y., Ding, M., Ge, M., Karlsson, R., Zhang, Y., Carballo, A. and Takeda, K., 2024. R-cut: Enhancing explainability in vision transformers with relationship weighted out and cut. </a:t>
+            </a:r>
+            <a:r>
+              <a:rPr lang="en-US" i="1" dirty="0"/>
+              <a:t>Sensors</a:t>
+            </a:r>
+            <a:r>
+              <a:rPr lang="en-US" dirty="0"/>
+              <a:t>, </a:t>
+            </a:r>
+            <a:r>
+              <a:rPr lang="en-US" i="1" dirty="0"/>
+              <a:t>24</a:t>
+            </a:r>
+            <a:r>
+              <a:rPr lang="en-US" dirty="0"/>
+              <a:t>(9), p.2695.  </a:t>
+            </a:r>
+          </a:p>
+          <a:p>
+            <a:pPr marL="514350" indent="-514350" algn="just">
+              <a:buFont typeface="+mj-lt"/>
+              <a:buAutoNum type="arabicPeriod" startAt="12"/>
+            </a:pPr>
+            <a:r>
+              <a:rPr lang="en-IN" dirty="0"/>
+              <a:t>Yu, L., Xiang, W., Fang, J., Chen, Y.P.P. and Chi, L., 2023. ex-vit: A novel explainable vision transformer for weakly supervised semantic segmentation. </a:t>
+            </a:r>
+            <a:r>
+              <a:rPr lang="en-IN" i="1" dirty="0"/>
+              <a:t>Pattern Recognition</a:t>
+            </a:r>
+            <a:r>
+              <a:rPr lang="en-IN" dirty="0"/>
+              <a:t>, </a:t>
+            </a:r>
+            <a:r>
+              <a:rPr lang="en-IN" i="1" dirty="0"/>
+              <a:t>142</a:t>
+            </a:r>
+            <a:r>
+              <a:rPr lang="en-IN" dirty="0"/>
+              <a:t>, p.109666   </a:t>
+            </a:r>
+            <a:endParaRPr lang="en-US" dirty="0"/>
+          </a:p>
+        </p:txBody>
+      </p:sp>
+      <p:pic>
+        <p:nvPicPr>
+          <p:cNvPr id="6" name="Picture 5">
+            <a:extLst>
+              <a:ext uri="{FF2B5EF4-FFF2-40B4-BE49-F238E27FC236}">
+                <a16:creationId xmlns:a16="http://schemas.microsoft.com/office/drawing/2014/main" id="{AAC1F80D-2B09-8CD5-48A4-A7EEA404EA61}"/>
+              </a:ext>
+            </a:extLst>
+          </p:cNvPr>
+          <p:cNvPicPr>
+            <a:picLocks noChangeAspect="1"/>
+          </p:cNvPicPr>
+          <p:nvPr/>
+        </p:nvPicPr>
+        <p:blipFill>
+          <a:blip r:embed="rId3">
+            <a:extLst>
+              <a:ext uri="{28A0092B-C50C-407E-A947-70E740481C1C}">
+                <a14:useLocalDpi xmlns:a14="http://schemas.microsoft.com/office/drawing/2010/main" val="0"/>
+              </a:ext>
+            </a:extLst>
+          </a:blip>
+          <a:stretch>
+            <a:fillRect/>
+          </a:stretch>
+        </p:blipFill>
+        <p:spPr>
+          <a:xfrm>
+            <a:off x="10094490" y="0"/>
+            <a:ext cx="1863300" cy="1050925"/>
+          </a:xfrm>
+          <a:prstGeom prst="rect">
+            <a:avLst/>
+          </a:prstGeom>
+        </p:spPr>
+      </p:pic>
+      <p:sp>
+        <p:nvSpPr>
+          <p:cNvPr id="4" name="Slide Number Placeholder 3">
+            <a:extLst>
+              <a:ext uri="{FF2B5EF4-FFF2-40B4-BE49-F238E27FC236}">
+                <a16:creationId xmlns:a16="http://schemas.microsoft.com/office/drawing/2014/main" id="{6879A207-E1CA-C326-8B99-2FEA61916ED7}"/>
+              </a:ext>
+            </a:extLst>
+          </p:cNvPr>
+          <p:cNvSpPr>
+            <a:spLocks noGrp="1"/>
+          </p:cNvSpPr>
+          <p:nvPr>
+            <p:ph type="sldNum" sz="quarter" idx="12"/>
+          </p:nvPr>
+        </p:nvSpPr>
+        <p:spPr/>
+        <p:txBody>
+          <a:bodyPr/>
+          <a:lstStyle/>
+          <a:p>
+            <a:fld id="{1DFBB4D5-A254-497C-8800-325BFC8980A0}" type="slidenum">
+              <a:rPr lang="en-IN" smtClean="0"/>
+              <a:t>20</a:t>
+            </a:fld>
+            <a:endParaRPr lang="en-IN" dirty="0"/>
+          </a:p>
+        </p:txBody>
+      </p:sp>
+    </p:spTree>
+    <p:extLst>
+      <p:ext uri="{BB962C8B-B14F-4D97-AF65-F5344CB8AC3E}">
+        <p14:creationId xmlns:p14="http://schemas.microsoft.com/office/powerpoint/2010/main" val="572649904"/>
+      </p:ext>
+    </p:extLst>
+  </p:cSld>
+  <p:clrMapOvr>
+    <a:masterClrMapping/>
+  </p:clrMapOvr>
+</p:sld>
+</file>
+
+<file path=ppt/slides/slide21.xml><?xml version="1.0" encoding="utf-8"?>
+<p:sld xmlns:a="http://schemas.openxmlformats.org/drawingml/2006/main" xmlns:r="http://schemas.openxmlformats.org/officeDocument/2006/relationships" xmlns:p="http://schemas.openxmlformats.org/presentationml/2006/main">
+  <p:cSld>
+    <p:spTree>
+      <p:nvGrpSpPr>
+        <p:cNvPr id="1" name="">
+          <a:extLst>
+            <a:ext uri="{FF2B5EF4-FFF2-40B4-BE49-F238E27FC236}">
+              <a16:creationId xmlns:a16="http://schemas.microsoft.com/office/drawing/2014/main" id="{AD74A733-30AC-F4D0-3654-897E81D047B3}"/>
+            </a:ext>
+          </a:extLst>
+        </p:cNvPr>
+        <p:cNvGrpSpPr/>
+        <p:nvPr/>
+      </p:nvGrpSpPr>
+      <p:grpSpPr>
+        <a:xfrm>
+          <a:off x="0" y="0"/>
+          <a:ext cx="0" cy="0"/>
+          <a:chOff x="0" y="0"/>
+          <a:chExt cx="0" cy="0"/>
+        </a:xfrm>
+      </p:grpSpPr>
+      <p:sp>
+        <p:nvSpPr>
+          <p:cNvPr id="2" name="Title 1">
+            <a:extLst>
+              <a:ext uri="{FF2B5EF4-FFF2-40B4-BE49-F238E27FC236}">
+                <a16:creationId xmlns:a16="http://schemas.microsoft.com/office/drawing/2014/main" id="{28FD4F99-E457-EBE7-76DC-E8221147AD43}"/>
+              </a:ext>
+            </a:extLst>
+          </p:cNvPr>
+          <p:cNvSpPr>
+            <a:spLocks noGrp="1"/>
+          </p:cNvSpPr>
+          <p:nvPr>
+            <p:ph type="title"/>
+          </p:nvPr>
+        </p:nvSpPr>
+        <p:spPr/>
+        <p:txBody>
+          <a:bodyPr/>
+          <a:lstStyle/>
+          <a:p>
+            <a:r>
+              <a:rPr lang="en-US" dirty="0"/>
+              <a:t>References</a:t>
+            </a:r>
+            <a:endParaRPr lang="en-IN" dirty="0"/>
+          </a:p>
+        </p:txBody>
+      </p:sp>
+      <p:sp>
+        <p:nvSpPr>
+          <p:cNvPr id="3" name="Content Placeholder 2">
+            <a:extLst>
+              <a:ext uri="{FF2B5EF4-FFF2-40B4-BE49-F238E27FC236}">
+                <a16:creationId xmlns:a16="http://schemas.microsoft.com/office/drawing/2014/main" id="{E6EEC701-7F0F-CA6D-9538-3053426D3FDB}"/>
+              </a:ext>
+            </a:extLst>
+          </p:cNvPr>
+          <p:cNvSpPr>
+            <a:spLocks noGrp="1"/>
+          </p:cNvSpPr>
+          <p:nvPr>
+            <p:ph idx="1"/>
+          </p:nvPr>
+        </p:nvSpPr>
+        <p:spPr/>
+        <p:txBody>
+          <a:bodyPr>
+            <a:normAutofit fontScale="85000" lnSpcReduction="10000"/>
+          </a:bodyPr>
+          <a:lstStyle/>
+          <a:p>
+            <a:pPr marL="514350" indent="-514350" algn="just">
+              <a:buFont typeface="+mj-lt"/>
+              <a:buAutoNum type="arabicPeriod" startAt="17"/>
+            </a:pPr>
+            <a:r>
+              <a:rPr lang="en-IN" dirty="0"/>
+              <a:t>Hafner, M., </a:t>
+            </a:r>
+            <a:r>
+              <a:rPr lang="en-IN" dirty="0" err="1"/>
+              <a:t>Katsantoni</a:t>
+            </a:r>
+            <a:r>
+              <a:rPr lang="en-IN" dirty="0"/>
+              <a:t>, M., Köster, T., Marks, J., Mukherjee, J., Staiger, D., Ule, J. and </a:t>
+            </a:r>
+            <a:r>
+              <a:rPr lang="en-IN" dirty="0" err="1"/>
+              <a:t>Zavolan</a:t>
+            </a:r>
+            <a:r>
+              <a:rPr lang="en-IN" dirty="0"/>
+              <a:t>, M., 2021. CLIP and complementary methods. </a:t>
+            </a:r>
+            <a:r>
+              <a:rPr lang="en-IN" i="1" dirty="0"/>
+              <a:t>Nature Reviews Methods Primers</a:t>
+            </a:r>
+            <a:r>
+              <a:rPr lang="en-IN" dirty="0"/>
+              <a:t>, </a:t>
+            </a:r>
+            <a:r>
+              <a:rPr lang="en-IN" i="1" dirty="0"/>
+              <a:t>1</a:t>
+            </a:r>
+            <a:r>
+              <a:rPr lang="en-IN" dirty="0"/>
+              <a:t>(1), p.20.  </a:t>
+            </a:r>
+          </a:p>
+          <a:p>
+            <a:pPr marL="514350" indent="-514350" algn="just">
+              <a:buFont typeface="+mj-lt"/>
+              <a:buAutoNum type="arabicPeriod" startAt="17"/>
+            </a:pPr>
+            <a:r>
+              <a:rPr lang="en-IN" dirty="0"/>
+              <a:t>Wang, J., Mao, Y., Guan, N. and Xue, C.J., 2024. SHAP-CAT: A interpretable multi-modal framework enhancing WSI classification via virtual staining and </a:t>
+            </a:r>
+            <a:r>
+              <a:rPr lang="en-IN" dirty="0" err="1"/>
+              <a:t>shapley</a:t>
+            </a:r>
+            <a:r>
+              <a:rPr lang="en-IN" dirty="0"/>
+              <a:t>-value-based multimodal fusion. </a:t>
+            </a:r>
+            <a:r>
+              <a:rPr lang="en-IN" i="1" dirty="0" err="1"/>
+              <a:t>arXiv</a:t>
+            </a:r>
+            <a:r>
+              <a:rPr lang="en-IN" i="1" dirty="0"/>
+              <a:t> preprint arXiv:2410.01408</a:t>
+            </a:r>
+            <a:r>
+              <a:rPr lang="en-IN" dirty="0"/>
+              <a:t>. </a:t>
+            </a:r>
+          </a:p>
+          <a:p>
+            <a:pPr marL="514350" indent="-514350" algn="just">
+              <a:buFont typeface="+mj-lt"/>
+              <a:buAutoNum type="arabicPeriod" startAt="17"/>
+            </a:pPr>
+            <a:r>
+              <a:rPr lang="en-IN" dirty="0"/>
+              <a:t>Liu, S., Zeng, Z., Ren, T., Li, F., Zhang, H., Yang, J., Jiang, Q., Li, C., Yang, J., Su, H. and Zhu, J., 2024, September. Grounding dino: Marrying dino with grounded pre-training for open-set object detection. In </a:t>
+            </a:r>
+            <a:r>
+              <a:rPr lang="en-IN" i="1" dirty="0"/>
+              <a:t>European Conference on Computer Vision</a:t>
+            </a:r>
+            <a:r>
+              <a:rPr lang="en-IN" dirty="0"/>
+              <a:t> (pp. 38-55). Cham: Springer Nature Switzerland. </a:t>
+            </a:r>
+          </a:p>
+          <a:p>
+            <a:pPr marL="514350" indent="-514350" algn="just">
+              <a:buFont typeface="+mj-lt"/>
+              <a:buAutoNum type="arabicPeriod" startAt="17"/>
+            </a:pPr>
+            <a:r>
+              <a:rPr lang="en-US" dirty="0"/>
+              <a:t>Choi, H., Jin, S. and Han, K., 2024. ICEv2: Interpretability, Comprehensiveness, and Explainability in Vision Transformer. </a:t>
+            </a:r>
+            <a:r>
+              <a:rPr lang="en-US" i="1" dirty="0"/>
+              <a:t>International Journal of Computer Vision</a:t>
+            </a:r>
+            <a:r>
+              <a:rPr lang="en-US" dirty="0"/>
+              <a:t>, pp.1-18.  </a:t>
+            </a:r>
+            <a:endParaRPr lang="en-IN" dirty="0"/>
+          </a:p>
+          <a:p>
+            <a:endParaRPr lang="en-IN" dirty="0"/>
+          </a:p>
+          <a:p>
+            <a:endParaRPr lang="en-US" dirty="0"/>
+          </a:p>
+        </p:txBody>
+      </p:sp>
+      <p:pic>
+        <p:nvPicPr>
+          <p:cNvPr id="6" name="Picture 5">
+            <a:extLst>
+              <a:ext uri="{FF2B5EF4-FFF2-40B4-BE49-F238E27FC236}">
+                <a16:creationId xmlns:a16="http://schemas.microsoft.com/office/drawing/2014/main" id="{46ED8F8B-9CB3-29F8-98B3-CCC682B15425}"/>
+              </a:ext>
+            </a:extLst>
+          </p:cNvPr>
+          <p:cNvPicPr>
+            <a:picLocks noChangeAspect="1"/>
+          </p:cNvPicPr>
+          <p:nvPr/>
+        </p:nvPicPr>
+        <p:blipFill>
+          <a:blip r:embed="rId2">
+            <a:extLst>
+              <a:ext uri="{28A0092B-C50C-407E-A947-70E740481C1C}">
+                <a14:useLocalDpi xmlns:a14="http://schemas.microsoft.com/office/drawing/2010/main" val="0"/>
+              </a:ext>
+            </a:extLst>
+          </a:blip>
+          <a:stretch>
+            <a:fillRect/>
+          </a:stretch>
+        </p:blipFill>
+        <p:spPr>
+          <a:xfrm>
+            <a:off x="10094490" y="0"/>
+            <a:ext cx="1863300" cy="1050925"/>
+          </a:xfrm>
+          <a:prstGeom prst="rect">
+            <a:avLst/>
+          </a:prstGeom>
+        </p:spPr>
+      </p:pic>
+      <p:sp>
+        <p:nvSpPr>
+          <p:cNvPr id="4" name="Slide Number Placeholder 3">
+            <a:extLst>
+              <a:ext uri="{FF2B5EF4-FFF2-40B4-BE49-F238E27FC236}">
+                <a16:creationId xmlns:a16="http://schemas.microsoft.com/office/drawing/2014/main" id="{2CD4B700-9345-8DF5-A76C-70C3F87CEAE2}"/>
+              </a:ext>
+            </a:extLst>
+          </p:cNvPr>
+          <p:cNvSpPr>
+            <a:spLocks noGrp="1"/>
+          </p:cNvSpPr>
+          <p:nvPr>
+            <p:ph type="sldNum" sz="quarter" idx="12"/>
+          </p:nvPr>
+        </p:nvSpPr>
+        <p:spPr/>
+        <p:txBody>
+          <a:bodyPr/>
+          <a:lstStyle/>
+          <a:p>
+            <a:fld id="{1DFBB4D5-A254-497C-8800-325BFC8980A0}" type="slidenum">
+              <a:rPr lang="en-IN" smtClean="0"/>
+              <a:t>21</a:t>
+            </a:fld>
+            <a:endParaRPr lang="en-IN" dirty="0"/>
+          </a:p>
+        </p:txBody>
+      </p:sp>
+    </p:spTree>
+    <p:extLst>
+      <p:ext uri="{BB962C8B-B14F-4D97-AF65-F5344CB8AC3E}">
+        <p14:creationId xmlns:p14="http://schemas.microsoft.com/office/powerpoint/2010/main" val="1891650335"/>
+      </p:ext>
+    </p:extLst>
+  </p:cSld>
+  <p:clrMapOvr>
+    <a:masterClrMapping/>
+  </p:clrMapOvr>
+</p:sld>
+</file>
+
+<file path=ppt/slides/slide22.xml><?xml version="1.0" encoding="utf-8"?>
+<p:sld xmlns:a="http://schemas.openxmlformats.org/drawingml/2006/main" xmlns:r="http://schemas.openxmlformats.org/officeDocument/2006/relationships" xmlns:p="http://schemas.openxmlformats.org/presentationml/2006/main">
+  <p:cSld>
+    <p:spTree>
+      <p:nvGrpSpPr>
+        <p:cNvPr id="1" name="">
+          <a:extLst>
+            <a:ext uri="{FF2B5EF4-FFF2-40B4-BE49-F238E27FC236}">
+              <a16:creationId xmlns:a16="http://schemas.microsoft.com/office/drawing/2014/main" id="{B6E8813A-BEB9-8180-C37B-22C898C0B0BD}"/>
+            </a:ext>
+          </a:extLst>
+        </p:cNvPr>
+        <p:cNvGrpSpPr/>
+        <p:nvPr/>
+      </p:nvGrpSpPr>
+      <p:grpSpPr>
+        <a:xfrm>
+          <a:off x="0" y="0"/>
+          <a:ext cx="0" cy="0"/>
+          <a:chOff x="0" y="0"/>
+          <a:chExt cx="0" cy="0"/>
+        </a:xfrm>
+      </p:grpSpPr>
+      <p:sp>
+        <p:nvSpPr>
+          <p:cNvPr id="2" name="Title 1">
+            <a:extLst>
+              <a:ext uri="{FF2B5EF4-FFF2-40B4-BE49-F238E27FC236}">
+                <a16:creationId xmlns:a16="http://schemas.microsoft.com/office/drawing/2014/main" id="{FE618BEC-A07D-27CC-B821-ADB5078AB685}"/>
+              </a:ext>
+            </a:extLst>
+          </p:cNvPr>
+          <p:cNvSpPr>
+            <a:spLocks noGrp="1"/>
+          </p:cNvSpPr>
+          <p:nvPr>
+            <p:ph type="title"/>
+          </p:nvPr>
+        </p:nvSpPr>
+        <p:spPr/>
+        <p:txBody>
+          <a:bodyPr/>
+          <a:lstStyle/>
+          <a:p>
+            <a:r>
+              <a:rPr lang="en-US" dirty="0"/>
+              <a:t>References</a:t>
+            </a:r>
+            <a:endParaRPr lang="en-IN" dirty="0"/>
+          </a:p>
+        </p:txBody>
+      </p:sp>
+      <p:sp>
+        <p:nvSpPr>
+          <p:cNvPr id="3" name="Content Placeholder 2">
+            <a:extLst>
+              <a:ext uri="{FF2B5EF4-FFF2-40B4-BE49-F238E27FC236}">
+                <a16:creationId xmlns:a16="http://schemas.microsoft.com/office/drawing/2014/main" id="{390D3558-4DD6-9241-F7E7-48CFD7178999}"/>
+              </a:ext>
+            </a:extLst>
+          </p:cNvPr>
+          <p:cNvSpPr>
+            <a:spLocks noGrp="1"/>
+          </p:cNvSpPr>
+          <p:nvPr>
+            <p:ph idx="1"/>
+          </p:nvPr>
+        </p:nvSpPr>
+        <p:spPr/>
+        <p:txBody>
+          <a:bodyPr>
+            <a:normAutofit/>
+          </a:bodyPr>
+          <a:lstStyle/>
+          <a:p>
+            <a:pPr marL="514350" indent="-514350" algn="just">
+              <a:buFont typeface="+mj-lt"/>
+              <a:buAutoNum type="arabicPeriod" startAt="21"/>
+            </a:pPr>
+            <a:r>
+              <a:rPr lang="en-US" dirty="0" err="1"/>
+              <a:t>Yellinek</a:t>
+            </a:r>
+            <a:r>
+              <a:rPr lang="en-US" dirty="0"/>
+              <a:t>, N., Karlinsky, L. and </a:t>
+            </a:r>
+            <a:r>
+              <a:rPr lang="en-US" dirty="0" err="1"/>
+              <a:t>Giryes</a:t>
+            </a:r>
+            <a:r>
+              <a:rPr lang="en-US" dirty="0"/>
+              <a:t>, R., 2025. 3VL: Using Trees to Improve Vision-Language Models’ Interpretability. </a:t>
+            </a:r>
+            <a:r>
+              <a:rPr lang="en-US" i="1" dirty="0"/>
+              <a:t>IEEE Transactions on Image Processing</a:t>
+            </a:r>
+            <a:r>
+              <a:rPr lang="en-US" dirty="0"/>
+              <a:t>. </a:t>
+            </a:r>
+          </a:p>
+          <a:p>
+            <a:pPr marL="514350" indent="-514350" algn="just">
+              <a:buFont typeface="+mj-lt"/>
+              <a:buAutoNum type="arabicPeriod" startAt="21"/>
+            </a:pPr>
+            <a:r>
+              <a:rPr lang="en-IN" dirty="0"/>
+              <a:t>Kirillov, A., Mintun, E., Ravi, N., Mao, H., Rolland, C., Gustafson, L., Xiao, T., Whitehead, S., Berg, A.C., Lo, W.Y. and </a:t>
+            </a:r>
+            <a:r>
+              <a:rPr lang="en-IN" dirty="0" err="1"/>
+              <a:t>Dollár</a:t>
+            </a:r>
+            <a:r>
+              <a:rPr lang="en-IN" dirty="0"/>
+              <a:t>, P., 2023. Segment anything. In </a:t>
+            </a:r>
+            <a:r>
+              <a:rPr lang="en-IN" i="1" dirty="0"/>
+              <a:t>Proceedings of the IEEE/CVF international conference on computer vision</a:t>
+            </a:r>
+            <a:r>
+              <a:rPr lang="en-IN" dirty="0"/>
+              <a:t> (pp. 4015-4026).</a:t>
+            </a:r>
+            <a:r>
+              <a:rPr lang="en-US" dirty="0"/>
+              <a:t> </a:t>
+            </a:r>
+          </a:p>
+          <a:p>
+            <a:endParaRPr lang="en-US" dirty="0"/>
+          </a:p>
+        </p:txBody>
+      </p:sp>
+      <p:pic>
+        <p:nvPicPr>
+          <p:cNvPr id="6" name="Picture 5">
+            <a:extLst>
+              <a:ext uri="{FF2B5EF4-FFF2-40B4-BE49-F238E27FC236}">
+                <a16:creationId xmlns:a16="http://schemas.microsoft.com/office/drawing/2014/main" id="{E235D951-744C-E7FE-987D-E3C7338D4708}"/>
+              </a:ext>
+            </a:extLst>
+          </p:cNvPr>
+          <p:cNvPicPr>
+            <a:picLocks noChangeAspect="1"/>
+          </p:cNvPicPr>
+          <p:nvPr/>
+        </p:nvPicPr>
+        <p:blipFill>
+          <a:blip r:embed="rId2">
+            <a:extLst>
+              <a:ext uri="{28A0092B-C50C-407E-A947-70E740481C1C}">
+                <a14:useLocalDpi xmlns:a14="http://schemas.microsoft.com/office/drawing/2010/main" val="0"/>
+              </a:ext>
+            </a:extLst>
+          </a:blip>
+          <a:stretch>
+            <a:fillRect/>
+          </a:stretch>
+        </p:blipFill>
+        <p:spPr>
+          <a:xfrm>
+            <a:off x="10094490" y="0"/>
+            <a:ext cx="1863300" cy="1050925"/>
+          </a:xfrm>
+          <a:prstGeom prst="rect">
+            <a:avLst/>
+          </a:prstGeom>
+        </p:spPr>
+      </p:pic>
+      <p:sp>
+        <p:nvSpPr>
+          <p:cNvPr id="4" name="Slide Number Placeholder 3">
+            <a:extLst>
+              <a:ext uri="{FF2B5EF4-FFF2-40B4-BE49-F238E27FC236}">
+                <a16:creationId xmlns:a16="http://schemas.microsoft.com/office/drawing/2014/main" id="{99026041-FB6E-C320-1C9E-B893DE2E2AF3}"/>
+              </a:ext>
+            </a:extLst>
+          </p:cNvPr>
+          <p:cNvSpPr>
+            <a:spLocks noGrp="1"/>
+          </p:cNvSpPr>
+          <p:nvPr>
+            <p:ph type="sldNum" sz="quarter" idx="12"/>
+          </p:nvPr>
+        </p:nvSpPr>
+        <p:spPr/>
+        <p:txBody>
+          <a:bodyPr/>
+          <a:lstStyle/>
+          <a:p>
+            <a:fld id="{1DFBB4D5-A254-497C-8800-325BFC8980A0}" type="slidenum">
+              <a:rPr lang="en-IN" smtClean="0"/>
+              <a:t>22</a:t>
+            </a:fld>
+            <a:endParaRPr lang="en-IN" dirty="0"/>
+          </a:p>
+        </p:txBody>
+      </p:sp>
+    </p:spTree>
+    <p:extLst>
+      <p:ext uri="{BB962C8B-B14F-4D97-AF65-F5344CB8AC3E}">
+        <p14:creationId xmlns:p14="http://schemas.microsoft.com/office/powerpoint/2010/main" val="1112140843"/>
+      </p:ext>
+    </p:extLst>
+  </p:cSld>
+  <p:clrMapOvr>
+    <a:masterClrMapping/>
+  </p:clrMapOvr>
+</p:sld>
+</file>
+
+<file path=ppt/slides/slide23.xml><?xml version="1.0" encoding="utf-8"?>
+<p:sld xmlns:a="http://schemas.openxmlformats.org/drawingml/2006/main" xmlns:r="http://schemas.openxmlformats.org/officeDocument/2006/relationships" xmlns:p="http://schemas.openxmlformats.org/presentationml/2006/main">
+  <p:cSld>
+    <p:spTree>
+      <p:nvGrpSpPr>
+        <p:cNvPr id="1" name=""/>
+        <p:cNvGrpSpPr/>
+        <p:nvPr/>
+      </p:nvGrpSpPr>
+      <p:grpSpPr>
+        <a:xfrm>
+          <a:off x="0" y="0"/>
+          <a:ext cx="0" cy="0"/>
+          <a:chOff x="0" y="0"/>
+          <a:chExt cx="0" cy="0"/>
+        </a:xfrm>
+      </p:grpSpPr>
+      <p:sp>
+        <p:nvSpPr>
+          <p:cNvPr id="2" name="Title 1">
+            <a:extLst>
+              <a:ext uri="{FF2B5EF4-FFF2-40B4-BE49-F238E27FC236}">
+                <a16:creationId xmlns:a16="http://schemas.microsoft.com/office/drawing/2014/main" id="{E886F63C-0B46-0818-F277-4E7B2A05B6FC}"/>
+              </a:ext>
+            </a:extLst>
+          </p:cNvPr>
+          <p:cNvSpPr>
+            <a:spLocks noGrp="1"/>
+          </p:cNvSpPr>
+          <p:nvPr>
+            <p:ph type="title"/>
+          </p:nvPr>
+        </p:nvSpPr>
+        <p:spPr>
+          <a:xfrm>
+            <a:off x="5172683" y="2766218"/>
+            <a:ext cx="1846634" cy="1325563"/>
+          </a:xfrm>
+        </p:spPr>
+        <p:txBody>
+          <a:bodyPr/>
+          <a:lstStyle/>
+          <a:p>
+            <a:r>
+              <a:rPr lang="en-US" dirty="0"/>
+              <a:t>Thanks</a:t>
+            </a:r>
+            <a:endParaRPr lang="en-IN" dirty="0"/>
+          </a:p>
+        </p:txBody>
+      </p:sp>
+      <p:sp>
+        <p:nvSpPr>
+          <p:cNvPr id="3" name="Slide Number Placeholder 2">
+            <a:extLst>
+              <a:ext uri="{FF2B5EF4-FFF2-40B4-BE49-F238E27FC236}">
+                <a16:creationId xmlns:a16="http://schemas.microsoft.com/office/drawing/2014/main" id="{B387924B-E397-B06A-6003-8DDC99A03C41}"/>
+              </a:ext>
+            </a:extLst>
+          </p:cNvPr>
+          <p:cNvSpPr>
+            <a:spLocks noGrp="1"/>
+          </p:cNvSpPr>
+          <p:nvPr>
+            <p:ph type="sldNum" sz="quarter" idx="12"/>
+          </p:nvPr>
+        </p:nvSpPr>
+        <p:spPr/>
+        <p:txBody>
+          <a:bodyPr/>
+          <a:lstStyle/>
+          <a:p>
+            <a:fld id="{1DFBB4D5-A254-497C-8800-325BFC8980A0}" type="slidenum">
+              <a:rPr lang="en-IN" smtClean="0"/>
+              <a:t>23</a:t>
+            </a:fld>
+            <a:endParaRPr lang="en-IN" dirty="0"/>
+          </a:p>
+        </p:txBody>
+      </p:sp>
+    </p:spTree>
+    <p:extLst>
+      <p:ext uri="{BB962C8B-B14F-4D97-AF65-F5344CB8AC3E}">
+        <p14:creationId xmlns:p14="http://schemas.microsoft.com/office/powerpoint/2010/main" val="392928508"/>
       </p:ext>
     </p:extLst>
   </p:cSld>
@@ -4864,7 +9292,7 @@
           <p:cNvPr id="2" name="Title 1">
             <a:extLst>
               <a:ext uri="{FF2B5EF4-FFF2-40B4-BE49-F238E27FC236}">
-                <a16:creationId xmlns:a16="http://schemas.microsoft.com/office/drawing/2014/main" id="{58792A5C-E290-ED60-BE03-23D50EA0A7D1}"/>
+                <a16:creationId xmlns:a16="http://schemas.microsoft.com/office/drawing/2014/main" id="{AAF37ACD-6835-3853-980B-59A98CE128A5}"/>
               </a:ext>
             </a:extLst>
           </p:cNvPr>
@@ -4893,7 +9321,7 @@
           <p:cNvPr id="3" name="Content Placeholder 2">
             <a:extLst>
               <a:ext uri="{FF2B5EF4-FFF2-40B4-BE49-F238E27FC236}">
-                <a16:creationId xmlns:a16="http://schemas.microsoft.com/office/drawing/2014/main" id="{3D803B53-5BB2-C2FD-BABA-9481A877CFBD}"/>
+                <a16:creationId xmlns:a16="http://schemas.microsoft.com/office/drawing/2014/main" id="{0A3AC4C8-01A8-14C7-68F4-239E3EC798C6}"/>
               </a:ext>
             </a:extLst>
           </p:cNvPr>
@@ -4909,26 +9337,29 @@
           <a:bodyPr/>
           <a:lstStyle/>
           <a:p>
+            <a:pPr algn="just"/>
             <a:r>
               <a:rPr lang="en-US" b="1" dirty="0"/>
-              <a:t>AI Models as Black Boxes</a:t>
+              <a:t>AI Models as Black Boxes </a:t>
             </a:r>
             <a:r>
               <a:rPr lang="en-US" dirty="0"/>
-              <a:t> – Large models like transformers lack transparency, making decisions hard to interpret.</a:t>
-            </a:r>
-          </a:p>
-          <a:p>
+              <a:t>– Large models like transformers lack transparency, making decisions hard to interpret</a:t>
+            </a:r>
+          </a:p>
+          <a:p>
+            <a:pPr algn="just"/>
             <a:r>
               <a:rPr lang="en-US" b="1" dirty="0"/>
-              <a:t>Trust &amp; Transparency</a:t>
+              <a:t>Trust &amp; Transparency </a:t>
             </a:r>
             <a:r>
               <a:rPr lang="en-US" dirty="0"/>
-              <a:t> – Explainability ensures users and stakeholders can trust AI predictions. (healthcare, finance etc.)</a:t>
-            </a:r>
-          </a:p>
-          <a:p>
+              <a:t>– Explainability ensures users and stakeholders can trust AI predictions. (healthcare, finance etc.)</a:t>
+            </a:r>
+          </a:p>
+          <a:p>
+            <a:pPr algn="just"/>
             <a:r>
               <a:rPr lang="en-US" b="1" dirty="0"/>
               <a:t>Challenges</a:t>
@@ -4937,18 +9368,45 @@
               <a:rPr lang="en-US" dirty="0"/>
               <a:t> – Trade-off between accuracy and interpretability; scaling explainability to large models is difficult.</a:t>
             </a:r>
-          </a:p>
-          <a:p>
+            <a:endParaRPr lang="en-IN" dirty="0"/>
+          </a:p>
+        </p:txBody>
+      </p:sp>
+      <p:sp>
+        <p:nvSpPr>
+          <p:cNvPr id="4" name="Slide Number Placeholder 3">
+            <a:extLst>
+              <a:ext uri="{FF2B5EF4-FFF2-40B4-BE49-F238E27FC236}">
+                <a16:creationId xmlns:a16="http://schemas.microsoft.com/office/drawing/2014/main" id="{9688BE31-C8CD-ABFF-8411-03A7F7DCAEBA}"/>
+              </a:ext>
+            </a:extLst>
+          </p:cNvPr>
+          <p:cNvSpPr>
+            <a:spLocks noGrp="1"/>
+          </p:cNvSpPr>
+          <p:nvPr>
+            <p:ph type="sldNum" sz="quarter" idx="12"/>
+          </p:nvPr>
+        </p:nvSpPr>
+        <p:spPr/>
+        <p:txBody>
+          <a:bodyPr/>
+          <a:lstStyle/>
+          <a:p>
+            <a:fld id="{1DFBB4D5-A254-497C-8800-325BFC8980A0}" type="slidenum">
+              <a:rPr lang="en-IN" smtClean="0"/>
+              <a:t>3</a:t>
+            </a:fld>
             <a:endParaRPr lang="en-IN" dirty="0"/>
           </a:p>
         </p:txBody>
       </p:sp>
       <p:pic>
         <p:nvPicPr>
-          <p:cNvPr id="6" name="Picture 5">
+          <p:cNvPr id="5" name="Picture 4">
             <a:extLst>
               <a:ext uri="{FF2B5EF4-FFF2-40B4-BE49-F238E27FC236}">
-                <a16:creationId xmlns:a16="http://schemas.microsoft.com/office/drawing/2014/main" id="{30B26482-8A3D-B5C1-FC64-E255E62013EF}"/>
+                <a16:creationId xmlns:a16="http://schemas.microsoft.com/office/drawing/2014/main" id="{B5AC2F28-1DC4-E2FD-7D1E-BCF6C5448F2E}"/>
               </a:ext>
             </a:extLst>
           </p:cNvPr>
@@ -4982,7 +9440,7 @@
     </p:spTree>
     <p:extLst>
       <p:ext uri="{BB962C8B-B14F-4D97-AF65-F5344CB8AC3E}">
-        <p14:creationId xmlns:p14="http://schemas.microsoft.com/office/powerpoint/2010/main" val="2373246322"/>
+        <p14:creationId xmlns:p14="http://schemas.microsoft.com/office/powerpoint/2010/main" val="3985751584"/>
       </p:ext>
     </p:extLst>
   </p:cSld>
@@ -4993,6 +9451,339 @@
 </file>
 
 <file path=ppt/slides/slide4.xml><?xml version="1.0" encoding="utf-8"?>
+<p:sld xmlns:a="http://schemas.openxmlformats.org/drawingml/2006/main" xmlns:r="http://schemas.openxmlformats.org/officeDocument/2006/relationships" xmlns:p="http://schemas.openxmlformats.org/presentationml/2006/main">
+  <p:cSld>
+    <p:spTree>
+      <p:nvGrpSpPr>
+        <p:cNvPr id="1" name="">
+          <a:extLst>
+            <a:ext uri="{FF2B5EF4-FFF2-40B4-BE49-F238E27FC236}">
+              <a16:creationId xmlns:a16="http://schemas.microsoft.com/office/drawing/2014/main" id="{71C9843C-1A09-1301-2873-FD70CE7635A3}"/>
+            </a:ext>
+          </a:extLst>
+        </p:cNvPr>
+        <p:cNvGrpSpPr/>
+        <p:nvPr/>
+      </p:nvGrpSpPr>
+      <p:grpSpPr>
+        <a:xfrm>
+          <a:off x="0" y="0"/>
+          <a:ext cx="0" cy="0"/>
+          <a:chOff x="0" y="0"/>
+          <a:chExt cx="0" cy="0"/>
+        </a:xfrm>
+      </p:grpSpPr>
+      <p:sp>
+        <p:nvSpPr>
+          <p:cNvPr id="2" name="Title 1">
+            <a:extLst>
+              <a:ext uri="{FF2B5EF4-FFF2-40B4-BE49-F238E27FC236}">
+                <a16:creationId xmlns:a16="http://schemas.microsoft.com/office/drawing/2014/main" id="{EB5F3B1C-2B4C-F789-AD78-2823CF3078C5}"/>
+              </a:ext>
+            </a:extLst>
+          </p:cNvPr>
+          <p:cNvSpPr>
+            <a:spLocks noGrp="1"/>
+          </p:cNvSpPr>
+          <p:nvPr>
+            <p:ph type="title"/>
+          </p:nvPr>
+        </p:nvSpPr>
+        <p:spPr/>
+        <p:txBody>
+          <a:bodyPr/>
+          <a:lstStyle/>
+          <a:p>
+            <a:r>
+              <a:rPr lang="en-US" dirty="0"/>
+              <a:t>Introduction</a:t>
+            </a:r>
+            <a:endParaRPr lang="en-IN" dirty="0"/>
+          </a:p>
+        </p:txBody>
+      </p:sp>
+      <p:pic>
+        <p:nvPicPr>
+          <p:cNvPr id="6" name="Picture 5">
+            <a:extLst>
+              <a:ext uri="{FF2B5EF4-FFF2-40B4-BE49-F238E27FC236}">
+                <a16:creationId xmlns:a16="http://schemas.microsoft.com/office/drawing/2014/main" id="{15FE4E3E-1A66-DD15-D426-E9A613D48DCB}"/>
+              </a:ext>
+            </a:extLst>
+          </p:cNvPr>
+          <p:cNvPicPr>
+            <a:picLocks noChangeAspect="1"/>
+          </p:cNvPicPr>
+          <p:nvPr/>
+        </p:nvPicPr>
+        <p:blipFill>
+          <a:blip r:embed="rId2">
+            <a:extLst>
+              <a:ext uri="{28A0092B-C50C-407E-A947-70E740481C1C}">
+                <a14:useLocalDpi xmlns:a14="http://schemas.microsoft.com/office/drawing/2010/main" val="0"/>
+              </a:ext>
+            </a:extLst>
+          </a:blip>
+          <a:stretch>
+            <a:fillRect/>
+          </a:stretch>
+        </p:blipFill>
+        <p:spPr>
+          <a:xfrm>
+            <a:off x="10094490" y="0"/>
+            <a:ext cx="1863300" cy="1050925"/>
+          </a:xfrm>
+          <a:prstGeom prst="rect">
+            <a:avLst/>
+          </a:prstGeom>
+        </p:spPr>
+      </p:pic>
+      <p:sp>
+        <p:nvSpPr>
+          <p:cNvPr id="4" name="Slide Number Placeholder 3">
+            <a:extLst>
+              <a:ext uri="{FF2B5EF4-FFF2-40B4-BE49-F238E27FC236}">
+                <a16:creationId xmlns:a16="http://schemas.microsoft.com/office/drawing/2014/main" id="{3DE0721F-3F32-74AC-7439-6789BB5494A4}"/>
+              </a:ext>
+            </a:extLst>
+          </p:cNvPr>
+          <p:cNvSpPr>
+            <a:spLocks noGrp="1"/>
+          </p:cNvSpPr>
+          <p:nvPr>
+            <p:ph type="sldNum" sz="quarter" idx="12"/>
+          </p:nvPr>
+        </p:nvSpPr>
+        <p:spPr/>
+        <p:txBody>
+          <a:bodyPr/>
+          <a:lstStyle/>
+          <a:p>
+            <a:fld id="{1DFBB4D5-A254-497C-8800-325BFC8980A0}" type="slidenum">
+              <a:rPr lang="en-IN" smtClean="0"/>
+              <a:t>4</a:t>
+            </a:fld>
+            <a:endParaRPr lang="en-IN" dirty="0"/>
+          </a:p>
+        </p:txBody>
+      </p:sp>
+      <p:pic>
+        <p:nvPicPr>
+          <p:cNvPr id="5" name="Picture 4">
+            <a:extLst>
+              <a:ext uri="{FF2B5EF4-FFF2-40B4-BE49-F238E27FC236}">
+                <a16:creationId xmlns:a16="http://schemas.microsoft.com/office/drawing/2014/main" id="{1B5EB5B8-856B-41DF-F43B-4A505219E6A7}"/>
+              </a:ext>
+            </a:extLst>
+          </p:cNvPr>
+          <p:cNvPicPr>
+            <a:picLocks noChangeAspect="1"/>
+          </p:cNvPicPr>
+          <p:nvPr/>
+        </p:nvPicPr>
+        <p:blipFill>
+          <a:blip r:embed="rId3">
+            <a:extLst>
+              <a:ext uri="{28A0092B-C50C-407E-A947-70E740481C1C}">
+                <a14:useLocalDpi xmlns:a14="http://schemas.microsoft.com/office/drawing/2010/main" val="0"/>
+              </a:ext>
+            </a:extLst>
+          </a:blip>
+          <a:srcRect l="290" t="9028" r="1061" b="5113"/>
+          <a:stretch/>
+        </p:blipFill>
+        <p:spPr>
+          <a:xfrm>
+            <a:off x="835646" y="1690687"/>
+            <a:ext cx="6097322" cy="2653413"/>
+          </a:xfrm>
+          <a:prstGeom prst="rect">
+            <a:avLst/>
+          </a:prstGeom>
+        </p:spPr>
+      </p:pic>
+      <p:pic>
+        <p:nvPicPr>
+          <p:cNvPr id="10" name="Picture 9">
+            <a:extLst>
+              <a:ext uri="{FF2B5EF4-FFF2-40B4-BE49-F238E27FC236}">
+                <a16:creationId xmlns:a16="http://schemas.microsoft.com/office/drawing/2014/main" id="{92209D44-46E3-31FC-6687-106FAA95EFBA}"/>
+              </a:ext>
+            </a:extLst>
+          </p:cNvPr>
+          <p:cNvPicPr>
+            <a:picLocks noChangeAspect="1"/>
+          </p:cNvPicPr>
+          <p:nvPr/>
+        </p:nvPicPr>
+        <p:blipFill>
+          <a:blip r:embed="rId4"/>
+          <a:stretch>
+            <a:fillRect/>
+          </a:stretch>
+        </p:blipFill>
+        <p:spPr>
+          <a:xfrm>
+            <a:off x="9021086" y="1690688"/>
+            <a:ext cx="2474228" cy="1858521"/>
+          </a:xfrm>
+          <a:prstGeom prst="rect">
+            <a:avLst/>
+          </a:prstGeom>
+        </p:spPr>
+      </p:pic>
+      <p:sp>
+        <p:nvSpPr>
+          <p:cNvPr id="11" name="TextBox 10">
+            <a:extLst>
+              <a:ext uri="{FF2B5EF4-FFF2-40B4-BE49-F238E27FC236}">
+                <a16:creationId xmlns:a16="http://schemas.microsoft.com/office/drawing/2014/main" id="{8B2AB572-B645-67EE-AA10-0E9CB6E25742}"/>
+              </a:ext>
+            </a:extLst>
+          </p:cNvPr>
+          <p:cNvSpPr txBox="1"/>
+          <p:nvPr/>
+        </p:nvSpPr>
+        <p:spPr>
+          <a:xfrm>
+            <a:off x="6330042" y="1369382"/>
+            <a:ext cx="601437" cy="369332"/>
+          </a:xfrm>
+          <a:prstGeom prst="rect">
+            <a:avLst/>
+          </a:prstGeom>
+          <a:noFill/>
+        </p:spPr>
+        <p:txBody>
+          <a:bodyPr wrap="square" rtlCol="0">
+            <a:spAutoFit/>
+          </a:bodyPr>
+          <a:lstStyle/>
+          <a:p>
+            <a:r>
+              <a:rPr lang="en-US" dirty="0"/>
+              <a:t>VQA</a:t>
+            </a:r>
+            <a:endParaRPr lang="en-IN" dirty="0"/>
+          </a:p>
+        </p:txBody>
+      </p:sp>
+      <p:sp>
+        <p:nvSpPr>
+          <p:cNvPr id="12" name="TextBox 11">
+            <a:extLst>
+              <a:ext uri="{FF2B5EF4-FFF2-40B4-BE49-F238E27FC236}">
+                <a16:creationId xmlns:a16="http://schemas.microsoft.com/office/drawing/2014/main" id="{4DAB1B18-AA09-324B-E32D-1680D4CB89D4}"/>
+              </a:ext>
+            </a:extLst>
+          </p:cNvPr>
+          <p:cNvSpPr txBox="1"/>
+          <p:nvPr/>
+        </p:nvSpPr>
+        <p:spPr>
+          <a:xfrm>
+            <a:off x="9976402" y="1345030"/>
+            <a:ext cx="1518912" cy="369332"/>
+          </a:xfrm>
+          <a:prstGeom prst="rect">
+            <a:avLst/>
+          </a:prstGeom>
+          <a:noFill/>
+        </p:spPr>
+        <p:txBody>
+          <a:bodyPr wrap="square" rtlCol="0">
+            <a:spAutoFit/>
+          </a:bodyPr>
+          <a:lstStyle/>
+          <a:p>
+            <a:r>
+              <a:rPr lang="en-US" dirty="0"/>
+              <a:t>Segmentation</a:t>
+            </a:r>
+            <a:endParaRPr lang="en-IN" dirty="0"/>
+          </a:p>
+        </p:txBody>
+      </p:sp>
+      <p:pic>
+        <p:nvPicPr>
+          <p:cNvPr id="14" name="Picture 13">
+            <a:extLst>
+              <a:ext uri="{FF2B5EF4-FFF2-40B4-BE49-F238E27FC236}">
+                <a16:creationId xmlns:a16="http://schemas.microsoft.com/office/drawing/2014/main" id="{C02DF05D-3E94-4D99-4472-10CD420D3BE6}"/>
+              </a:ext>
+            </a:extLst>
+          </p:cNvPr>
+          <p:cNvPicPr>
+            <a:picLocks noChangeAspect="1"/>
+          </p:cNvPicPr>
+          <p:nvPr/>
+        </p:nvPicPr>
+        <p:blipFill>
+          <a:blip r:embed="rId5"/>
+          <a:stretch>
+            <a:fillRect/>
+          </a:stretch>
+        </p:blipFill>
+        <p:spPr>
+          <a:xfrm>
+            <a:off x="5513781" y="4545176"/>
+            <a:ext cx="5981533" cy="1728766"/>
+          </a:xfrm>
+          <a:prstGeom prst="rect">
+            <a:avLst/>
+          </a:prstGeom>
+        </p:spPr>
+      </p:pic>
+      <p:sp>
+        <p:nvSpPr>
+          <p:cNvPr id="17" name="TextBox 16">
+            <a:extLst>
+              <a:ext uri="{FF2B5EF4-FFF2-40B4-BE49-F238E27FC236}">
+                <a16:creationId xmlns:a16="http://schemas.microsoft.com/office/drawing/2014/main" id="{2815C536-2630-9346-5CBF-DFE60C53006A}"/>
+              </a:ext>
+            </a:extLst>
+          </p:cNvPr>
+          <p:cNvSpPr txBox="1"/>
+          <p:nvPr/>
+        </p:nvSpPr>
+        <p:spPr>
+          <a:xfrm>
+            <a:off x="10094490" y="4199917"/>
+            <a:ext cx="1395864" cy="369332"/>
+          </a:xfrm>
+          <a:prstGeom prst="rect">
+            <a:avLst/>
+          </a:prstGeom>
+          <a:noFill/>
+        </p:spPr>
+        <p:txBody>
+          <a:bodyPr wrap="square" rtlCol="0">
+            <a:spAutoFit/>
+          </a:bodyPr>
+          <a:lstStyle/>
+          <a:p>
+            <a:r>
+              <a:rPr lang="en-US" dirty="0"/>
+              <a:t>Classification</a:t>
+            </a:r>
+            <a:endParaRPr lang="en-IN" dirty="0"/>
+          </a:p>
+        </p:txBody>
+      </p:sp>
+    </p:spTree>
+    <p:extLst>
+      <p:ext uri="{BB962C8B-B14F-4D97-AF65-F5344CB8AC3E}">
+        <p14:creationId xmlns:p14="http://schemas.microsoft.com/office/powerpoint/2010/main" val="3006816143"/>
+      </p:ext>
+    </p:extLst>
+  </p:cSld>
+  <p:clrMapOvr>
+    <a:masterClrMapping/>
+  </p:clrMapOvr>
+</p:sld>
+</file>
+
+<file path=ppt/slides/slide5.xml><?xml version="1.0" encoding="utf-8"?>
 <p:sld xmlns:a="http://schemas.openxmlformats.org/drawingml/2006/main" xmlns:r="http://schemas.openxmlformats.org/officeDocument/2006/relationships" xmlns:p="http://schemas.openxmlformats.org/presentationml/2006/main">
   <p:cSld>
     <p:spTree>
@@ -5058,7 +9849,7 @@
           <p:nvPr>
             <p:extLst>
               <p:ext uri="{D42A27DB-BD31-4B8C-83A1-F6EECF244321}">
-                <p14:modId xmlns:p14="http://schemas.microsoft.com/office/powerpoint/2010/main" val="1107820966"/>
+                <p14:modId xmlns:p14="http://schemas.microsoft.com/office/powerpoint/2010/main" val="3819484243"/>
               </p:ext>
             </p:extLst>
           </p:nvPr>
@@ -5132,7 +9923,7 @@
                     <a:p>
                       <a:r>
                         <a:rPr lang="en-US" dirty="0"/>
-                        <a:t>Sr No </a:t>
+                        <a:t>Ref No </a:t>
                       </a:r>
                       <a:endParaRPr lang="en-IN" dirty="0"/>
                     </a:p>
@@ -5216,7 +10007,7 @@
                     <a:p>
                       <a:r>
                         <a:rPr lang="en-US" dirty="0"/>
-                        <a:t>Information</a:t>
+                        <a:t>Approach</a:t>
                       </a:r>
                       <a:endParaRPr lang="en-IN" dirty="0"/>
                     </a:p>
@@ -5758,6 +10549,35 @@
           </a:prstGeom>
         </p:spPr>
       </p:pic>
+      <p:sp>
+        <p:nvSpPr>
+          <p:cNvPr id="3" name="Slide Number Placeholder 2">
+            <a:extLst>
+              <a:ext uri="{FF2B5EF4-FFF2-40B4-BE49-F238E27FC236}">
+                <a16:creationId xmlns:a16="http://schemas.microsoft.com/office/drawing/2014/main" id="{FCD75077-7B0D-D8FF-DB96-3A1A97A88105}"/>
+              </a:ext>
+            </a:extLst>
+          </p:cNvPr>
+          <p:cNvSpPr>
+            <a:spLocks noGrp="1"/>
+          </p:cNvSpPr>
+          <p:nvPr>
+            <p:ph type="sldNum" sz="quarter" idx="12"/>
+          </p:nvPr>
+        </p:nvSpPr>
+        <p:spPr/>
+        <p:txBody>
+          <a:bodyPr/>
+          <a:lstStyle/>
+          <a:p>
+            <a:fld id="{1DFBB4D5-A254-497C-8800-325BFC8980A0}" type="slidenum">
+              <a:rPr lang="en-IN" smtClean="0"/>
+              <a:t>5</a:t>
+            </a:fld>
+            <a:endParaRPr lang="en-IN" dirty="0"/>
+          </a:p>
+        </p:txBody>
+      </p:sp>
     </p:spTree>
     <p:extLst>
       <p:ext uri="{BB962C8B-B14F-4D97-AF65-F5344CB8AC3E}">
@@ -5771,7 +10591,7 @@
 </p:sld>
 </file>
 
-<file path=ppt/slides/slide5.xml><?xml version="1.0" encoding="utf-8"?>
+<file path=ppt/slides/slide6.xml><?xml version="1.0" encoding="utf-8"?>
 <p:sld xmlns:a="http://schemas.openxmlformats.org/drawingml/2006/main" xmlns:r="http://schemas.openxmlformats.org/officeDocument/2006/relationships" xmlns:p="http://schemas.openxmlformats.org/presentationml/2006/main">
   <p:cSld>
     <p:spTree>
@@ -5843,7 +10663,7 @@
           <p:nvPr>
             <p:extLst>
               <p:ext uri="{D42A27DB-BD31-4B8C-83A1-F6EECF244321}">
-                <p14:modId xmlns:p14="http://schemas.microsoft.com/office/powerpoint/2010/main" val="3642626757"/>
+                <p14:modId xmlns:p14="http://schemas.microsoft.com/office/powerpoint/2010/main" val="3269668752"/>
               </p:ext>
             </p:extLst>
           </p:nvPr>
@@ -5917,7 +10737,7 @@
                     <a:p>
                       <a:r>
                         <a:rPr lang="en-US" dirty="0"/>
-                        <a:t>Sr No </a:t>
+                        <a:t>Ref No </a:t>
                       </a:r>
                       <a:endParaRPr lang="en-IN" dirty="0"/>
                     </a:p>
@@ -6001,7 +10821,7 @@
                     <a:p>
                       <a:r>
                         <a:rPr lang="en-US" dirty="0"/>
-                        <a:t>Information</a:t>
+                        <a:t>Approach</a:t>
                       </a:r>
                       <a:endParaRPr lang="en-IN" dirty="0"/>
                     </a:p>
@@ -6490,6 +11310,35 @@
           </a:prstGeom>
         </p:spPr>
       </p:pic>
+      <p:sp>
+        <p:nvSpPr>
+          <p:cNvPr id="3" name="Slide Number Placeholder 2">
+            <a:extLst>
+              <a:ext uri="{FF2B5EF4-FFF2-40B4-BE49-F238E27FC236}">
+                <a16:creationId xmlns:a16="http://schemas.microsoft.com/office/drawing/2014/main" id="{8DEFC86D-1351-6E7C-6F7E-3C745872C626}"/>
+              </a:ext>
+            </a:extLst>
+          </p:cNvPr>
+          <p:cNvSpPr>
+            <a:spLocks noGrp="1"/>
+          </p:cNvSpPr>
+          <p:nvPr>
+            <p:ph type="sldNum" sz="quarter" idx="12"/>
+          </p:nvPr>
+        </p:nvSpPr>
+        <p:spPr/>
+        <p:txBody>
+          <a:bodyPr/>
+          <a:lstStyle/>
+          <a:p>
+            <a:fld id="{1DFBB4D5-A254-497C-8800-325BFC8980A0}" type="slidenum">
+              <a:rPr lang="en-IN" smtClean="0"/>
+              <a:t>6</a:t>
+            </a:fld>
+            <a:endParaRPr lang="en-IN" dirty="0"/>
+          </a:p>
+        </p:txBody>
+      </p:sp>
     </p:spTree>
     <p:extLst>
       <p:ext uri="{BB962C8B-B14F-4D97-AF65-F5344CB8AC3E}">
@@ -6503,7 +11352,7 @@
 </p:sld>
 </file>
 
-<file path=ppt/slides/slide6.xml><?xml version="1.0" encoding="utf-8"?>
+<file path=ppt/slides/slide7.xml><?xml version="1.0" encoding="utf-8"?>
 <p:sld xmlns:a="http://schemas.openxmlformats.org/drawingml/2006/main" xmlns:r="http://schemas.openxmlformats.org/officeDocument/2006/relationships" xmlns:p="http://schemas.openxmlformats.org/presentationml/2006/main">
   <p:cSld>
     <p:spTree>
@@ -6575,7 +11424,7 @@
           <p:nvPr>
             <p:extLst>
               <p:ext uri="{D42A27DB-BD31-4B8C-83A1-F6EECF244321}">
-                <p14:modId xmlns:p14="http://schemas.microsoft.com/office/powerpoint/2010/main" val="995574935"/>
+                <p14:modId xmlns:p14="http://schemas.microsoft.com/office/powerpoint/2010/main" val="3632701381"/>
               </p:ext>
             </p:extLst>
           </p:nvPr>
@@ -6649,7 +11498,7 @@
                     <a:p>
                       <a:r>
                         <a:rPr lang="en-US" dirty="0"/>
-                        <a:t>Sr No </a:t>
+                        <a:t>Ref No </a:t>
                       </a:r>
                       <a:endParaRPr lang="en-IN" dirty="0"/>
                     </a:p>
@@ -6733,7 +11582,7 @@
                     <a:p>
                       <a:r>
                         <a:rPr lang="en-US" dirty="0"/>
-                        <a:t>Information</a:t>
+                        <a:t>Approach</a:t>
                       </a:r>
                       <a:endParaRPr lang="en-IN" dirty="0"/>
                     </a:p>
@@ -7223,6 +12072,35 @@
           </a:prstGeom>
         </p:spPr>
       </p:pic>
+      <p:sp>
+        <p:nvSpPr>
+          <p:cNvPr id="3" name="Slide Number Placeholder 2">
+            <a:extLst>
+              <a:ext uri="{FF2B5EF4-FFF2-40B4-BE49-F238E27FC236}">
+                <a16:creationId xmlns:a16="http://schemas.microsoft.com/office/drawing/2014/main" id="{726EAEF2-B0DD-A4A9-F601-76E9C4D8C196}"/>
+              </a:ext>
+            </a:extLst>
+          </p:cNvPr>
+          <p:cNvSpPr>
+            <a:spLocks noGrp="1"/>
+          </p:cNvSpPr>
+          <p:nvPr>
+            <p:ph type="sldNum" sz="quarter" idx="12"/>
+          </p:nvPr>
+        </p:nvSpPr>
+        <p:spPr/>
+        <p:txBody>
+          <a:bodyPr/>
+          <a:lstStyle/>
+          <a:p>
+            <a:fld id="{1DFBB4D5-A254-497C-8800-325BFC8980A0}" type="slidenum">
+              <a:rPr lang="en-IN" smtClean="0"/>
+              <a:t>7</a:t>
+            </a:fld>
+            <a:endParaRPr lang="en-IN" dirty="0"/>
+          </a:p>
+        </p:txBody>
+      </p:sp>
     </p:spTree>
     <p:extLst>
       <p:ext uri="{BB962C8B-B14F-4D97-AF65-F5344CB8AC3E}">
@@ -7236,7 +12114,7 @@
 </p:sld>
 </file>
 
-<file path=ppt/slides/slide7.xml><?xml version="1.0" encoding="utf-8"?>
+<file path=ppt/slides/slide8.xml><?xml version="1.0" encoding="utf-8"?>
 <p:sld xmlns:a="http://schemas.openxmlformats.org/drawingml/2006/main" xmlns:r="http://schemas.openxmlformats.org/officeDocument/2006/relationships" xmlns:p="http://schemas.openxmlformats.org/presentationml/2006/main">
   <p:cSld>
     <p:spTree>
@@ -7308,7 +12186,7 @@
           <p:nvPr>
             <p:extLst>
               <p:ext uri="{D42A27DB-BD31-4B8C-83A1-F6EECF244321}">
-                <p14:modId xmlns:p14="http://schemas.microsoft.com/office/powerpoint/2010/main" val="1712055918"/>
+                <p14:modId xmlns:p14="http://schemas.microsoft.com/office/powerpoint/2010/main" val="2679809893"/>
               </p:ext>
             </p:extLst>
           </p:nvPr>
@@ -7382,7 +12260,7 @@
                     <a:p>
                       <a:r>
                         <a:rPr lang="en-US" dirty="0"/>
-                        <a:t>Sr No </a:t>
+                        <a:t>Ref No </a:t>
                       </a:r>
                       <a:endParaRPr lang="en-IN" dirty="0"/>
                     </a:p>
@@ -7466,7 +12344,7 @@
                     <a:p>
                       <a:r>
                         <a:rPr lang="en-US" dirty="0"/>
-                        <a:t>Information</a:t>
+                        <a:t>Approach</a:t>
                       </a:r>
                       <a:endParaRPr lang="en-IN" dirty="0"/>
                     </a:p>
@@ -7928,6 +12806,35 @@
           </a:prstGeom>
         </p:spPr>
       </p:pic>
+      <p:sp>
+        <p:nvSpPr>
+          <p:cNvPr id="3" name="Slide Number Placeholder 2">
+            <a:extLst>
+              <a:ext uri="{FF2B5EF4-FFF2-40B4-BE49-F238E27FC236}">
+                <a16:creationId xmlns:a16="http://schemas.microsoft.com/office/drawing/2014/main" id="{75D5B549-8FC4-7B45-10FC-6ED12C57557D}"/>
+              </a:ext>
+            </a:extLst>
+          </p:cNvPr>
+          <p:cNvSpPr>
+            <a:spLocks noGrp="1"/>
+          </p:cNvSpPr>
+          <p:nvPr>
+            <p:ph type="sldNum" sz="quarter" idx="12"/>
+          </p:nvPr>
+        </p:nvSpPr>
+        <p:spPr/>
+        <p:txBody>
+          <a:bodyPr/>
+          <a:lstStyle/>
+          <a:p>
+            <a:fld id="{1DFBB4D5-A254-497C-8800-325BFC8980A0}" type="slidenum">
+              <a:rPr lang="en-IN" smtClean="0"/>
+              <a:t>8</a:t>
+            </a:fld>
+            <a:endParaRPr lang="en-IN" dirty="0"/>
+          </a:p>
+        </p:txBody>
+      </p:sp>
     </p:spTree>
     <p:extLst>
       <p:ext uri="{BB962C8B-B14F-4D97-AF65-F5344CB8AC3E}">
@@ -7941,7 +12848,7 @@
 </p:sld>
 </file>
 
-<file path=ppt/slides/slide8.xml><?xml version="1.0" encoding="utf-8"?>
+<file path=ppt/slides/slide9.xml><?xml version="1.0" encoding="utf-8"?>
 <p:sld xmlns:a="http://schemas.openxmlformats.org/drawingml/2006/main" xmlns:r="http://schemas.openxmlformats.org/officeDocument/2006/relationships" xmlns:p="http://schemas.openxmlformats.org/presentationml/2006/main">
   <p:cSld>
     <p:spTree>
@@ -8013,14 +12920,14 @@
           <p:nvPr>
             <p:extLst>
               <p:ext uri="{D42A27DB-BD31-4B8C-83A1-F6EECF244321}">
-                <p14:modId xmlns:p14="http://schemas.microsoft.com/office/powerpoint/2010/main" val="3226721355"/>
+                <p14:modId xmlns:p14="http://schemas.microsoft.com/office/powerpoint/2010/main" val="3486628822"/>
               </p:ext>
             </p:extLst>
           </p:nvPr>
         </p:nvGraphicFramePr>
         <p:xfrm>
           <a:off x="962020" y="1310216"/>
-          <a:ext cx="10391780" cy="4059557"/>
+          <a:ext cx="10391780" cy="4406689"/>
         </p:xfrm>
         <a:graphic>
           <a:graphicData uri="http://schemas.openxmlformats.org/drawingml/2006/table">
@@ -8087,7 +12994,7 @@
                     <a:p>
                       <a:r>
                         <a:rPr lang="en-US" dirty="0"/>
-                        <a:t>Sr No </a:t>
+                        <a:t>Ref No </a:t>
                       </a:r>
                       <a:endParaRPr lang="en-IN" dirty="0"/>
                     </a:p>
@@ -8171,7 +13078,7 @@
                     <a:p>
                       <a:r>
                         <a:rPr lang="en-US" dirty="0"/>
-                        <a:t>Information</a:t>
+                        <a:t>Approach</a:t>
                       </a:r>
                       <a:endParaRPr lang="en-IN" dirty="0"/>
                     </a:p>
@@ -8218,46 +13125,106 @@
                     <a:bodyPr/>
                     <a:lstStyle/>
                     <a:p>
-                      <a:endParaRPr lang="en-IN" dirty="0"/>
-                    </a:p>
-                  </a:txBody>
-                  <a:tcPr/>
-                </a:tc>
-                <a:tc>
-                  <a:txBody>
-                    <a:bodyPr/>
-                    <a:lstStyle/>
-                    <a:p>
-                      <a:endParaRPr lang="en-IN" dirty="0"/>
-                    </a:p>
-                  </a:txBody>
-                  <a:tcPr/>
-                </a:tc>
-                <a:tc>
-                  <a:txBody>
-                    <a:bodyPr/>
-                    <a:lstStyle/>
-                    <a:p>
-                      <a:endParaRPr lang="en-IN" dirty="0"/>
-                    </a:p>
-                  </a:txBody>
-                  <a:tcPr/>
-                </a:tc>
-                <a:tc>
-                  <a:txBody>
-                    <a:bodyPr/>
-                    <a:lstStyle/>
-                    <a:p>
-                      <a:endParaRPr lang="en-IN" dirty="0"/>
-                    </a:p>
-                  </a:txBody>
-                  <a:tcPr/>
-                </a:tc>
-                <a:tc>
-                  <a:txBody>
-                    <a:bodyPr/>
-                    <a:lstStyle/>
-                    <a:p>
+                      <a:r>
+                        <a:rPr lang="en-US" dirty="0"/>
+                        <a:t>Joint Embedding Space</a:t>
+                      </a:r>
+                      <a:endParaRPr lang="en-IN" dirty="0"/>
+                    </a:p>
+                  </a:txBody>
+                  <a:tcPr/>
+                </a:tc>
+                <a:tc>
+                  <a:txBody>
+                    <a:bodyPr/>
+                    <a:lstStyle/>
+                    <a:p>
+                      <a:r>
+                        <a:rPr lang="en-IN" sz="1800" kern="1200" dirty="0">
+                          <a:solidFill>
+                            <a:schemeClr val="dk1"/>
+                          </a:solidFill>
+                          <a:effectLst/>
+                          <a:latin typeface="+mn-lt"/>
+                          <a:ea typeface="+mn-ea"/>
+                          <a:cs typeface="+mn-cs"/>
+                        </a:rPr>
+                        <a:t>MS-COCO, Visual Genome, YFCC100M, WIT (self-made)</a:t>
+                      </a:r>
+                      <a:endParaRPr lang="en-IN" dirty="0"/>
+                    </a:p>
+                  </a:txBody>
+                  <a:tcPr/>
+                </a:tc>
+                <a:tc>
+                  <a:txBody>
+                    <a:bodyPr/>
+                    <a:lstStyle/>
+                    <a:p>
+                      <a:r>
+                        <a:rPr lang="en-IN" sz="1800" kern="1200" dirty="0">
+                          <a:solidFill>
+                            <a:schemeClr val="dk1"/>
+                          </a:solidFill>
+                          <a:effectLst/>
+                          <a:latin typeface="+mn-lt"/>
+                          <a:ea typeface="+mn-ea"/>
+                          <a:cs typeface="+mn-cs"/>
+                        </a:rPr>
+                        <a:t>Resnet, </a:t>
+                      </a:r>
+                      <a:r>
+                        <a:rPr lang="en-IN" sz="1800" kern="1200" dirty="0" err="1">
+                          <a:solidFill>
+                            <a:schemeClr val="dk1"/>
+                          </a:solidFill>
+                          <a:effectLst/>
+                          <a:latin typeface="+mn-lt"/>
+                          <a:ea typeface="+mn-ea"/>
+                          <a:cs typeface="+mn-cs"/>
+                        </a:rPr>
+                        <a:t>ViT</a:t>
+                      </a:r>
+                      <a:r>
+                        <a:rPr lang="en-IN" sz="1800" kern="1200" dirty="0">
+                          <a:solidFill>
+                            <a:schemeClr val="dk1"/>
+                          </a:solidFill>
+                          <a:effectLst/>
+                          <a:latin typeface="+mn-lt"/>
+                          <a:ea typeface="+mn-ea"/>
+                          <a:cs typeface="+mn-cs"/>
+                        </a:rPr>
+                        <a:t>, CBOW, Transformer</a:t>
+                      </a:r>
+                      <a:endParaRPr lang="en-IN" dirty="0"/>
+                    </a:p>
+                  </a:txBody>
+                  <a:tcPr/>
+                </a:tc>
+                <a:tc>
+                  <a:txBody>
+                    <a:bodyPr/>
+                    <a:lstStyle/>
+                    <a:p>
+                      <a:r>
+                        <a:rPr lang="en-US" dirty="0"/>
+                        <a:t>Contrastive training</a:t>
+                      </a:r>
+                      <a:endParaRPr lang="en-IN" dirty="0"/>
+                    </a:p>
+                  </a:txBody>
+                  <a:tcPr/>
+                </a:tc>
+                <a:tc>
+                  <a:txBody>
+                    <a:bodyPr/>
+                    <a:lstStyle/>
+                    <a:p>
+                      <a:r>
+                        <a:rPr lang="en-US" dirty="0"/>
+                        <a:t>Minimize cosine similarity between matching pairs of encoded image and text</a:t>
+                      </a:r>
                       <a:endParaRPr lang="en-IN" dirty="0"/>
                     </a:p>
                   </a:txBody>
@@ -8303,46 +13270,109 @@
                     <a:bodyPr/>
                     <a:lstStyle/>
                     <a:p>
-                      <a:endParaRPr lang="en-IN" dirty="0"/>
-                    </a:p>
-                  </a:txBody>
-                  <a:tcPr/>
-                </a:tc>
-                <a:tc>
-                  <a:txBody>
-                    <a:bodyPr/>
-                    <a:lstStyle/>
-                    <a:p>
-                      <a:endParaRPr lang="en-IN" dirty="0"/>
-                    </a:p>
-                  </a:txBody>
-                  <a:tcPr/>
-                </a:tc>
-                <a:tc>
-                  <a:txBody>
-                    <a:bodyPr/>
-                    <a:lstStyle/>
-                    <a:p>
-                      <a:endParaRPr lang="en-IN" dirty="0"/>
-                    </a:p>
-                  </a:txBody>
-                  <a:tcPr/>
-                </a:tc>
-                <a:tc>
-                  <a:txBody>
-                    <a:bodyPr/>
-                    <a:lstStyle/>
-                    <a:p>
-                      <a:endParaRPr lang="en-IN" dirty="0"/>
-                    </a:p>
-                  </a:txBody>
-                  <a:tcPr/>
-                </a:tc>
-                <a:tc>
-                  <a:txBody>
-                    <a:bodyPr/>
-                    <a:lstStyle/>
-                    <a:p>
+                      <a:r>
+                        <a:rPr lang="en-US" dirty="0"/>
+                        <a:t>Inherently</a:t>
+                      </a:r>
+                    </a:p>
+                    <a:p>
+                      <a:r>
+                        <a:rPr lang="en-US" dirty="0"/>
+                        <a:t>Explainable</a:t>
+                      </a:r>
+                      <a:endParaRPr lang="en-IN" dirty="0"/>
+                    </a:p>
+                  </a:txBody>
+                  <a:tcPr/>
+                </a:tc>
+                <a:tc>
+                  <a:txBody>
+                    <a:bodyPr/>
+                    <a:lstStyle/>
+                    <a:p>
+                      <a:pPr marL="0" marR="0" lvl="0" indent="0" algn="l" defTabSz="914400" rtl="0" eaLnBrk="1" fontAlgn="auto" latinLnBrk="0" hangingPunct="1">
+                        <a:lnSpc>
+                          <a:spcPct val="100000"/>
+                        </a:lnSpc>
+                        <a:spcBef>
+                          <a:spcPts val="0"/>
+                        </a:spcBef>
+                        <a:spcAft>
+                          <a:spcPts val="0"/>
+                        </a:spcAft>
+                        <a:buClrTx/>
+                        <a:buSzTx/>
+                        <a:buFontTx/>
+                        <a:buNone/>
+                        <a:tabLst/>
+                        <a:defRPr/>
+                      </a:pPr>
+                      <a:r>
+                        <a:rPr lang="en-US" dirty="0"/>
+                        <a:t>BCI, IHC4BC-ER, IHC4BC-PR</a:t>
+                      </a:r>
+                      <a:endParaRPr lang="en-IN" dirty="0"/>
+                    </a:p>
+                  </a:txBody>
+                  <a:tcPr/>
+                </a:tc>
+                <a:tc>
+                  <a:txBody>
+                    <a:bodyPr/>
+                    <a:lstStyle/>
+                    <a:p>
+                      <a:r>
+                        <a:rPr lang="en-US" dirty="0"/>
+                        <a:t>Resnet50, </a:t>
+                      </a:r>
+                      <a:r>
+                        <a:rPr lang="en-US" dirty="0" err="1"/>
+                        <a:t>ViT</a:t>
+                      </a:r>
+                      <a:r>
+                        <a:rPr lang="en-US" dirty="0"/>
+                        <a:t>, </a:t>
+                      </a:r>
+                      <a:r>
+                        <a:rPr lang="en-US" dirty="0" err="1"/>
+                        <a:t>DenseNet</a:t>
+                      </a:r>
+                      <a:endParaRPr lang="en-IN" dirty="0"/>
+                    </a:p>
+                  </a:txBody>
+                  <a:tcPr/>
+                </a:tc>
+                <a:tc>
+                  <a:txBody>
+                    <a:bodyPr/>
+                    <a:lstStyle/>
+                    <a:p>
+                      <a:r>
+                        <a:rPr lang="en-US" dirty="0"/>
+                        <a:t>Cancer grading</a:t>
+                      </a:r>
+                      <a:endParaRPr lang="en-IN" dirty="0"/>
+                    </a:p>
+                  </a:txBody>
+                  <a:tcPr/>
+                </a:tc>
+                <a:tc>
+                  <a:txBody>
+                    <a:bodyPr/>
+                    <a:lstStyle/>
+                    <a:p>
+                      <a:r>
+                        <a:rPr lang="en-IN" sz="1800" kern="1200" dirty="0">
+                          <a:solidFill>
+                            <a:schemeClr val="dk1"/>
+                          </a:solidFill>
+                          <a:effectLst/>
+                          <a:latin typeface="+mn-lt"/>
+                          <a:ea typeface="+mn-ea"/>
+                          <a:cs typeface="+mn-cs"/>
+                        </a:rPr>
+                        <a:t>Combining various discriminative task vector to SHAP</a:t>
+                      </a:r>
                       <a:endParaRPr lang="en-IN" dirty="0"/>
                     </a:p>
                   </a:txBody>
@@ -8388,47 +13418,140 @@
                     <a:bodyPr/>
                     <a:lstStyle/>
                     <a:p>
-                      <a:endParaRPr lang="en-IN" dirty="0"/>
-                    </a:p>
-                  </a:txBody>
-                  <a:tcPr/>
-                </a:tc>
-                <a:tc>
-                  <a:txBody>
-                    <a:bodyPr/>
-                    <a:lstStyle/>
-                    <a:p>
-                      <a:endParaRPr lang="en-IN" dirty="0"/>
-                    </a:p>
-                  </a:txBody>
-                  <a:tcPr/>
-                </a:tc>
-                <a:tc>
-                  <a:txBody>
-                    <a:bodyPr/>
-                    <a:lstStyle/>
-                    <a:p>
-                      <a:endParaRPr lang="en-IN" dirty="0"/>
-                    </a:p>
-                  </a:txBody>
-                  <a:tcPr/>
-                </a:tc>
-                <a:tc>
-                  <a:txBody>
-                    <a:bodyPr/>
-                    <a:lstStyle/>
-                    <a:p>
-                      <a:endParaRPr lang="en-IN" dirty="0"/>
-                    </a:p>
-                  </a:txBody>
-                  <a:tcPr/>
-                </a:tc>
-                <a:tc>
-                  <a:txBody>
-                    <a:bodyPr/>
-                    <a:lstStyle/>
-                    <a:p>
-                      <a:endParaRPr lang="en-IN" dirty="0"/>
+                      <a:pPr marL="0" marR="0" lvl="0" indent="0" algn="l" defTabSz="914400" rtl="0" eaLnBrk="1" fontAlgn="auto" latinLnBrk="0" hangingPunct="1">
+                        <a:lnSpc>
+                          <a:spcPct val="107000"/>
+                        </a:lnSpc>
+                        <a:spcBef>
+                          <a:spcPts val="0"/>
+                        </a:spcBef>
+                        <a:spcAft>
+                          <a:spcPts val="800"/>
+                        </a:spcAft>
+                        <a:buClrTx/>
+                        <a:buSzTx/>
+                        <a:buFontTx/>
+                        <a:buNone/>
+                        <a:tabLst/>
+                        <a:defRPr/>
+                      </a:pPr>
+                      <a:r>
+                        <a:rPr lang="en-IN" dirty="0"/>
+                        <a:t>Inherently Explainable</a:t>
+                      </a:r>
+                    </a:p>
+                  </a:txBody>
+                  <a:tcPr marL="68580" marR="68580" marT="0" marB="0"/>
+                </a:tc>
+                <a:tc>
+                  <a:txBody>
+                    <a:bodyPr/>
+                    <a:lstStyle/>
+                    <a:p>
+                      <a:pPr marL="0" marR="0" lvl="0" indent="0" algn="l" defTabSz="914400" rtl="0" eaLnBrk="1" fontAlgn="auto" latinLnBrk="0" hangingPunct="1">
+                        <a:lnSpc>
+                          <a:spcPct val="100000"/>
+                        </a:lnSpc>
+                        <a:spcBef>
+                          <a:spcPts val="0"/>
+                        </a:spcBef>
+                        <a:spcAft>
+                          <a:spcPts val="0"/>
+                        </a:spcAft>
+                        <a:buClrTx/>
+                        <a:buSzTx/>
+                        <a:buFontTx/>
+                        <a:buNone/>
+                        <a:tabLst/>
+                        <a:defRPr/>
+                      </a:pPr>
+                      <a:r>
+                        <a:rPr lang="en-US" sz="1800" kern="100" dirty="0">
+                          <a:effectLst/>
+                          <a:latin typeface="Calibri" panose="020F0502020204030204" pitchFamily="34" charset="0"/>
+                          <a:ea typeface="Calibri" panose="020F0502020204030204" pitchFamily="34" charset="0"/>
+                          <a:cs typeface="Cordia New" panose="020B0304020202020204" pitchFamily="34" charset="-34"/>
+                        </a:rPr>
+                        <a:t>MSCOCO, LVIS, </a:t>
+                      </a:r>
+                      <a:r>
+                        <a:rPr lang="en-US" sz="1800" kern="100" dirty="0" err="1">
+                          <a:effectLst/>
+                          <a:latin typeface="Calibri" panose="020F0502020204030204" pitchFamily="34" charset="0"/>
+                          <a:ea typeface="Calibri" panose="020F0502020204030204" pitchFamily="34" charset="0"/>
+                          <a:cs typeface="Cordia New" panose="020B0304020202020204" pitchFamily="34" charset="-34"/>
+                        </a:rPr>
+                        <a:t>ODinW</a:t>
+                      </a:r>
+                      <a:endParaRPr lang="en-IN" sz="1800" kern="100" dirty="0">
+                        <a:effectLst/>
+                        <a:latin typeface="Calibri" panose="020F0502020204030204" pitchFamily="34" charset="0"/>
+                        <a:ea typeface="Calibri" panose="020F0502020204030204" pitchFamily="34" charset="0"/>
+                        <a:cs typeface="Cordia New" panose="020B0304020202020204" pitchFamily="34" charset="-34"/>
+                      </a:endParaRPr>
+                    </a:p>
+                  </a:txBody>
+                  <a:tcPr/>
+                </a:tc>
+                <a:tc>
+                  <a:txBody>
+                    <a:bodyPr/>
+                    <a:lstStyle/>
+                    <a:p>
+                      <a:r>
+                        <a:rPr lang="en-US" dirty="0"/>
+                        <a:t>Swin Transformer, Swin Transformer</a:t>
+                      </a:r>
+                      <a:endParaRPr lang="en-IN" dirty="0"/>
+                    </a:p>
+                  </a:txBody>
+                  <a:tcPr/>
+                </a:tc>
+                <a:tc>
+                  <a:txBody>
+                    <a:bodyPr/>
+                    <a:lstStyle/>
+                    <a:p>
+                      <a:r>
+                        <a:rPr lang="en-US" dirty="0"/>
+                        <a:t>Object Detection</a:t>
+                      </a:r>
+                      <a:endParaRPr lang="en-IN" dirty="0"/>
+                    </a:p>
+                  </a:txBody>
+                  <a:tcPr/>
+                </a:tc>
+                <a:tc>
+                  <a:txBody>
+                    <a:bodyPr/>
+                    <a:lstStyle/>
+                    <a:p>
+                      <a:r>
+                        <a:rPr lang="en-IN" sz="1800" kern="1200" dirty="0">
+                          <a:solidFill>
+                            <a:schemeClr val="dk1"/>
+                          </a:solidFill>
+                          <a:effectLst/>
+                          <a:latin typeface="+mn-lt"/>
+                          <a:ea typeface="+mn-ea"/>
+                          <a:cs typeface="+mn-cs"/>
+                        </a:rPr>
+                        <a:t>Multiple cross attention between image and text.</a:t>
+                      </a:r>
+                    </a:p>
+                    <a:p>
+                      <a:r>
+                        <a:rPr lang="en-IN" sz="1800" kern="1200" dirty="0">
+                          <a:solidFill>
+                            <a:schemeClr val="dk1"/>
+                          </a:solidFill>
+                          <a:effectLst/>
+                          <a:latin typeface="+mn-lt"/>
+                          <a:ea typeface="+mn-ea"/>
+                          <a:cs typeface="+mn-cs"/>
+                        </a:rPr>
+                        <a:t>Decoder layer with self and cross attn.</a:t>
+                      </a:r>
                     </a:p>
                   </a:txBody>
                   <a:tcPr/>
@@ -8436,91 +13559,6 @@
                 <a:extLst>
                   <a:ext uri="{0D108BD9-81ED-4DB2-BD59-A6C34878D82A}">
                     <a16:rowId xmlns:a16="http://schemas.microsoft.com/office/drawing/2014/main" val="2907816467"/>
-                  </a:ext>
-                </a:extLst>
-              </a:tr>
-              <a:tr h="873337">
-                <a:tc>
-                  <a:txBody>
-                    <a:bodyPr/>
-                    <a:lstStyle/>
-                    <a:p>
-                      <a:r>
-                        <a:rPr lang="en-US" dirty="0"/>
-                        <a:t>20</a:t>
-                      </a:r>
-                      <a:endParaRPr lang="en-IN" dirty="0"/>
-                    </a:p>
-                  </a:txBody>
-                  <a:tcPr/>
-                </a:tc>
-                <a:tc>
-                  <a:txBody>
-                    <a:bodyPr/>
-                    <a:lstStyle/>
-                    <a:p>
-                      <a:r>
-                        <a:rPr lang="en-US" dirty="0"/>
-                        <a:t>ICEv2</a:t>
-                      </a:r>
-                      <a:endParaRPr lang="en-IN" dirty="0"/>
-                    </a:p>
-                  </a:txBody>
-                  <a:tcPr/>
-                </a:tc>
-                <a:tc>
-                  <a:txBody>
-                    <a:bodyPr/>
-                    <a:lstStyle/>
-                    <a:p>
-                      <a:endParaRPr lang="en-IN" dirty="0"/>
-                    </a:p>
-                  </a:txBody>
-                  <a:tcPr/>
-                </a:tc>
-                <a:tc>
-                  <a:txBody>
-                    <a:bodyPr/>
-                    <a:lstStyle/>
-                    <a:p>
-                      <a:endParaRPr lang="en-IN" dirty="0"/>
-                    </a:p>
-                  </a:txBody>
-                  <a:tcPr/>
-                </a:tc>
-                <a:tc>
-                  <a:txBody>
-                    <a:bodyPr/>
-                    <a:lstStyle/>
-                    <a:p>
-                      <a:endParaRPr lang="en-IN" dirty="0"/>
-                    </a:p>
-                  </a:txBody>
-                  <a:tcPr/>
-                </a:tc>
-                <a:tc>
-                  <a:txBody>
-                    <a:bodyPr/>
-                    <a:lstStyle/>
-                    <a:p>
-                      <a:endParaRPr lang="en-IN" dirty="0"/>
-                    </a:p>
-                  </a:txBody>
-                  <a:tcPr/>
-                </a:tc>
-                <a:tc>
-                  <a:txBody>
-                    <a:bodyPr/>
-                    <a:lstStyle/>
-                    <a:p>
-                      <a:endParaRPr lang="en-IN" dirty="0"/>
-                    </a:p>
-                  </a:txBody>
-                  <a:tcPr/>
-                </a:tc>
-                <a:extLst>
-                  <a:ext uri="{0D108BD9-81ED-4DB2-BD59-A6C34878D82A}">
-                    <a16:rowId xmlns:a16="http://schemas.microsoft.com/office/drawing/2014/main" val="3748464164"/>
                   </a:ext>
                 </a:extLst>
               </a:tr>
@@ -8564,48 +13602,12 @@
           </a:prstGeom>
         </p:spPr>
       </p:pic>
-    </p:spTree>
-    <p:extLst>
-      <p:ext uri="{BB962C8B-B14F-4D97-AF65-F5344CB8AC3E}">
-        <p14:creationId xmlns:p14="http://schemas.microsoft.com/office/powerpoint/2010/main" val="692730610"/>
-      </p:ext>
-    </p:extLst>
-  </p:cSld>
-  <p:clrMapOvr>
-    <a:masterClrMapping/>
-  </p:clrMapOvr>
-</p:sld>
-</file>
-
-<file path=ppt/slides/slide9.xml><?xml version="1.0" encoding="utf-8"?>
-<p:sld xmlns:a="http://schemas.openxmlformats.org/drawingml/2006/main" xmlns:r="http://schemas.openxmlformats.org/officeDocument/2006/relationships" xmlns:p="http://schemas.openxmlformats.org/presentationml/2006/main">
-  <p:cSld>
-    <p:spTree>
-      <p:nvGrpSpPr>
-        <p:cNvPr id="1" name="">
-          <a:extLst>
-            <a:ext uri="{FF2B5EF4-FFF2-40B4-BE49-F238E27FC236}">
-              <a16:creationId xmlns:a16="http://schemas.microsoft.com/office/drawing/2014/main" id="{64F44206-D055-3FAC-C960-17EEFD2EEF3B}"/>
-            </a:ext>
-          </a:extLst>
-        </p:cNvPr>
-        <p:cNvGrpSpPr/>
-        <p:nvPr/>
-      </p:nvGrpSpPr>
-      <p:grpSpPr>
-        <a:xfrm>
-          <a:off x="0" y="0"/>
-          <a:ext cx="0" cy="0"/>
-          <a:chOff x="0" y="0"/>
-          <a:chExt cx="0" cy="0"/>
-        </a:xfrm>
-      </p:grpSpPr>
       <p:sp>
         <p:nvSpPr>
-          <p:cNvPr id="2" name="Title 1">
+          <p:cNvPr id="3" name="Slide Number Placeholder 2">
             <a:extLst>
               <a:ext uri="{FF2B5EF4-FFF2-40B4-BE49-F238E27FC236}">
-                <a16:creationId xmlns:a16="http://schemas.microsoft.com/office/drawing/2014/main" id="{AE97C939-5403-508E-0DBA-B92FBC22A91F}"/>
+                <a16:creationId xmlns:a16="http://schemas.microsoft.com/office/drawing/2014/main" id="{C5F5E3D3-7D8D-80E5-8A21-3FB6F586C8EF}"/>
               </a:ext>
             </a:extLst>
           </p:cNvPr>
@@ -8613,589 +13615,26 @@
             <a:spLocks noGrp="1"/>
           </p:cNvSpPr>
           <p:nvPr>
-            <p:ph type="title"/>
+            <p:ph type="sldNum" sz="quarter" idx="12"/>
           </p:nvPr>
         </p:nvSpPr>
-        <p:spPr>
-          <a:xfrm>
-            <a:off x="838200" y="365125"/>
-            <a:ext cx="10391778" cy="1325563"/>
-          </a:xfrm>
-        </p:spPr>
+        <p:spPr/>
         <p:txBody>
           <a:bodyPr/>
           <a:lstStyle/>
           <a:p>
-            <a:r>
-              <a:rPr lang="en-US" dirty="0"/>
-              <a:t>Literature Survey</a:t>
-            </a:r>
+            <a:fld id="{1DFBB4D5-A254-497C-8800-325BFC8980A0}" type="slidenum">
+              <a:rPr lang="en-IN" smtClean="0"/>
+              <a:t>9</a:t>
+            </a:fld>
             <a:endParaRPr lang="en-IN" dirty="0"/>
           </a:p>
         </p:txBody>
       </p:sp>
-      <p:graphicFrame>
-        <p:nvGraphicFramePr>
-          <p:cNvPr id="10" name="Table 9">
-            <a:extLst>
-              <a:ext uri="{FF2B5EF4-FFF2-40B4-BE49-F238E27FC236}">
-                <a16:creationId xmlns:a16="http://schemas.microsoft.com/office/drawing/2014/main" id="{7B6AA826-8691-A8EA-5AB6-66D98FDB6A71}"/>
-              </a:ext>
-            </a:extLst>
-          </p:cNvPr>
-          <p:cNvGraphicFramePr>
-            <a:graphicFrameLocks noGrp="1"/>
-          </p:cNvGraphicFramePr>
-          <p:nvPr>
-            <p:extLst>
-              <p:ext uri="{D42A27DB-BD31-4B8C-83A1-F6EECF244321}">
-                <p14:modId xmlns:p14="http://schemas.microsoft.com/office/powerpoint/2010/main" val="1311776797"/>
-              </p:ext>
-            </p:extLst>
-          </p:nvPr>
-        </p:nvGraphicFramePr>
-        <p:xfrm>
-          <a:off x="962020" y="1310216"/>
-          <a:ext cx="10391780" cy="4059557"/>
-        </p:xfrm>
-        <a:graphic>
-          <a:graphicData uri="http://schemas.openxmlformats.org/drawingml/2006/table">
-            <a:tbl>
-              <a:tblPr firstRow="1" bandRow="1">
-                <a:tableStyleId>{5C22544A-7EE6-4342-B048-85BDC9FD1C3A}</a:tableStyleId>
-              </a:tblPr>
-              <a:tblGrid>
-                <a:gridCol w="914400">
-                  <a:extLst>
-                    <a:ext uri="{9D8B030D-6E8A-4147-A177-3AD203B41FA5}">
-                      <a16:colId xmlns:a16="http://schemas.microsoft.com/office/drawing/2014/main" val="3999095857"/>
-                    </a:ext>
-                  </a:extLst>
-                </a:gridCol>
-                <a:gridCol w="1266825">
-                  <a:extLst>
-                    <a:ext uri="{9D8B030D-6E8A-4147-A177-3AD203B41FA5}">
-                      <a16:colId xmlns:a16="http://schemas.microsoft.com/office/drawing/2014/main" val="218132091"/>
-                    </a:ext>
-                  </a:extLst>
-                </a:gridCol>
-                <a:gridCol w="1295400">
-                  <a:extLst>
-                    <a:ext uri="{9D8B030D-6E8A-4147-A177-3AD203B41FA5}">
-                      <a16:colId xmlns:a16="http://schemas.microsoft.com/office/drawing/2014/main" val="189629736"/>
-                    </a:ext>
-                  </a:extLst>
-                </a:gridCol>
-                <a:gridCol w="1704975">
-                  <a:extLst>
-                    <a:ext uri="{9D8B030D-6E8A-4147-A177-3AD203B41FA5}">
-                      <a16:colId xmlns:a16="http://schemas.microsoft.com/office/drawing/2014/main" val="3190891163"/>
-                    </a:ext>
-                  </a:extLst>
-                </a:gridCol>
-                <a:gridCol w="1743075">
-                  <a:extLst>
-                    <a:ext uri="{9D8B030D-6E8A-4147-A177-3AD203B41FA5}">
-                      <a16:colId xmlns:a16="http://schemas.microsoft.com/office/drawing/2014/main" val="33616868"/>
-                    </a:ext>
-                  </a:extLst>
-                </a:gridCol>
-                <a:gridCol w="1504950">
-                  <a:extLst>
-                    <a:ext uri="{9D8B030D-6E8A-4147-A177-3AD203B41FA5}">
-                      <a16:colId xmlns:a16="http://schemas.microsoft.com/office/drawing/2014/main" val="2863264942"/>
-                    </a:ext>
-                  </a:extLst>
-                </a:gridCol>
-                <a:gridCol w="1962155">
-                  <a:extLst>
-                    <a:ext uri="{9D8B030D-6E8A-4147-A177-3AD203B41FA5}">
-                      <a16:colId xmlns:a16="http://schemas.microsoft.com/office/drawing/2014/main" val="417061360"/>
-                    </a:ext>
-                  </a:extLst>
-                </a:gridCol>
-              </a:tblGrid>
-              <a:tr h="566209">
-                <a:tc>
-                  <a:txBody>
-                    <a:bodyPr/>
-                    <a:lstStyle/>
-                    <a:p>
-                      <a:r>
-                        <a:rPr lang="en-US" dirty="0"/>
-                        <a:t>Sr No </a:t>
-                      </a:r>
-                      <a:endParaRPr lang="en-IN" dirty="0"/>
-                    </a:p>
-                  </a:txBody>
-                  <a:tcPr/>
-                </a:tc>
-                <a:tc>
-                  <a:txBody>
-                    <a:bodyPr/>
-                    <a:lstStyle/>
-                    <a:p>
-                      <a:r>
-                        <a:rPr lang="en-US" dirty="0"/>
-                        <a:t>Method </a:t>
-                      </a:r>
-                      <a:endParaRPr lang="en-IN" dirty="0"/>
-                    </a:p>
-                  </a:txBody>
-                  <a:tcPr/>
-                </a:tc>
-                <a:tc>
-                  <a:txBody>
-                    <a:bodyPr/>
-                    <a:lstStyle/>
-                    <a:p>
-                      <a:r>
-                        <a:rPr lang="en-US" dirty="0"/>
-                        <a:t>Category</a:t>
-                      </a:r>
-                      <a:endParaRPr lang="en-IN" dirty="0"/>
-                    </a:p>
-                  </a:txBody>
-                  <a:tcPr/>
-                </a:tc>
-                <a:tc>
-                  <a:txBody>
-                    <a:bodyPr/>
-                    <a:lstStyle/>
-                    <a:p>
-                      <a:r>
-                        <a:rPr lang="en-US" dirty="0"/>
-                        <a:t>Dataset</a:t>
-                      </a:r>
-                      <a:endParaRPr lang="en-IN" dirty="0"/>
-                    </a:p>
-                  </a:txBody>
-                  <a:tcPr/>
-                </a:tc>
-                <a:tc>
-                  <a:txBody>
-                    <a:bodyPr/>
-                    <a:lstStyle/>
-                    <a:p>
-                      <a:r>
-                        <a:rPr lang="en-US" dirty="0"/>
-                        <a:t>Model</a:t>
-                      </a:r>
-                      <a:endParaRPr lang="en-IN" dirty="0"/>
-                    </a:p>
-                  </a:txBody>
-                  <a:tcPr/>
-                </a:tc>
-                <a:tc>
-                  <a:txBody>
-                    <a:bodyPr/>
-                    <a:lstStyle/>
-                    <a:p>
-                      <a:r>
-                        <a:rPr lang="en-US" dirty="0"/>
-                        <a:t>Task</a:t>
-                      </a:r>
-                      <a:endParaRPr lang="en-IN" dirty="0"/>
-                    </a:p>
-                  </a:txBody>
-                  <a:tcPr/>
-                </a:tc>
-                <a:tc>
-                  <a:txBody>
-                    <a:bodyPr/>
-                    <a:lstStyle/>
-                    <a:p>
-                      <a:r>
-                        <a:rPr lang="en-US" dirty="0"/>
-                        <a:t>Information</a:t>
-                      </a:r>
-                      <a:endParaRPr lang="en-IN" dirty="0"/>
-                    </a:p>
-                  </a:txBody>
-                  <a:tcPr/>
-                </a:tc>
-                <a:extLst>
-                  <a:ext uri="{0D108BD9-81ED-4DB2-BD59-A6C34878D82A}">
-                    <a16:rowId xmlns:a16="http://schemas.microsoft.com/office/drawing/2014/main" val="1236473839"/>
-                  </a:ext>
-                </a:extLst>
-              </a:tr>
-              <a:tr h="873337">
-                <a:tc>
-                  <a:txBody>
-                    <a:bodyPr/>
-                    <a:lstStyle/>
-                    <a:p>
-                      <a:r>
-                        <a:rPr lang="en-US" dirty="0"/>
-                        <a:t>21</a:t>
-                      </a:r>
-                      <a:endParaRPr lang="en-IN" dirty="0"/>
-                    </a:p>
-                  </a:txBody>
-                  <a:tcPr/>
-                </a:tc>
-                <a:tc>
-                  <a:txBody>
-                    <a:bodyPr/>
-                    <a:lstStyle/>
-                    <a:p>
-                      <a:r>
-                        <a:rPr lang="en-US" dirty="0"/>
-                        <a:t>3VL</a:t>
-                      </a:r>
-                      <a:endParaRPr lang="en-IN" dirty="0"/>
-                    </a:p>
-                  </a:txBody>
-                  <a:tcPr/>
-                </a:tc>
-                <a:tc>
-                  <a:txBody>
-                    <a:bodyPr/>
-                    <a:lstStyle/>
-                    <a:p>
-                      <a:endParaRPr lang="en-IN" dirty="0"/>
-                    </a:p>
-                  </a:txBody>
-                  <a:tcPr/>
-                </a:tc>
-                <a:tc>
-                  <a:txBody>
-                    <a:bodyPr/>
-                    <a:lstStyle/>
-                    <a:p>
-                      <a:endParaRPr lang="en-IN" dirty="0"/>
-                    </a:p>
-                  </a:txBody>
-                  <a:tcPr/>
-                </a:tc>
-                <a:tc>
-                  <a:txBody>
-                    <a:bodyPr/>
-                    <a:lstStyle/>
-                    <a:p>
-                      <a:endParaRPr lang="en-IN" dirty="0"/>
-                    </a:p>
-                  </a:txBody>
-                  <a:tcPr/>
-                </a:tc>
-                <a:tc>
-                  <a:txBody>
-                    <a:bodyPr/>
-                    <a:lstStyle/>
-                    <a:p>
-                      <a:endParaRPr lang="en-IN" dirty="0"/>
-                    </a:p>
-                  </a:txBody>
-                  <a:tcPr/>
-                </a:tc>
-                <a:tc>
-                  <a:txBody>
-                    <a:bodyPr/>
-                    <a:lstStyle/>
-                    <a:p>
-                      <a:endParaRPr lang="en-IN" dirty="0"/>
-                    </a:p>
-                  </a:txBody>
-                  <a:tcPr/>
-                </a:tc>
-                <a:extLst>
-                  <a:ext uri="{0D108BD9-81ED-4DB2-BD59-A6C34878D82A}">
-                    <a16:rowId xmlns:a16="http://schemas.microsoft.com/office/drawing/2014/main" val="1877996509"/>
-                  </a:ext>
-                </a:extLst>
-              </a:tr>
-              <a:tr h="873337">
-                <a:tc>
-                  <a:txBody>
-                    <a:bodyPr/>
-                    <a:lstStyle/>
-                    <a:p>
-                      <a:r>
-                        <a:rPr lang="en-US" dirty="0"/>
-                        <a:t>22</a:t>
-                      </a:r>
-                      <a:endParaRPr lang="en-IN" dirty="0"/>
-                    </a:p>
-                  </a:txBody>
-                  <a:tcPr/>
-                </a:tc>
-                <a:tc>
-                  <a:txBody>
-                    <a:bodyPr/>
-                    <a:lstStyle/>
-                    <a:p>
-                      <a:r>
-                        <a:rPr lang="en-US" dirty="0"/>
-                        <a:t>Segment Anything</a:t>
-                      </a:r>
-                      <a:endParaRPr lang="en-IN" dirty="0"/>
-                    </a:p>
-                  </a:txBody>
-                  <a:tcPr/>
-                </a:tc>
-                <a:tc>
-                  <a:txBody>
-                    <a:bodyPr/>
-                    <a:lstStyle/>
-                    <a:p>
-                      <a:endParaRPr lang="en-IN" dirty="0"/>
-                    </a:p>
-                  </a:txBody>
-                  <a:tcPr/>
-                </a:tc>
-                <a:tc>
-                  <a:txBody>
-                    <a:bodyPr/>
-                    <a:lstStyle/>
-                    <a:p>
-                      <a:endParaRPr lang="en-IN" dirty="0"/>
-                    </a:p>
-                  </a:txBody>
-                  <a:tcPr/>
-                </a:tc>
-                <a:tc>
-                  <a:txBody>
-                    <a:bodyPr/>
-                    <a:lstStyle/>
-                    <a:p>
-                      <a:endParaRPr lang="en-IN" dirty="0"/>
-                    </a:p>
-                  </a:txBody>
-                  <a:tcPr/>
-                </a:tc>
-                <a:tc>
-                  <a:txBody>
-                    <a:bodyPr/>
-                    <a:lstStyle/>
-                    <a:p>
-                      <a:endParaRPr lang="en-IN" dirty="0"/>
-                    </a:p>
-                  </a:txBody>
-                  <a:tcPr/>
-                </a:tc>
-                <a:tc>
-                  <a:txBody>
-                    <a:bodyPr/>
-                    <a:lstStyle/>
-                    <a:p>
-                      <a:endParaRPr lang="en-IN" dirty="0"/>
-                    </a:p>
-                  </a:txBody>
-                  <a:tcPr/>
-                </a:tc>
-                <a:extLst>
-                  <a:ext uri="{0D108BD9-81ED-4DB2-BD59-A6C34878D82A}">
-                    <a16:rowId xmlns:a16="http://schemas.microsoft.com/office/drawing/2014/main" val="2493072846"/>
-                  </a:ext>
-                </a:extLst>
-              </a:tr>
-              <a:tr h="873337">
-                <a:tc>
-                  <a:txBody>
-                    <a:bodyPr/>
-                    <a:lstStyle/>
-                    <a:p>
-                      <a:r>
-                        <a:rPr lang="en-US" dirty="0"/>
-                        <a:t>23</a:t>
-                      </a:r>
-                      <a:endParaRPr lang="en-IN" dirty="0"/>
-                    </a:p>
-                  </a:txBody>
-                  <a:tcPr/>
-                </a:tc>
-                <a:tc>
-                  <a:txBody>
-                    <a:bodyPr/>
-                    <a:lstStyle/>
-                    <a:p>
-                      <a:endParaRPr lang="en-IN" dirty="0"/>
-                    </a:p>
-                  </a:txBody>
-                  <a:tcPr/>
-                </a:tc>
-                <a:tc>
-                  <a:txBody>
-                    <a:bodyPr/>
-                    <a:lstStyle/>
-                    <a:p>
-                      <a:endParaRPr lang="en-IN" dirty="0"/>
-                    </a:p>
-                  </a:txBody>
-                  <a:tcPr/>
-                </a:tc>
-                <a:tc>
-                  <a:txBody>
-                    <a:bodyPr/>
-                    <a:lstStyle/>
-                    <a:p>
-                      <a:endParaRPr lang="en-IN" dirty="0"/>
-                    </a:p>
-                  </a:txBody>
-                  <a:tcPr/>
-                </a:tc>
-                <a:tc>
-                  <a:txBody>
-                    <a:bodyPr/>
-                    <a:lstStyle/>
-                    <a:p>
-                      <a:endParaRPr lang="en-IN" dirty="0"/>
-                    </a:p>
-                  </a:txBody>
-                  <a:tcPr/>
-                </a:tc>
-                <a:tc>
-                  <a:txBody>
-                    <a:bodyPr/>
-                    <a:lstStyle/>
-                    <a:p>
-                      <a:endParaRPr lang="en-IN" dirty="0"/>
-                    </a:p>
-                  </a:txBody>
-                  <a:tcPr/>
-                </a:tc>
-                <a:tc>
-                  <a:txBody>
-                    <a:bodyPr/>
-                    <a:lstStyle/>
-                    <a:p>
-                      <a:endParaRPr lang="en-IN" dirty="0"/>
-                    </a:p>
-                  </a:txBody>
-                  <a:tcPr/>
-                </a:tc>
-                <a:extLst>
-                  <a:ext uri="{0D108BD9-81ED-4DB2-BD59-A6C34878D82A}">
-                    <a16:rowId xmlns:a16="http://schemas.microsoft.com/office/drawing/2014/main" val="2907816467"/>
-                  </a:ext>
-                </a:extLst>
-              </a:tr>
-              <a:tr h="873337">
-                <a:tc>
-                  <a:txBody>
-                    <a:bodyPr/>
-                    <a:lstStyle/>
-                    <a:p>
-                      <a:r>
-                        <a:rPr lang="en-US" dirty="0"/>
-                        <a:t>24</a:t>
-                      </a:r>
-                      <a:endParaRPr lang="en-IN" dirty="0"/>
-                    </a:p>
-                  </a:txBody>
-                  <a:tcPr/>
-                </a:tc>
-                <a:tc>
-                  <a:txBody>
-                    <a:bodyPr/>
-                    <a:lstStyle/>
-                    <a:p>
-                      <a:endParaRPr lang="en-IN" dirty="0"/>
-                    </a:p>
-                  </a:txBody>
-                  <a:tcPr/>
-                </a:tc>
-                <a:tc>
-                  <a:txBody>
-                    <a:bodyPr/>
-                    <a:lstStyle/>
-                    <a:p>
-                      <a:endParaRPr lang="en-IN" dirty="0"/>
-                    </a:p>
-                  </a:txBody>
-                  <a:tcPr/>
-                </a:tc>
-                <a:tc>
-                  <a:txBody>
-                    <a:bodyPr/>
-                    <a:lstStyle/>
-                    <a:p>
-                      <a:endParaRPr lang="en-IN" dirty="0"/>
-                    </a:p>
-                  </a:txBody>
-                  <a:tcPr/>
-                </a:tc>
-                <a:tc>
-                  <a:txBody>
-                    <a:bodyPr/>
-                    <a:lstStyle/>
-                    <a:p>
-                      <a:endParaRPr lang="en-IN" dirty="0"/>
-                    </a:p>
-                  </a:txBody>
-                  <a:tcPr/>
-                </a:tc>
-                <a:tc>
-                  <a:txBody>
-                    <a:bodyPr/>
-                    <a:lstStyle/>
-                    <a:p>
-                      <a:endParaRPr lang="en-IN" dirty="0"/>
-                    </a:p>
-                  </a:txBody>
-                  <a:tcPr/>
-                </a:tc>
-                <a:tc>
-                  <a:txBody>
-                    <a:bodyPr/>
-                    <a:lstStyle/>
-                    <a:p>
-                      <a:endParaRPr lang="en-IN" dirty="0"/>
-                    </a:p>
-                  </a:txBody>
-                  <a:tcPr/>
-                </a:tc>
-                <a:extLst>
-                  <a:ext uri="{0D108BD9-81ED-4DB2-BD59-A6C34878D82A}">
-                    <a16:rowId xmlns:a16="http://schemas.microsoft.com/office/drawing/2014/main" val="3748464164"/>
-                  </a:ext>
-                </a:extLst>
-              </a:tr>
-            </a:tbl>
-          </a:graphicData>
-        </a:graphic>
-      </p:graphicFrame>
-      <p:pic>
-        <p:nvPicPr>
-          <p:cNvPr id="5" name="Picture 4">
-            <a:extLst>
-              <a:ext uri="{FF2B5EF4-FFF2-40B4-BE49-F238E27FC236}">
-                <a16:creationId xmlns:a16="http://schemas.microsoft.com/office/drawing/2014/main" id="{66EAAC1F-2615-7B00-CA9F-B7029EC28353}"/>
-              </a:ext>
-            </a:extLst>
-          </p:cNvPr>
-          <p:cNvPicPr>
-            <a:picLocks noChangeAspect="1"/>
-          </p:cNvPicPr>
-          <p:nvPr/>
-        </p:nvPicPr>
-        <p:blipFill>
-          <a:blip r:embed="rId2">
-            <a:extLst>
-              <a:ext uri="{28A0092B-C50C-407E-A947-70E740481C1C}">
-                <a14:useLocalDpi xmlns:a14="http://schemas.microsoft.com/office/drawing/2010/main" val="0"/>
-              </a:ext>
-            </a:extLst>
-          </a:blip>
-          <a:stretch>
-            <a:fillRect/>
-          </a:stretch>
-        </p:blipFill>
-        <p:spPr>
-          <a:xfrm>
-            <a:off x="10094490" y="0"/>
-            <a:ext cx="1863300" cy="1050925"/>
-          </a:xfrm>
-          <a:prstGeom prst="rect">
-            <a:avLst/>
-          </a:prstGeom>
-        </p:spPr>
-      </p:pic>
     </p:spTree>
     <p:extLst>
       <p:ext uri="{BB962C8B-B14F-4D97-AF65-F5344CB8AC3E}">
-        <p14:creationId xmlns:p14="http://schemas.microsoft.com/office/powerpoint/2010/main" val="1492827380"/>
+        <p14:creationId xmlns:p14="http://schemas.microsoft.com/office/powerpoint/2010/main" val="692730610"/>
       </p:ext>
     </p:extLst>
   </p:cSld>
